--- a/presentation.pptx
+++ b/presentation.pptx
@@ -5,40 +5,41 @@
     <p:sldMasterId id="2147483648" r:id="rId1"/>
   </p:sldMasterIdLst>
   <p:notesMasterIdLst>
-    <p:notesMasterId r:id="rId30"/>
+    <p:notesMasterId r:id="rId31"/>
   </p:notesMasterIdLst>
   <p:handoutMasterIdLst>
-    <p:handoutMasterId r:id="rId31"/>
+    <p:handoutMasterId r:id="rId32"/>
   </p:handoutMasterIdLst>
   <p:sldIdLst>
     <p:sldId id="257" r:id="rId2"/>
     <p:sldId id="289" r:id="rId3"/>
-    <p:sldId id="265" r:id="rId4"/>
-    <p:sldId id="268" r:id="rId5"/>
-    <p:sldId id="267" r:id="rId6"/>
-    <p:sldId id="261" r:id="rId7"/>
-    <p:sldId id="259" r:id="rId8"/>
-    <p:sldId id="269" r:id="rId9"/>
-    <p:sldId id="262" r:id="rId10"/>
-    <p:sldId id="271" r:id="rId11"/>
-    <p:sldId id="263" r:id="rId12"/>
-    <p:sldId id="264" r:id="rId13"/>
-    <p:sldId id="273" r:id="rId14"/>
-    <p:sldId id="270" r:id="rId15"/>
-    <p:sldId id="286" r:id="rId16"/>
-    <p:sldId id="274" r:id="rId17"/>
-    <p:sldId id="275" r:id="rId18"/>
-    <p:sldId id="276" r:id="rId19"/>
-    <p:sldId id="277" r:id="rId20"/>
-    <p:sldId id="280" r:id="rId21"/>
-    <p:sldId id="287" r:id="rId22"/>
-    <p:sldId id="279" r:id="rId23"/>
-    <p:sldId id="288" r:id="rId24"/>
-    <p:sldId id="281" r:id="rId25"/>
-    <p:sldId id="282" r:id="rId26"/>
-    <p:sldId id="283" r:id="rId27"/>
-    <p:sldId id="284" r:id="rId28"/>
-    <p:sldId id="285" r:id="rId29"/>
+    <p:sldId id="290" r:id="rId4"/>
+    <p:sldId id="291" r:id="rId5"/>
+    <p:sldId id="265" r:id="rId6"/>
+    <p:sldId id="268" r:id="rId7"/>
+    <p:sldId id="267" r:id="rId8"/>
+    <p:sldId id="261" r:id="rId9"/>
+    <p:sldId id="259" r:id="rId10"/>
+    <p:sldId id="262" r:id="rId11"/>
+    <p:sldId id="271" r:id="rId12"/>
+    <p:sldId id="263" r:id="rId13"/>
+    <p:sldId id="264" r:id="rId14"/>
+    <p:sldId id="273" r:id="rId15"/>
+    <p:sldId id="270" r:id="rId16"/>
+    <p:sldId id="286" r:id="rId17"/>
+    <p:sldId id="274" r:id="rId18"/>
+    <p:sldId id="275" r:id="rId19"/>
+    <p:sldId id="280" r:id="rId20"/>
+    <p:sldId id="287" r:id="rId21"/>
+    <p:sldId id="279" r:id="rId22"/>
+    <p:sldId id="288" r:id="rId23"/>
+    <p:sldId id="276" r:id="rId24"/>
+    <p:sldId id="277" r:id="rId25"/>
+    <p:sldId id="281" r:id="rId26"/>
+    <p:sldId id="282" r:id="rId27"/>
+    <p:sldId id="283" r:id="rId28"/>
+    <p:sldId id="284" r:id="rId29"/>
+    <p:sldId id="285" r:id="rId30"/>
   </p:sldIdLst>
   <p:sldSz cx="12192000" cy="6858000"/>
   <p:notesSz cx="7099300" cy="10234613"/>
@@ -244,7 +245,7 @@
           <a:p>
             <a:fld id="{96C6AA85-543A-49BD-AAEA-D8BCB9E3072D}" type="datetimeFigureOut">
               <a:rPr lang="en-AU" smtClean="0"/>
-              <a:t>13/09/2022</a:t>
+              <a:t>15/09/2022</a:t>
             </a:fld>
             <a:endParaRPr lang="en-AU"/>
           </a:p>
@@ -409,7 +410,7 @@
           <a:p>
             <a:fld id="{AC062A73-2E64-49D6-ABD8-1FCFA8272204}" type="datetimeFigureOut">
               <a:rPr lang="en-AU" smtClean="0"/>
-              <a:t>13/09/2022</a:t>
+              <a:t>15/09/2022</a:t>
             </a:fld>
             <a:endParaRPr lang="en-AU"/>
           </a:p>
@@ -805,10 +806,20 @@
           <a:bodyPr/>
           <a:lstStyle/>
           <a:p>
-            <a:pPr marL="171450" indent="-171450">
-              <a:buFontTx/>
-              <a:buChar char="-"/>
-            </a:pPr>
+            <a:r>
+              <a:rPr lang="en-US" dirty="0"/>
+              <a:t>Invariant</a:t>
+            </a:r>
+          </a:p>
+          <a:p>
+            <a:r>
+              <a:rPr lang="en-US" dirty="0"/>
+              <a:t>result = x ^ </a:t>
+            </a:r>
+            <a:r>
+              <a:rPr lang="en-US" dirty="0" err="1"/>
+              <a:t>i</a:t>
+            </a:r>
             <a:endParaRPr lang="en-US" dirty="0"/>
           </a:p>
         </p:txBody>
@@ -839,7 +850,7 @@
     </p:spTree>
     <p:extLst>
       <p:ext uri="{BB962C8B-B14F-4D97-AF65-F5344CB8AC3E}">
-        <p14:creationId xmlns:p14="http://schemas.microsoft.com/office/powerpoint/2010/main" val="2288242952"/>
+        <p14:creationId xmlns:p14="http://schemas.microsoft.com/office/powerpoint/2010/main" val="3831044075"/>
       </p:ext>
     </p:extLst>
   </p:cSld>
@@ -893,18 +904,10 @@
           <a:bodyPr/>
           <a:lstStyle/>
           <a:p>
-            <a:r>
-              <a:rPr lang="en-US" dirty="0"/>
-              <a:t>Invariant</a:t>
-            </a:r>
-          </a:p>
-          <a:p>
-            <a:r>
-              <a:rPr lang="en-US" dirty="0"/>
-              <a:t>t = n * (n + 1) / 2</a:t>
-            </a:r>
-          </a:p>
-          <a:p>
+            <a:pPr marL="171450" indent="-171450">
+              <a:buFontTx/>
+              <a:buChar char="-"/>
+            </a:pPr>
             <a:endParaRPr lang="en-US" dirty="0"/>
           </a:p>
         </p:txBody>
@@ -935,7 +938,7 @@
     </p:spTree>
     <p:extLst>
       <p:ext uri="{BB962C8B-B14F-4D97-AF65-F5344CB8AC3E}">
-        <p14:creationId xmlns:p14="http://schemas.microsoft.com/office/powerpoint/2010/main" val="1120997191"/>
+        <p14:creationId xmlns:p14="http://schemas.microsoft.com/office/powerpoint/2010/main" val="2288242952"/>
       </p:ext>
     </p:extLst>
   </p:cSld>
@@ -989,6 +992,18 @@
           <a:bodyPr/>
           <a:lstStyle/>
           <a:p>
+            <a:r>
+              <a:rPr lang="en-US" dirty="0"/>
+              <a:t>Invariant</a:t>
+            </a:r>
+          </a:p>
+          <a:p>
+            <a:r>
+              <a:rPr lang="en-US" dirty="0"/>
+              <a:t>t = n * (n + 1) / 2</a:t>
+            </a:r>
+          </a:p>
+          <a:p>
             <a:endParaRPr lang="en-US" dirty="0"/>
           </a:p>
         </p:txBody>
@@ -1019,7 +1034,7 @@
     </p:spTree>
     <p:extLst>
       <p:ext uri="{BB962C8B-B14F-4D97-AF65-F5344CB8AC3E}">
-        <p14:creationId xmlns:p14="http://schemas.microsoft.com/office/powerpoint/2010/main" val="4019400439"/>
+        <p14:creationId xmlns:p14="http://schemas.microsoft.com/office/powerpoint/2010/main" val="1120997191"/>
       </p:ext>
     </p:extLst>
   </p:cSld>
@@ -1074,382 +1089,301 @@
           <a:lstStyle/>
           <a:p>
             <a:r>
-              <a:rPr lang="en-US" dirty="0"/>
-              <a:t>Invariants</a:t>
-            </a:r>
-          </a:p>
-          <a:p>
+              <a:rPr lang="en-US" b="1" dirty="0"/>
+              <a:t>https://www.win.tue.nl/~kbuchin/teaching/JBP030/notebooks/loop-invariants.html</a:t>
+            </a:r>
+          </a:p>
+          <a:p>
+            <a:r>
+              <a:rPr lang="en-US" b="1" dirty="0"/>
+              <a:t>https://www.win.tue.nl/~kbuchin/teaching/JBP030/notebooks/loop-invariants.html</a:t>
+            </a:r>
+          </a:p>
+          <a:p>
+            <a:r>
+              <a:rPr lang="en-US" b="1" dirty="0"/>
+              <a:t>Loop Invariant:</a:t>
+            </a:r>
+            <a:r>
+              <a:rPr lang="en-US" dirty="0"/>
+              <a:t> At the start of iteration </a:t>
+            </a:r>
+            <a:r>
+              <a:rPr lang="en-US" i="1" dirty="0">
+                <a:effectLst/>
+                <a:latin typeface="MathJax_Math"/>
+              </a:rPr>
+              <a:t>j </a:t>
+            </a:r>
+            <a:r>
+              <a:rPr lang="en-US" dirty="0"/>
+              <a:t>of the loop, the variable </a:t>
+            </a:r>
+            <a:r>
+              <a:rPr lang="en-US" i="1" dirty="0"/>
+              <a:t>answer</a:t>
+            </a:r>
+            <a:r>
+              <a:rPr lang="en-US" dirty="0"/>
+              <a:t> should contain the sum of the numbers from the subarray A[0:j].</a:t>
+            </a:r>
+          </a:p>
+          <a:p>
+            <a:r>
+              <a:rPr lang="en-US" b="1" dirty="0"/>
+              <a:t>Initialization:</a:t>
+            </a:r>
+            <a:r>
+              <a:rPr lang="en-US" dirty="0"/>
+              <a:t> At the start of the first loop the loop invariant states: 'At the start of the first iteration of the loop, the variable </a:t>
+            </a:r>
+            <a:r>
+              <a:rPr lang="en-US" i="1" dirty="0"/>
+              <a:t>answer</a:t>
+            </a:r>
+            <a:r>
+              <a:rPr lang="en-US" dirty="0"/>
+              <a:t> should contain the sum of the numbers from the subarray A[0:0], which is an empty array. The sum of the numbers in an empty array is 0, and this is what </a:t>
+            </a:r>
+            <a:r>
+              <a:rPr lang="en-US" i="1" dirty="0"/>
+              <a:t>answer</a:t>
+            </a:r>
+            <a:r>
+              <a:rPr lang="en-US" dirty="0"/>
+              <a:t> has been set to.</a:t>
+            </a:r>
+          </a:p>
+          <a:p>
+            <a:r>
+              <a:rPr lang="en-US" b="1" dirty="0"/>
+              <a:t>Maintenance:</a:t>
+            </a:r>
+            <a:r>
+              <a:rPr lang="en-US" dirty="0"/>
+              <a:t> Assume that the loop invariant holds at the start of iteration </a:t>
+            </a:r>
+            <a:r>
+              <a:rPr lang="en-US" i="1" dirty="0">
+                <a:effectLst/>
+                <a:latin typeface="MathJax_Math"/>
+              </a:rPr>
+              <a:t>j</a:t>
+            </a:r>
             <a:endParaRPr lang="en-US" dirty="0"/>
           </a:p>
           <a:p>
             <a:r>
               <a:rPr lang="en-US" dirty="0"/>
-              <a:t>Inner loop:</a:t>
-            </a:r>
-          </a:p>
-          <a:p>
-            <a:r>
-              <a:rPr lang="en-US" b="0" dirty="0" err="1">
-                <a:solidFill>
-                  <a:srgbClr val="AF00DB"/>
-                </a:solidFill>
+              <a:t>. Then it must be that </a:t>
+            </a:r>
+            <a:r>
+              <a:rPr lang="en-US" i="1" dirty="0"/>
+              <a:t>answer</a:t>
+            </a:r>
+            <a:r>
+              <a:rPr lang="en-US" dirty="0"/>
+              <a:t> contains the sum of numbers in subarray </a:t>
+            </a:r>
+            <a:r>
+              <a:rPr lang="en-US" i="1" dirty="0">
                 <a:effectLst/>
-                <a:latin typeface="Consolas" panose="020B0609020204030204" pitchFamily="49" charset="0"/>
-              </a:rPr>
-              <a:t>forall</a:t>
-            </a:r>
-            <a:r>
-              <a:rPr lang="en-US" b="0" dirty="0">
-                <a:solidFill>
-                  <a:srgbClr val="000000"/>
-                </a:solidFill>
+                <a:latin typeface="MathJax_Math"/>
+              </a:rPr>
+              <a:t>A</a:t>
+            </a:r>
+            <a:r>
+              <a:rPr lang="en-US" dirty="0">
                 <a:effectLst/>
-                <a:latin typeface="Consolas" panose="020B0609020204030204" pitchFamily="49" charset="0"/>
-              </a:rPr>
-              <a:t> </a:t>
-            </a:r>
-            <a:r>
-              <a:rPr lang="en-US" b="0" dirty="0" err="1">
-                <a:solidFill>
-                  <a:srgbClr val="000000"/>
-                </a:solidFill>
+                <a:latin typeface="MathJax_Main"/>
+              </a:rPr>
+              <a:t>[0:</a:t>
+            </a:r>
+            <a:r>
+              <a:rPr lang="en-US" i="1" dirty="0">
                 <a:effectLst/>
-                <a:latin typeface="Consolas" panose="020B0609020204030204" pitchFamily="49" charset="0"/>
+                <a:latin typeface="MathJax_Math"/>
+              </a:rPr>
+              <a:t>j</a:t>
+            </a:r>
+            <a:r>
+              <a:rPr lang="en-US" dirty="0">
+                <a:effectLst/>
+                <a:latin typeface="MathJax_Main"/>
+              </a:rPr>
+              <a:t>]</a:t>
+            </a:r>
+            <a:r>
+              <a:rPr lang="en-US" dirty="0"/>
+              <a:t>. In the body of the loop we add </a:t>
+            </a:r>
+            <a:r>
+              <a:rPr lang="en-US" i="1" dirty="0">
+                <a:effectLst/>
+                <a:latin typeface="MathJax_Math"/>
+              </a:rPr>
+              <a:t>A</a:t>
+            </a:r>
+            <a:r>
+              <a:rPr lang="en-US" dirty="0">
+                <a:effectLst/>
+                <a:latin typeface="MathJax_Main"/>
+              </a:rPr>
+              <a:t>[</a:t>
+            </a:r>
+            <a:r>
+              <a:rPr lang="en-US" i="1" dirty="0">
+                <a:effectLst/>
+                <a:latin typeface="MathJax_Math"/>
+              </a:rPr>
+              <a:t>j</a:t>
+            </a:r>
+            <a:r>
+              <a:rPr lang="en-US" dirty="0">
+                <a:effectLst/>
+                <a:latin typeface="MathJax_Main"/>
+              </a:rPr>
+              <a:t>]</a:t>
+            </a:r>
+            <a:r>
+              <a:rPr lang="en-US" dirty="0"/>
+              <a:t> to </a:t>
+            </a:r>
+            <a:r>
+              <a:rPr lang="en-US" i="1" dirty="0"/>
+              <a:t>answer</a:t>
+            </a:r>
+            <a:r>
+              <a:rPr lang="en-US" dirty="0"/>
+              <a:t>. Thus at the start of iteration </a:t>
+            </a:r>
+            <a:r>
+              <a:rPr lang="en-US" i="1" dirty="0">
+                <a:effectLst/>
+                <a:latin typeface="MathJax_Math"/>
+              </a:rPr>
+              <a:t>j</a:t>
+            </a:r>
+            <a:r>
+              <a:rPr lang="en-US" dirty="0">
+                <a:effectLst/>
+                <a:latin typeface="MathJax_Main"/>
+              </a:rPr>
+              <a:t>+1</a:t>
+            </a:r>
+            <a:r>
+              <a:rPr lang="en-US" dirty="0"/>
+              <a:t>, </a:t>
+            </a:r>
+            <a:r>
+              <a:rPr lang="en-US" i="1" dirty="0"/>
+              <a:t>answer</a:t>
+            </a:r>
+            <a:r>
+              <a:rPr lang="en-US" dirty="0"/>
+              <a:t> will contain the sum of numbers in </a:t>
+            </a:r>
+            <a:r>
+              <a:rPr lang="en-US" i="1" dirty="0">
+                <a:effectLst/>
+                <a:latin typeface="MathJax_Math"/>
+              </a:rPr>
+              <a:t>A</a:t>
+            </a:r>
+            <a:r>
+              <a:rPr lang="en-US" dirty="0">
+                <a:effectLst/>
+                <a:latin typeface="MathJax_Main"/>
+              </a:rPr>
+              <a:t>[0:</a:t>
+            </a:r>
+            <a:r>
+              <a:rPr lang="en-US" i="1" dirty="0">
+                <a:effectLst/>
+                <a:latin typeface="MathJax_Math"/>
+              </a:rPr>
+              <a:t>j</a:t>
+            </a:r>
+            <a:r>
+              <a:rPr lang="en-US" dirty="0">
+                <a:effectLst/>
+                <a:latin typeface="MathJax_Main"/>
+              </a:rPr>
+              <a:t>+1]</a:t>
+            </a:r>
+            <a:r>
+              <a:rPr lang="en-US" dirty="0"/>
+              <a:t>, which is what we needed to prove.</a:t>
+            </a:r>
+          </a:p>
+          <a:p>
+            <a:r>
+              <a:rPr lang="en-US" b="1" dirty="0"/>
+              <a:t>Termination:</a:t>
+            </a:r>
+            <a:r>
+              <a:rPr lang="en-US" dirty="0"/>
+              <a:t> When the </a:t>
+            </a:r>
+            <a:r>
+              <a:rPr lang="en-US" b="1" dirty="0"/>
+              <a:t>for</a:t>
+            </a:r>
+            <a:r>
+              <a:rPr lang="en-US" dirty="0"/>
+              <a:t>-loop terminates </a:t>
+            </a:r>
+            <a:r>
+              <a:rPr lang="en-US" i="1" dirty="0" err="1">
+                <a:effectLst/>
+                <a:latin typeface="MathJax_Math"/>
               </a:rPr>
               <a:t>i</a:t>
             </a:r>
             <a:r>
-              <a:rPr lang="en-US" b="0" dirty="0">
-                <a:solidFill>
-                  <a:srgbClr val="000000"/>
-                </a:solidFill>
+              <a:rPr lang="en-US" dirty="0">
                 <a:effectLst/>
-                <a:latin typeface="Consolas" panose="020B0609020204030204" pitchFamily="49" charset="0"/>
-              </a:rPr>
-              <a:t> :: n &lt;= </a:t>
-            </a:r>
-            <a:r>
-              <a:rPr lang="en-US" b="0" dirty="0" err="1">
-                <a:solidFill>
-                  <a:srgbClr val="000000"/>
-                </a:solidFill>
+                <a:latin typeface="MathJax_Main"/>
+              </a:rPr>
+              <a:t>=(</a:t>
+            </a:r>
+            <a:r>
+              <a:rPr lang="en-US" i="1" dirty="0">
                 <a:effectLst/>
-                <a:latin typeface="Consolas" panose="020B0609020204030204" pitchFamily="49" charset="0"/>
-              </a:rPr>
-              <a:t>i</a:t>
-            </a:r>
-            <a:r>
-              <a:rPr lang="en-US" b="0" dirty="0">
-                <a:solidFill>
-                  <a:srgbClr val="000000"/>
-                </a:solidFill>
+                <a:latin typeface="MathJax_Math"/>
+              </a:rPr>
+              <a:t>n</a:t>
+            </a:r>
+            <a:r>
+              <a:rPr lang="en-US" dirty="0">
                 <a:effectLst/>
-                <a:latin typeface="Consolas" panose="020B0609020204030204" pitchFamily="49" charset="0"/>
-              </a:rPr>
-              <a:t> &lt; m ==&gt; a[</a:t>
-            </a:r>
-            <a:r>
-              <a:rPr lang="en-US" b="0" dirty="0" err="1">
-                <a:solidFill>
-                  <a:srgbClr val="000000"/>
-                </a:solidFill>
+                <a:latin typeface="MathJax_Main"/>
+              </a:rPr>
+              <a:t>−1)+1=</a:t>
+            </a:r>
+            <a:r>
+              <a:rPr lang="en-US" i="1" dirty="0">
                 <a:effectLst/>
-                <a:latin typeface="Consolas" panose="020B0609020204030204" pitchFamily="49" charset="0"/>
-              </a:rPr>
-              <a:t>mindex</a:t>
-            </a:r>
-            <a:r>
-              <a:rPr lang="en-US" b="0" dirty="0">
-                <a:solidFill>
-                  <a:srgbClr val="000000"/>
-                </a:solidFill>
-                <a:effectLst/>
-                <a:latin typeface="Consolas" panose="020B0609020204030204" pitchFamily="49" charset="0"/>
-              </a:rPr>
-              <a:t>] &lt;= a[</a:t>
-            </a:r>
-            <a:r>
-              <a:rPr lang="en-US" b="0" dirty="0" err="1">
-                <a:solidFill>
-                  <a:srgbClr val="000000"/>
-                </a:solidFill>
-                <a:effectLst/>
-                <a:latin typeface="Consolas" panose="020B0609020204030204" pitchFamily="49" charset="0"/>
-              </a:rPr>
-              <a:t>i</a:t>
-            </a:r>
-            <a:r>
-              <a:rPr lang="en-US" b="0" dirty="0">
-                <a:solidFill>
-                  <a:srgbClr val="000000"/>
-                </a:solidFill>
-                <a:effectLst/>
-                <a:latin typeface="Consolas" panose="020B0609020204030204" pitchFamily="49" charset="0"/>
-              </a:rPr>
-              <a:t>]  </a:t>
-            </a:r>
-            <a:r>
-              <a:rPr lang="en-US" b="0" dirty="0">
-                <a:solidFill>
-                  <a:srgbClr val="008000"/>
-                </a:solidFill>
-                <a:effectLst/>
-                <a:latin typeface="Consolas" panose="020B0609020204030204" pitchFamily="49" charset="0"/>
-              </a:rPr>
-              <a:t>//</a:t>
-            </a:r>
-            <a:r>
-              <a:rPr lang="en-US" b="0" dirty="0" err="1">
-                <a:solidFill>
-                  <a:srgbClr val="008000"/>
-                </a:solidFill>
-                <a:effectLst/>
-                <a:latin typeface="Consolas" panose="020B0609020204030204" pitchFamily="49" charset="0"/>
-              </a:rPr>
-              <a:t>mindex</a:t>
-            </a:r>
-            <a:r>
-              <a:rPr lang="en-US" b="0" dirty="0">
-                <a:solidFill>
-                  <a:srgbClr val="008000"/>
-                </a:solidFill>
-                <a:effectLst/>
-                <a:latin typeface="Consolas" panose="020B0609020204030204" pitchFamily="49" charset="0"/>
-              </a:rPr>
-              <a:t> is current smallest in range n &lt; m</a:t>
-            </a:r>
-          </a:p>
-          <a:p>
-            <a:endParaRPr lang="en-US" b="0" dirty="0">
-              <a:solidFill>
-                <a:srgbClr val="008000"/>
-              </a:solidFill>
-              <a:effectLst/>
-              <a:latin typeface="Consolas" panose="020B0609020204030204" pitchFamily="49" charset="0"/>
-            </a:endParaRPr>
-          </a:p>
-          <a:p>
-            <a:r>
-              <a:rPr lang="en-US" b="0" dirty="0" err="1">
-                <a:solidFill>
-                  <a:srgbClr val="008000"/>
-                </a:solidFill>
-                <a:effectLst/>
-                <a:latin typeface="Consolas" panose="020B0609020204030204" pitchFamily="49" charset="0"/>
-              </a:rPr>
-              <a:t>outter</a:t>
-            </a:r>
-            <a:r>
-              <a:rPr lang="en-US" b="0" dirty="0">
-                <a:solidFill>
-                  <a:srgbClr val="008000"/>
-                </a:solidFill>
-                <a:effectLst/>
-                <a:latin typeface="Consolas" panose="020B0609020204030204" pitchFamily="49" charset="0"/>
-              </a:rPr>
-              <a:t> loop:</a:t>
-            </a:r>
-          </a:p>
-          <a:p>
-            <a:pPr marL="0" marR="0" lvl="0" indent="0" algn="l" defTabSz="914400" rtl="0" eaLnBrk="1" fontAlgn="auto" latinLnBrk="0" hangingPunct="1">
-              <a:lnSpc>
-                <a:spcPct val="100000"/>
-              </a:lnSpc>
-              <a:spcBef>
-                <a:spcPts val="0"/>
-              </a:spcBef>
-              <a:spcAft>
-                <a:spcPts val="0"/>
-              </a:spcAft>
-              <a:buClrTx/>
-              <a:buSzTx/>
-              <a:buFontTx/>
-              <a:buNone/>
-              <a:tabLst/>
-              <a:defRPr/>
-            </a:pPr>
-            <a:r>
-              <a:rPr lang="en-US" b="0" dirty="0" err="1">
-                <a:solidFill>
-                  <a:srgbClr val="AF00DB"/>
-                </a:solidFill>
-                <a:effectLst/>
-                <a:latin typeface="Consolas" panose="020B0609020204030204" pitchFamily="49" charset="0"/>
-              </a:rPr>
-              <a:t>forall</a:t>
-            </a:r>
-            <a:r>
-              <a:rPr lang="en-US" b="0" dirty="0">
-                <a:solidFill>
-                  <a:srgbClr val="000000"/>
-                </a:solidFill>
-                <a:effectLst/>
-                <a:latin typeface="Consolas" panose="020B0609020204030204" pitchFamily="49" charset="0"/>
-              </a:rPr>
-              <a:t> </a:t>
-            </a:r>
-            <a:r>
-              <a:rPr lang="en-US" b="0" dirty="0" err="1">
-                <a:solidFill>
-                  <a:srgbClr val="000000"/>
-                </a:solidFill>
-                <a:effectLst/>
-                <a:latin typeface="Consolas" panose="020B0609020204030204" pitchFamily="49" charset="0"/>
-              </a:rPr>
-              <a:t>i</a:t>
-            </a:r>
-            <a:r>
-              <a:rPr lang="en-US" b="0" dirty="0">
-                <a:solidFill>
-                  <a:srgbClr val="000000"/>
-                </a:solidFill>
-                <a:effectLst/>
-                <a:latin typeface="Consolas" panose="020B0609020204030204" pitchFamily="49" charset="0"/>
-              </a:rPr>
-              <a:t>, j :: 0 &lt;= </a:t>
-            </a:r>
-            <a:r>
-              <a:rPr lang="en-US" b="0" dirty="0" err="1">
-                <a:solidFill>
-                  <a:srgbClr val="000000"/>
-                </a:solidFill>
-                <a:effectLst/>
-                <a:latin typeface="Consolas" panose="020B0609020204030204" pitchFamily="49" charset="0"/>
-              </a:rPr>
-              <a:t>i</a:t>
-            </a:r>
-            <a:r>
-              <a:rPr lang="en-US" b="0" dirty="0">
-                <a:solidFill>
-                  <a:srgbClr val="000000"/>
-                </a:solidFill>
-                <a:effectLst/>
-                <a:latin typeface="Consolas" panose="020B0609020204030204" pitchFamily="49" charset="0"/>
-              </a:rPr>
-              <a:t> &lt; n &lt;= j &lt; </a:t>
-            </a:r>
-            <a:r>
-              <a:rPr lang="en-US" b="0" dirty="0" err="1">
-                <a:solidFill>
-                  <a:srgbClr val="000000"/>
-                </a:solidFill>
-                <a:effectLst/>
-                <a:latin typeface="Consolas" panose="020B0609020204030204" pitchFamily="49" charset="0"/>
-              </a:rPr>
-              <a:t>a.Length</a:t>
-            </a:r>
-            <a:r>
-              <a:rPr lang="en-US" b="0" dirty="0">
-                <a:solidFill>
-                  <a:srgbClr val="000000"/>
-                </a:solidFill>
-                <a:effectLst/>
-                <a:latin typeface="Consolas" panose="020B0609020204030204" pitchFamily="49" charset="0"/>
-              </a:rPr>
-              <a:t> ==&gt; a[</a:t>
-            </a:r>
-            <a:r>
-              <a:rPr lang="en-US" b="0" dirty="0" err="1">
-                <a:solidFill>
-                  <a:srgbClr val="000000"/>
-                </a:solidFill>
-                <a:effectLst/>
-                <a:latin typeface="Consolas" panose="020B0609020204030204" pitchFamily="49" charset="0"/>
-              </a:rPr>
-              <a:t>i</a:t>
-            </a:r>
-            <a:r>
-              <a:rPr lang="en-US" b="0" dirty="0">
-                <a:solidFill>
-                  <a:srgbClr val="000000"/>
-                </a:solidFill>
-                <a:effectLst/>
-                <a:latin typeface="Consolas" panose="020B0609020204030204" pitchFamily="49" charset="0"/>
-              </a:rPr>
-              <a:t>] &lt;= a[j] </a:t>
-            </a:r>
-            <a:r>
-              <a:rPr lang="en-US" b="0" dirty="0">
-                <a:solidFill>
-                  <a:srgbClr val="008000"/>
-                </a:solidFill>
-                <a:effectLst/>
-                <a:latin typeface="Consolas" panose="020B0609020204030204" pitchFamily="49" charset="0"/>
-              </a:rPr>
-              <a:t>//all the values in the sorted section will be lower then any value in the non sorted section </a:t>
-            </a:r>
-            <a:endParaRPr lang="en-US" b="0" dirty="0">
-              <a:solidFill>
-                <a:srgbClr val="000000"/>
-              </a:solidFill>
-              <a:effectLst/>
-              <a:latin typeface="Consolas" panose="020B0609020204030204" pitchFamily="49" charset="0"/>
-            </a:endParaRPr>
-          </a:p>
-          <a:p>
-            <a:pPr marL="0" marR="0" lvl="0" indent="0" algn="l" defTabSz="914400" rtl="0" eaLnBrk="1" fontAlgn="auto" latinLnBrk="0" hangingPunct="1">
-              <a:lnSpc>
-                <a:spcPct val="100000"/>
-              </a:lnSpc>
-              <a:spcBef>
-                <a:spcPts val="0"/>
-              </a:spcBef>
-              <a:spcAft>
-                <a:spcPts val="0"/>
-              </a:spcAft>
-              <a:buClrTx/>
-              <a:buSzTx/>
-              <a:buFontTx/>
-              <a:buNone/>
-              <a:tabLst/>
-              <a:defRPr/>
-            </a:pPr>
-            <a:r>
-              <a:rPr lang="en-US" b="0" dirty="0" err="1">
-                <a:solidFill>
-                  <a:srgbClr val="AF00DB"/>
-                </a:solidFill>
-                <a:effectLst/>
-                <a:latin typeface="Consolas" panose="020B0609020204030204" pitchFamily="49" charset="0"/>
-              </a:rPr>
-              <a:t>forall</a:t>
-            </a:r>
-            <a:r>
-              <a:rPr lang="en-US" b="0" dirty="0">
-                <a:solidFill>
-                  <a:srgbClr val="000000"/>
-                </a:solidFill>
-                <a:effectLst/>
-                <a:latin typeface="Consolas" panose="020B0609020204030204" pitchFamily="49" charset="0"/>
-              </a:rPr>
-              <a:t> k1, k2 :: 0 &lt;= k1 &lt; k2 &lt; n ==&gt; a[k1] &lt;= a[k2] </a:t>
-            </a:r>
-            <a:r>
-              <a:rPr lang="en-US" b="0" dirty="0">
-                <a:solidFill>
-                  <a:srgbClr val="008000"/>
-                </a:solidFill>
-                <a:effectLst/>
-                <a:latin typeface="Consolas" panose="020B0609020204030204" pitchFamily="49" charset="0"/>
-              </a:rPr>
-              <a:t>//all values in the sorted section are sorted with respect to one another</a:t>
-            </a:r>
-            <a:endParaRPr lang="en-US" b="0" dirty="0">
-              <a:solidFill>
-                <a:srgbClr val="000000"/>
-              </a:solidFill>
-              <a:effectLst/>
-              <a:latin typeface="Consolas" panose="020B0609020204030204" pitchFamily="49" charset="0"/>
-            </a:endParaRPr>
-          </a:p>
-          <a:p>
-            <a:endParaRPr lang="en-US" b="0" dirty="0">
-              <a:solidFill>
-                <a:srgbClr val="008000"/>
-              </a:solidFill>
-              <a:effectLst/>
-              <a:latin typeface="Consolas" panose="020B0609020204030204" pitchFamily="49" charset="0"/>
-            </a:endParaRPr>
+                <a:latin typeface="MathJax_Math"/>
+              </a:rPr>
+              <a:t>n</a:t>
+            </a:r>
+            <a:endParaRPr lang="en-US" dirty="0"/>
+          </a:p>
+          <a:p>
+            <a:r>
+              <a:rPr lang="en-US" dirty="0"/>
+              <a:t>. Now the loop invariant gives: The variable </a:t>
+            </a:r>
+            <a:r>
+              <a:rPr lang="en-US" i="1" dirty="0"/>
+              <a:t>answer</a:t>
+            </a:r>
+            <a:r>
+              <a:rPr lang="en-US" dirty="0"/>
+              <a:t> contains the sum of all numbers in subarray A[0:n]=A. This is exactly the value that the algorithm should output, and which it then outputs. Therefore the algorithm is correct.</a:t>
+            </a:r>
+            <a:endParaRPr lang="en-AU" b="1" dirty="0"/>
           </a:p>
         </p:txBody>
       </p:sp>
@@ -1479,7 +1413,7 @@
     </p:spTree>
     <p:extLst>
       <p:ext uri="{BB962C8B-B14F-4D97-AF65-F5344CB8AC3E}">
-        <p14:creationId xmlns:p14="http://schemas.microsoft.com/office/powerpoint/2010/main" val="3233136200"/>
+        <p14:creationId xmlns:p14="http://schemas.microsoft.com/office/powerpoint/2010/main" val="3953192635"/>
       </p:ext>
     </p:extLst>
   </p:cSld>
@@ -1858,7 +1792,7 @@
     </p:spTree>
     <p:extLst>
       <p:ext uri="{BB962C8B-B14F-4D97-AF65-F5344CB8AC3E}">
-        <p14:creationId xmlns:p14="http://schemas.microsoft.com/office/powerpoint/2010/main" val="3953192635"/>
+        <p14:creationId xmlns:p14="http://schemas.microsoft.com/office/powerpoint/2010/main" val="1437535294"/>
       </p:ext>
     </p:extLst>
   </p:cSld>
@@ -1913,300 +1847,39 @@
           <a:lstStyle/>
           <a:p>
             <a:r>
-              <a:rPr lang="en-US" b="1" dirty="0"/>
-              <a:t>https://www.win.tue.nl/~kbuchin/teaching/JBP030/notebooks/loop-invariants.html</a:t>
-            </a:r>
-          </a:p>
-          <a:p>
-            <a:r>
-              <a:rPr lang="en-US" b="1" dirty="0"/>
-              <a:t>https://www.win.tue.nl/~kbuchin/teaching/JBP030/notebooks/loop-invariants.html</a:t>
-            </a:r>
-          </a:p>
-          <a:p>
-            <a:r>
-              <a:rPr lang="en-US" b="1" dirty="0"/>
-              <a:t>Loop Invariant:</a:t>
-            </a:r>
-            <a:r>
-              <a:rPr lang="en-US" dirty="0"/>
-              <a:t> At the start of iteration </a:t>
-            </a:r>
-            <a:r>
-              <a:rPr lang="en-US" i="1" dirty="0">
-                <a:effectLst/>
-                <a:latin typeface="MathJax_Math"/>
-              </a:rPr>
-              <a:t>j </a:t>
-            </a:r>
-            <a:r>
-              <a:rPr lang="en-US" dirty="0"/>
-              <a:t>of the loop, the variable </a:t>
-            </a:r>
-            <a:r>
-              <a:rPr lang="en-US" i="1" dirty="0"/>
-              <a:t>answer</a:t>
-            </a:r>
-            <a:r>
-              <a:rPr lang="en-US" dirty="0"/>
-              <a:t> should contain the sum of the numbers from the subarray A[0:j].</a:t>
-            </a:r>
-          </a:p>
-          <a:p>
-            <a:r>
-              <a:rPr lang="en-US" b="1" dirty="0"/>
-              <a:t>Initialization:</a:t>
-            </a:r>
-            <a:r>
-              <a:rPr lang="en-US" dirty="0"/>
-              <a:t> At the start of the first loop the loop invariant states: 'At the start of the first iteration of the loop, the variable </a:t>
-            </a:r>
-            <a:r>
-              <a:rPr lang="en-US" i="1" dirty="0"/>
-              <a:t>answer</a:t>
-            </a:r>
-            <a:r>
-              <a:rPr lang="en-US" dirty="0"/>
-              <a:t> should contain the sum of the numbers from the subarray A[0:0], which is an empty array. The sum of the numbers in an empty array is 0, and this is what </a:t>
-            </a:r>
-            <a:r>
-              <a:rPr lang="en-US" i="1" dirty="0"/>
-              <a:t>answer</a:t>
-            </a:r>
-            <a:r>
-              <a:rPr lang="en-US" dirty="0"/>
-              <a:t> has been set to.</a:t>
-            </a:r>
-          </a:p>
-          <a:p>
-            <a:r>
-              <a:rPr lang="en-US" b="1" dirty="0"/>
-              <a:t>Maintenance:</a:t>
-            </a:r>
-            <a:r>
-              <a:rPr lang="en-US" dirty="0"/>
-              <a:t> Assume that the loop invariant holds at the start of iteration </a:t>
-            </a:r>
-            <a:r>
-              <a:rPr lang="en-US" i="1" dirty="0">
-                <a:effectLst/>
-                <a:latin typeface="MathJax_Math"/>
-              </a:rPr>
-              <a:t>j</a:t>
-            </a:r>
-            <a:endParaRPr lang="en-US" dirty="0"/>
-          </a:p>
-          <a:p>
-            <a:r>
-              <a:rPr lang="en-US" dirty="0"/>
-              <a:t>. Then it must be that </a:t>
-            </a:r>
-            <a:r>
-              <a:rPr lang="en-US" i="1" dirty="0"/>
-              <a:t>answer</a:t>
-            </a:r>
-            <a:r>
-              <a:rPr lang="en-US" dirty="0"/>
-              <a:t> contains the sum of numbers in subarray </a:t>
-            </a:r>
-            <a:r>
-              <a:rPr lang="en-US" i="1" dirty="0">
-                <a:effectLst/>
-                <a:latin typeface="MathJax_Math"/>
-              </a:rPr>
-              <a:t>A</a:t>
-            </a:r>
-            <a:r>
-              <a:rPr lang="en-US" dirty="0">
-                <a:effectLst/>
-                <a:latin typeface="MathJax_Main"/>
-              </a:rPr>
-              <a:t>[0:</a:t>
-            </a:r>
-            <a:r>
-              <a:rPr lang="en-US" i="1" dirty="0">
-                <a:effectLst/>
-                <a:latin typeface="MathJax_Math"/>
-              </a:rPr>
-              <a:t>j</a:t>
-            </a:r>
-            <a:r>
-              <a:rPr lang="en-US" dirty="0">
-                <a:effectLst/>
-                <a:latin typeface="MathJax_Main"/>
-              </a:rPr>
-              <a:t>]</a:t>
-            </a:r>
-            <a:r>
-              <a:rPr lang="en-US" dirty="0"/>
-              <a:t>. In the body of the loop we add </a:t>
-            </a:r>
-            <a:r>
-              <a:rPr lang="en-US" i="1" dirty="0">
-                <a:effectLst/>
-                <a:latin typeface="MathJax_Math"/>
-              </a:rPr>
-              <a:t>A</a:t>
-            </a:r>
-            <a:r>
-              <a:rPr lang="en-US" dirty="0">
-                <a:effectLst/>
-                <a:latin typeface="MathJax_Main"/>
-              </a:rPr>
-              <a:t>[</a:t>
-            </a:r>
-            <a:r>
-              <a:rPr lang="en-US" i="1" dirty="0">
-                <a:effectLst/>
-                <a:latin typeface="MathJax_Math"/>
-              </a:rPr>
-              <a:t>j</a:t>
-            </a:r>
-            <a:r>
-              <a:rPr lang="en-US" dirty="0">
-                <a:effectLst/>
-                <a:latin typeface="MathJax_Main"/>
-              </a:rPr>
-              <a:t>]</a:t>
-            </a:r>
-            <a:r>
-              <a:rPr lang="en-US" dirty="0"/>
-              <a:t> to </a:t>
-            </a:r>
-            <a:r>
-              <a:rPr lang="en-US" i="1" dirty="0"/>
-              <a:t>answer</a:t>
-            </a:r>
-            <a:r>
-              <a:rPr lang="en-US" dirty="0"/>
-              <a:t>. Thus at the start of iteration </a:t>
-            </a:r>
-            <a:r>
-              <a:rPr lang="en-US" i="1" dirty="0">
-                <a:effectLst/>
-                <a:latin typeface="MathJax_Math"/>
-              </a:rPr>
-              <a:t>j</a:t>
-            </a:r>
-            <a:r>
-              <a:rPr lang="en-US" dirty="0">
-                <a:effectLst/>
-                <a:latin typeface="MathJax_Main"/>
-              </a:rPr>
-              <a:t>+1</a:t>
-            </a:r>
-            <a:r>
-              <a:rPr lang="en-US" dirty="0"/>
-              <a:t>, </a:t>
-            </a:r>
-            <a:r>
-              <a:rPr lang="en-US" i="1" dirty="0"/>
-              <a:t>answer</a:t>
-            </a:r>
-            <a:r>
-              <a:rPr lang="en-US" dirty="0"/>
-              <a:t> will contain the sum of numbers in </a:t>
-            </a:r>
-            <a:r>
-              <a:rPr lang="en-US" i="1" dirty="0">
-                <a:effectLst/>
-                <a:latin typeface="MathJax_Math"/>
-              </a:rPr>
-              <a:t>A</a:t>
-            </a:r>
-            <a:r>
-              <a:rPr lang="en-US" dirty="0">
-                <a:effectLst/>
-                <a:latin typeface="MathJax_Main"/>
-              </a:rPr>
-              <a:t>[0:</a:t>
-            </a:r>
-            <a:r>
-              <a:rPr lang="en-US" i="1" dirty="0">
-                <a:effectLst/>
-                <a:latin typeface="MathJax_Math"/>
-              </a:rPr>
-              <a:t>j</a:t>
-            </a:r>
-            <a:r>
-              <a:rPr lang="en-US" dirty="0">
-                <a:effectLst/>
-                <a:latin typeface="MathJax_Main"/>
-              </a:rPr>
-              <a:t>+1]</a:t>
-            </a:r>
-            <a:r>
-              <a:rPr lang="en-US" dirty="0"/>
-              <a:t>, which is what we needed to prove.</a:t>
-            </a:r>
-          </a:p>
-          <a:p>
-            <a:r>
-              <a:rPr lang="en-US" b="1" dirty="0"/>
-              <a:t>Termination:</a:t>
-            </a:r>
-            <a:r>
-              <a:rPr lang="en-US" dirty="0"/>
-              <a:t> When the </a:t>
-            </a:r>
-            <a:r>
-              <a:rPr lang="en-US" b="1" dirty="0"/>
-              <a:t>for</a:t>
-            </a:r>
-            <a:r>
-              <a:rPr lang="en-US" dirty="0"/>
-              <a:t>-loop terminates </a:t>
-            </a:r>
-            <a:r>
-              <a:rPr lang="en-US" i="1" dirty="0" err="1">
-                <a:effectLst/>
-                <a:latin typeface="MathJax_Math"/>
-              </a:rPr>
-              <a:t>i</a:t>
-            </a:r>
-            <a:r>
-              <a:rPr lang="en-US" dirty="0">
-                <a:effectLst/>
-                <a:latin typeface="MathJax_Main"/>
-              </a:rPr>
-              <a:t>=(</a:t>
-            </a:r>
-            <a:r>
-              <a:rPr lang="en-US" i="1" dirty="0">
-                <a:effectLst/>
-                <a:latin typeface="MathJax_Math"/>
-              </a:rPr>
-              <a:t>n</a:t>
-            </a:r>
-            <a:r>
-              <a:rPr lang="en-US" dirty="0">
-                <a:effectLst/>
-                <a:latin typeface="MathJax_Main"/>
-              </a:rPr>
-              <a:t>−1)+1=</a:t>
-            </a:r>
-            <a:r>
-              <a:rPr lang="en-US" i="1" dirty="0">
-                <a:effectLst/>
-                <a:latin typeface="MathJax_Math"/>
-              </a:rPr>
-              <a:t>n</a:t>
-            </a:r>
-            <a:endParaRPr lang="en-US" dirty="0"/>
-          </a:p>
-          <a:p>
-            <a:r>
-              <a:rPr lang="en-US" dirty="0"/>
-              <a:t>. Now the loop invariant gives: The variable </a:t>
-            </a:r>
-            <a:r>
-              <a:rPr lang="en-US" i="1" dirty="0"/>
-              <a:t>answer</a:t>
-            </a:r>
-            <a:r>
-              <a:rPr lang="en-US" dirty="0"/>
-              <a:t> contains the sum of all numbers in subarray A[0:n]=A. This is exactly the value that the algorithm should output, and which it then outputs. Therefore the algorithm is correct.</a:t>
-            </a:r>
+              <a:rPr lang="en-US" dirty="0"/>
+              <a:t>https://</a:t>
+            </a:r>
+            <a:r>
+              <a:rPr lang="en-US" dirty="0" err="1"/>
+              <a:t>www.baeldung.com</a:t>
+            </a:r>
+            <a:r>
+              <a:rPr lang="en-US" dirty="0"/>
+              <a:t>/cs/loop-invariant</a:t>
+            </a:r>
+          </a:p>
+          <a:p>
+            <a:endParaRPr lang="en-AU" b="1" dirty="0"/>
+          </a:p>
+          <a:p>
+            <a:pPr marL="0" marR="0" lvl="0" indent="0" algn="l" defTabSz="914400" rtl="0" eaLnBrk="1" fontAlgn="auto" latinLnBrk="0" hangingPunct="1">
+              <a:lnSpc>
+                <a:spcPct val="100000"/>
+              </a:lnSpc>
+              <a:spcBef>
+                <a:spcPts val="0"/>
+              </a:spcBef>
+              <a:spcAft>
+                <a:spcPts val="0"/>
+              </a:spcAft>
+              <a:buClrTx/>
+              <a:buSzTx/>
+              <a:buFontTx/>
+              <a:buNone/>
+              <a:tabLst/>
+              <a:defRPr/>
+            </a:pPr>
             <a:endParaRPr lang="en-AU" b="1" dirty="0"/>
           </a:p>
         </p:txBody>
@@ -2237,7 +1910,7 @@
     </p:spTree>
     <p:extLst>
       <p:ext uri="{BB962C8B-B14F-4D97-AF65-F5344CB8AC3E}">
-        <p14:creationId xmlns:p14="http://schemas.microsoft.com/office/powerpoint/2010/main" val="1437535294"/>
+        <p14:creationId xmlns:p14="http://schemas.microsoft.com/office/powerpoint/2010/main" val="4172274352"/>
       </p:ext>
     </p:extLst>
   </p:cSld>
@@ -2291,23 +1964,6 @@
           <a:bodyPr/>
           <a:lstStyle/>
           <a:p>
-            <a:r>
-              <a:rPr lang="en-US" dirty="0"/>
-              <a:t>https://</a:t>
-            </a:r>
-            <a:r>
-              <a:rPr lang="en-US" dirty="0" err="1"/>
-              <a:t>www.baeldung.com</a:t>
-            </a:r>
-            <a:r>
-              <a:rPr lang="en-US" dirty="0"/>
-              <a:t>/cs/loop-invariant</a:t>
-            </a:r>
-          </a:p>
-          <a:p>
-            <a:endParaRPr lang="en-AU" b="1" dirty="0"/>
-          </a:p>
-          <a:p>
             <a:pPr marL="0" marR="0" lvl="0" indent="0" algn="l" defTabSz="914400" rtl="0" eaLnBrk="1" fontAlgn="auto" latinLnBrk="0" hangingPunct="1">
               <a:lnSpc>
                 <a:spcPct val="100000"/>
@@ -2325,7 +1981,197 @@
               <a:tabLst/>
               <a:defRPr/>
             </a:pPr>
-            <a:endParaRPr lang="en-AU" b="1" dirty="0"/>
+            <a:endParaRPr lang="en-US" b="0" dirty="0">
+              <a:solidFill>
+                <a:srgbClr val="AF00DB"/>
+              </a:solidFill>
+              <a:effectLst/>
+              <a:latin typeface="Consolas" panose="020B0609020204030204" pitchFamily="49" charset="0"/>
+            </a:endParaRPr>
+          </a:p>
+          <a:p>
+            <a:pPr marL="0" marR="0" lvl="0" indent="0" algn="l" defTabSz="914400" rtl="0" eaLnBrk="1" fontAlgn="auto" latinLnBrk="0" hangingPunct="1">
+              <a:lnSpc>
+                <a:spcPct val="100000"/>
+              </a:lnSpc>
+              <a:spcBef>
+                <a:spcPts val="0"/>
+              </a:spcBef>
+              <a:spcAft>
+                <a:spcPts val="0"/>
+              </a:spcAft>
+              <a:buClrTx/>
+              <a:buSzTx/>
+              <a:buFontTx/>
+              <a:buNone/>
+              <a:tabLst/>
+              <a:defRPr/>
+            </a:pPr>
+            <a:r>
+              <a:rPr lang="en-US" b="0" dirty="0">
+                <a:solidFill>
+                  <a:srgbClr val="AF00DB"/>
+                </a:solidFill>
+                <a:effectLst/>
+                <a:latin typeface="Consolas" panose="020B0609020204030204" pitchFamily="49" charset="0"/>
+              </a:rPr>
+              <a:t>Invariants</a:t>
+            </a:r>
+          </a:p>
+          <a:p>
+            <a:pPr marL="0" marR="0" lvl="0" indent="0" algn="l" defTabSz="914400" rtl="0" eaLnBrk="1" fontAlgn="auto" latinLnBrk="0" hangingPunct="1">
+              <a:lnSpc>
+                <a:spcPct val="100000"/>
+              </a:lnSpc>
+              <a:spcBef>
+                <a:spcPts val="0"/>
+              </a:spcBef>
+              <a:spcAft>
+                <a:spcPts val="0"/>
+              </a:spcAft>
+              <a:buClrTx/>
+              <a:buSzTx/>
+              <a:buFontTx/>
+              <a:buNone/>
+              <a:tabLst/>
+              <a:defRPr/>
+            </a:pPr>
+            <a:r>
+              <a:rPr lang="en-US" b="0" dirty="0" err="1">
+                <a:solidFill>
+                  <a:srgbClr val="AF00DB"/>
+                </a:solidFill>
+                <a:effectLst/>
+                <a:latin typeface="Consolas" panose="020B0609020204030204" pitchFamily="49" charset="0"/>
+              </a:rPr>
+              <a:t>forall</a:t>
+            </a:r>
+            <a:r>
+              <a:rPr lang="en-US" b="0" dirty="0">
+                <a:solidFill>
+                  <a:srgbClr val="000000"/>
+                </a:solidFill>
+                <a:effectLst/>
+                <a:latin typeface="Consolas" panose="020B0609020204030204" pitchFamily="49" charset="0"/>
+              </a:rPr>
+              <a:t> j :: 0 &lt;= j &lt; </a:t>
+            </a:r>
+            <a:r>
+              <a:rPr lang="en-US" b="0" dirty="0" err="1">
+                <a:solidFill>
+                  <a:srgbClr val="000000"/>
+                </a:solidFill>
+                <a:effectLst/>
+                <a:latin typeface="Consolas" panose="020B0609020204030204" pitchFamily="49" charset="0"/>
+              </a:rPr>
+              <a:t>i</a:t>
+            </a:r>
+            <a:r>
+              <a:rPr lang="en-US" b="0" dirty="0">
+                <a:solidFill>
+                  <a:srgbClr val="000000"/>
+                </a:solidFill>
+                <a:effectLst/>
+                <a:latin typeface="Consolas" panose="020B0609020204030204" pitchFamily="49" charset="0"/>
+              </a:rPr>
+              <a:t> ==&gt; max &gt;= a[j] </a:t>
+            </a:r>
+            <a:r>
+              <a:rPr lang="en-US" b="0" dirty="0">
+                <a:solidFill>
+                  <a:srgbClr val="008000"/>
+                </a:solidFill>
+                <a:effectLst/>
+                <a:latin typeface="Consolas" panose="020B0609020204030204" pitchFamily="49" charset="0"/>
+              </a:rPr>
+              <a:t>//max is bigger or equal to anything seen so far (up to j)</a:t>
+            </a:r>
+            <a:endParaRPr lang="en-US" b="0" dirty="0">
+              <a:solidFill>
+                <a:srgbClr val="000000"/>
+              </a:solidFill>
+              <a:effectLst/>
+              <a:latin typeface="Consolas" panose="020B0609020204030204" pitchFamily="49" charset="0"/>
+            </a:endParaRPr>
+          </a:p>
+          <a:p>
+            <a:pPr marL="0" marR="0" lvl="0" indent="0" algn="l" defTabSz="914400" rtl="0" eaLnBrk="1" fontAlgn="auto" latinLnBrk="0" hangingPunct="1">
+              <a:lnSpc>
+                <a:spcPct val="100000"/>
+              </a:lnSpc>
+              <a:spcBef>
+                <a:spcPts val="0"/>
+              </a:spcBef>
+              <a:spcAft>
+                <a:spcPts val="0"/>
+              </a:spcAft>
+              <a:buClrTx/>
+              <a:buSzTx/>
+              <a:buFontTx/>
+              <a:buNone/>
+              <a:tabLst/>
+              <a:defRPr/>
+            </a:pPr>
+            <a:r>
+              <a:rPr lang="en-US" b="0" dirty="0">
+                <a:solidFill>
+                  <a:srgbClr val="AF00DB"/>
+                </a:solidFill>
+                <a:effectLst/>
+                <a:latin typeface="Consolas" panose="020B0609020204030204" pitchFamily="49" charset="0"/>
+              </a:rPr>
+              <a:t>exists</a:t>
+            </a:r>
+            <a:r>
+              <a:rPr lang="en-US" b="0" dirty="0">
+                <a:solidFill>
+                  <a:srgbClr val="000000"/>
+                </a:solidFill>
+                <a:effectLst/>
+                <a:latin typeface="Consolas" panose="020B0609020204030204" pitchFamily="49" charset="0"/>
+              </a:rPr>
+              <a:t> j :: 0 &lt;= j &lt; </a:t>
+            </a:r>
+            <a:r>
+              <a:rPr lang="en-US" b="0" dirty="0" err="1">
+                <a:solidFill>
+                  <a:srgbClr val="000000"/>
+                </a:solidFill>
+                <a:effectLst/>
+                <a:latin typeface="Consolas" panose="020B0609020204030204" pitchFamily="49" charset="0"/>
+              </a:rPr>
+              <a:t>i</a:t>
+            </a:r>
+            <a:r>
+              <a:rPr lang="en-US" b="0" dirty="0">
+                <a:solidFill>
+                  <a:srgbClr val="000000"/>
+                </a:solidFill>
+                <a:effectLst/>
+                <a:latin typeface="Consolas" panose="020B0609020204030204" pitchFamily="49" charset="0"/>
+              </a:rPr>
+              <a:t> &amp;&amp; max==a[j]    </a:t>
+            </a:r>
+            <a:r>
+              <a:rPr lang="en-US" b="0" dirty="0">
+                <a:solidFill>
+                  <a:srgbClr val="008000"/>
+                </a:solidFill>
+                <a:effectLst/>
+                <a:latin typeface="Consolas" panose="020B0609020204030204" pitchFamily="49" charset="0"/>
+              </a:rPr>
+              <a:t>//max exists somewhere in the seen portion of the array</a:t>
+            </a:r>
+            <a:endParaRPr lang="en-US" b="0" dirty="0">
+              <a:solidFill>
+                <a:srgbClr val="000000"/>
+              </a:solidFill>
+              <a:effectLst/>
+              <a:latin typeface="Consolas" panose="020B0609020204030204" pitchFamily="49" charset="0"/>
+            </a:endParaRPr>
+          </a:p>
+          <a:p>
+            <a:endParaRPr lang="en-US" dirty="0"/>
           </a:p>
         </p:txBody>
       </p:sp>
@@ -2355,7 +2201,7 @@
     </p:spTree>
     <p:extLst>
       <p:ext uri="{BB962C8B-B14F-4D97-AF65-F5344CB8AC3E}">
-        <p14:creationId xmlns:p14="http://schemas.microsoft.com/office/powerpoint/2010/main" val="4172274352"/>
+        <p14:creationId xmlns:p14="http://schemas.microsoft.com/office/powerpoint/2010/main" val="2520358959"/>
       </p:ext>
     </p:extLst>
   </p:cSld>
@@ -2409,213 +2255,6 @@
           <a:bodyPr/>
           <a:lstStyle/>
           <a:p>
-            <a:pPr marL="0" marR="0" lvl="0" indent="0" algn="l" defTabSz="914400" rtl="0" eaLnBrk="1" fontAlgn="auto" latinLnBrk="0" hangingPunct="1">
-              <a:lnSpc>
-                <a:spcPct val="100000"/>
-              </a:lnSpc>
-              <a:spcBef>
-                <a:spcPts val="0"/>
-              </a:spcBef>
-              <a:spcAft>
-                <a:spcPts val="0"/>
-              </a:spcAft>
-              <a:buClrTx/>
-              <a:buSzTx/>
-              <a:buFontTx/>
-              <a:buNone/>
-              <a:tabLst/>
-              <a:defRPr/>
-            </a:pPr>
-            <a:endParaRPr lang="en-US" b="0" dirty="0">
-              <a:solidFill>
-                <a:srgbClr val="AF00DB"/>
-              </a:solidFill>
-              <a:effectLst/>
-              <a:latin typeface="Consolas" panose="020B0609020204030204" pitchFamily="49" charset="0"/>
-            </a:endParaRPr>
-          </a:p>
-          <a:p>
-            <a:pPr marL="0" marR="0" lvl="0" indent="0" algn="l" defTabSz="914400" rtl="0" eaLnBrk="1" fontAlgn="auto" latinLnBrk="0" hangingPunct="1">
-              <a:lnSpc>
-                <a:spcPct val="100000"/>
-              </a:lnSpc>
-              <a:spcBef>
-                <a:spcPts val="0"/>
-              </a:spcBef>
-              <a:spcAft>
-                <a:spcPts val="0"/>
-              </a:spcAft>
-              <a:buClrTx/>
-              <a:buSzTx/>
-              <a:buFontTx/>
-              <a:buNone/>
-              <a:tabLst/>
-              <a:defRPr/>
-            </a:pPr>
-            <a:r>
-              <a:rPr lang="en-US" b="0" dirty="0">
-                <a:solidFill>
-                  <a:srgbClr val="AF00DB"/>
-                </a:solidFill>
-                <a:effectLst/>
-                <a:latin typeface="Consolas" panose="020B0609020204030204" pitchFamily="49" charset="0"/>
-              </a:rPr>
-              <a:t>Invariants</a:t>
-            </a:r>
-          </a:p>
-          <a:p>
-            <a:pPr marL="0" marR="0" lvl="0" indent="0" algn="l" defTabSz="914400" rtl="0" eaLnBrk="1" fontAlgn="auto" latinLnBrk="0" hangingPunct="1">
-              <a:lnSpc>
-                <a:spcPct val="100000"/>
-              </a:lnSpc>
-              <a:spcBef>
-                <a:spcPts val="0"/>
-              </a:spcBef>
-              <a:spcAft>
-                <a:spcPts val="0"/>
-              </a:spcAft>
-              <a:buClrTx/>
-              <a:buSzTx/>
-              <a:buFontTx/>
-              <a:buNone/>
-              <a:tabLst/>
-              <a:defRPr/>
-            </a:pPr>
-            <a:r>
-              <a:rPr lang="en-US" b="0" dirty="0" err="1">
-                <a:solidFill>
-                  <a:srgbClr val="AF00DB"/>
-                </a:solidFill>
-                <a:effectLst/>
-                <a:latin typeface="Consolas" panose="020B0609020204030204" pitchFamily="49" charset="0"/>
-              </a:rPr>
-              <a:t>forall</a:t>
-            </a:r>
-            <a:r>
-              <a:rPr lang="en-US" b="0" dirty="0">
-                <a:solidFill>
-                  <a:srgbClr val="000000"/>
-                </a:solidFill>
-                <a:effectLst/>
-                <a:latin typeface="Consolas" panose="020B0609020204030204" pitchFamily="49" charset="0"/>
-              </a:rPr>
-              <a:t> j :: 0 &lt;= j &lt; </a:t>
-            </a:r>
-            <a:r>
-              <a:rPr lang="en-US" b="0" dirty="0" err="1">
-                <a:solidFill>
-                  <a:srgbClr val="000000"/>
-                </a:solidFill>
-                <a:effectLst/>
-                <a:latin typeface="Consolas" panose="020B0609020204030204" pitchFamily="49" charset="0"/>
-              </a:rPr>
-              <a:t>i</a:t>
-            </a:r>
-            <a:r>
-              <a:rPr lang="en-US" b="0" dirty="0">
-                <a:solidFill>
-                  <a:srgbClr val="000000"/>
-                </a:solidFill>
-                <a:effectLst/>
-                <a:latin typeface="Consolas" panose="020B0609020204030204" pitchFamily="49" charset="0"/>
-              </a:rPr>
-              <a:t> ==&gt; max &gt;= a[j] </a:t>
-            </a:r>
-            <a:r>
-              <a:rPr lang="en-US" b="0" dirty="0">
-                <a:solidFill>
-                  <a:srgbClr val="008000"/>
-                </a:solidFill>
-                <a:effectLst/>
-                <a:latin typeface="Consolas" panose="020B0609020204030204" pitchFamily="49" charset="0"/>
-              </a:rPr>
-              <a:t>//max is bigger or equal to anything seen so far (up to j)</a:t>
-            </a:r>
-            <a:endParaRPr lang="en-US" b="0" dirty="0">
-              <a:solidFill>
-                <a:srgbClr val="000000"/>
-              </a:solidFill>
-              <a:effectLst/>
-              <a:latin typeface="Consolas" panose="020B0609020204030204" pitchFamily="49" charset="0"/>
-            </a:endParaRPr>
-          </a:p>
-          <a:p>
-            <a:pPr marL="0" marR="0" lvl="0" indent="0" algn="l" defTabSz="914400" rtl="0" eaLnBrk="1" fontAlgn="auto" latinLnBrk="0" hangingPunct="1">
-              <a:lnSpc>
-                <a:spcPct val="100000"/>
-              </a:lnSpc>
-              <a:spcBef>
-                <a:spcPts val="0"/>
-              </a:spcBef>
-              <a:spcAft>
-                <a:spcPts val="0"/>
-              </a:spcAft>
-              <a:buClrTx/>
-              <a:buSzTx/>
-              <a:buFontTx/>
-              <a:buNone/>
-              <a:tabLst/>
-              <a:defRPr/>
-            </a:pPr>
-            <a:r>
-              <a:rPr lang="en-US" b="0" dirty="0">
-                <a:solidFill>
-                  <a:srgbClr val="AF00DB"/>
-                </a:solidFill>
-                <a:effectLst/>
-                <a:latin typeface="Consolas" panose="020B0609020204030204" pitchFamily="49" charset="0"/>
-              </a:rPr>
-              <a:t>exists</a:t>
-            </a:r>
-            <a:r>
-              <a:rPr lang="en-US" b="0" dirty="0">
-                <a:solidFill>
-                  <a:srgbClr val="000000"/>
-                </a:solidFill>
-                <a:effectLst/>
-                <a:latin typeface="Consolas" panose="020B0609020204030204" pitchFamily="49" charset="0"/>
-              </a:rPr>
-              <a:t> j :: 0 &lt;= j &lt; </a:t>
-            </a:r>
-            <a:r>
-              <a:rPr lang="en-US" b="0" dirty="0" err="1">
-                <a:solidFill>
-                  <a:srgbClr val="000000"/>
-                </a:solidFill>
-                <a:effectLst/>
-                <a:latin typeface="Consolas" panose="020B0609020204030204" pitchFamily="49" charset="0"/>
-              </a:rPr>
-              <a:t>i</a:t>
-            </a:r>
-            <a:r>
-              <a:rPr lang="en-US" b="0" dirty="0">
-                <a:solidFill>
-                  <a:srgbClr val="000000"/>
-                </a:solidFill>
-                <a:effectLst/>
-                <a:latin typeface="Consolas" panose="020B0609020204030204" pitchFamily="49" charset="0"/>
-              </a:rPr>
-              <a:t> &amp;&amp; max==a[j]    </a:t>
-            </a:r>
-            <a:r>
-              <a:rPr lang="en-US" b="0" dirty="0">
-                <a:solidFill>
-                  <a:srgbClr val="008000"/>
-                </a:solidFill>
-                <a:effectLst/>
-                <a:latin typeface="Consolas" panose="020B0609020204030204" pitchFamily="49" charset="0"/>
-              </a:rPr>
-              <a:t>//max exists somewhere in the seen portion of the array</a:t>
-            </a:r>
-            <a:endParaRPr lang="en-US" b="0" dirty="0">
-              <a:solidFill>
-                <a:srgbClr val="000000"/>
-              </a:solidFill>
-              <a:effectLst/>
-              <a:latin typeface="Consolas" panose="020B0609020204030204" pitchFamily="49" charset="0"/>
-            </a:endParaRPr>
-          </a:p>
-          <a:p>
             <a:endParaRPr lang="en-US" dirty="0"/>
           </a:p>
         </p:txBody>
@@ -2646,7 +2285,7 @@
     </p:spTree>
     <p:extLst>
       <p:ext uri="{BB962C8B-B14F-4D97-AF65-F5344CB8AC3E}">
-        <p14:creationId xmlns:p14="http://schemas.microsoft.com/office/powerpoint/2010/main" val="2520358959"/>
+        <p14:creationId xmlns:p14="http://schemas.microsoft.com/office/powerpoint/2010/main" val="4019400439"/>
       </p:ext>
     </p:extLst>
   </p:cSld>
@@ -2702,19 +2341,180 @@
           <a:p>
             <a:r>
               <a:rPr lang="en-US" dirty="0"/>
-              <a:t>https://</a:t>
-            </a:r>
-            <a:r>
-              <a:rPr lang="en-US" dirty="0" err="1"/>
-              <a:t>www.baeldung.com</a:t>
-            </a:r>
-            <a:r>
-              <a:rPr lang="en-US" dirty="0"/>
-              <a:t>/cs/loop-invariant</a:t>
-            </a:r>
-          </a:p>
-          <a:p>
-            <a:endParaRPr lang="en-AU" b="1" dirty="0"/>
+              <a:t>Invariants</a:t>
+            </a:r>
+          </a:p>
+          <a:p>
+            <a:endParaRPr lang="en-US" dirty="0"/>
+          </a:p>
+          <a:p>
+            <a:r>
+              <a:rPr lang="en-US" dirty="0"/>
+              <a:t>Inner loop:</a:t>
+            </a:r>
+          </a:p>
+          <a:p>
+            <a:r>
+              <a:rPr lang="en-US" b="0" dirty="0" err="1">
+                <a:solidFill>
+                  <a:srgbClr val="AF00DB"/>
+                </a:solidFill>
+                <a:effectLst/>
+                <a:latin typeface="Consolas" panose="020B0609020204030204" pitchFamily="49" charset="0"/>
+              </a:rPr>
+              <a:t>forall</a:t>
+            </a:r>
+            <a:r>
+              <a:rPr lang="en-US" b="0" dirty="0">
+                <a:solidFill>
+                  <a:srgbClr val="000000"/>
+                </a:solidFill>
+                <a:effectLst/>
+                <a:latin typeface="Consolas" panose="020B0609020204030204" pitchFamily="49" charset="0"/>
+              </a:rPr>
+              <a:t> </a:t>
+            </a:r>
+            <a:r>
+              <a:rPr lang="en-US" b="0" dirty="0" err="1">
+                <a:solidFill>
+                  <a:srgbClr val="000000"/>
+                </a:solidFill>
+                <a:effectLst/>
+                <a:latin typeface="Consolas" panose="020B0609020204030204" pitchFamily="49" charset="0"/>
+              </a:rPr>
+              <a:t>i</a:t>
+            </a:r>
+            <a:r>
+              <a:rPr lang="en-US" b="0" dirty="0">
+                <a:solidFill>
+                  <a:srgbClr val="000000"/>
+                </a:solidFill>
+                <a:effectLst/>
+                <a:latin typeface="Consolas" panose="020B0609020204030204" pitchFamily="49" charset="0"/>
+              </a:rPr>
+              <a:t> :: n &lt;= </a:t>
+            </a:r>
+            <a:r>
+              <a:rPr lang="en-US" b="0" dirty="0" err="1">
+                <a:solidFill>
+                  <a:srgbClr val="000000"/>
+                </a:solidFill>
+                <a:effectLst/>
+                <a:latin typeface="Consolas" panose="020B0609020204030204" pitchFamily="49" charset="0"/>
+              </a:rPr>
+              <a:t>i</a:t>
+            </a:r>
+            <a:r>
+              <a:rPr lang="en-US" b="0" dirty="0">
+                <a:solidFill>
+                  <a:srgbClr val="000000"/>
+                </a:solidFill>
+                <a:effectLst/>
+                <a:latin typeface="Consolas" panose="020B0609020204030204" pitchFamily="49" charset="0"/>
+              </a:rPr>
+              <a:t> &lt; m ==&gt; a[</a:t>
+            </a:r>
+            <a:r>
+              <a:rPr lang="en-US" b="0" dirty="0" err="1">
+                <a:solidFill>
+                  <a:srgbClr val="000000"/>
+                </a:solidFill>
+                <a:effectLst/>
+                <a:latin typeface="Consolas" panose="020B0609020204030204" pitchFamily="49" charset="0"/>
+              </a:rPr>
+              <a:t>mindex</a:t>
+            </a:r>
+            <a:r>
+              <a:rPr lang="en-US" b="0" dirty="0">
+                <a:solidFill>
+                  <a:srgbClr val="000000"/>
+                </a:solidFill>
+                <a:effectLst/>
+                <a:latin typeface="Consolas" panose="020B0609020204030204" pitchFamily="49" charset="0"/>
+              </a:rPr>
+              <a:t>] &lt;= a[</a:t>
+            </a:r>
+            <a:r>
+              <a:rPr lang="en-US" b="0" dirty="0" err="1">
+                <a:solidFill>
+                  <a:srgbClr val="000000"/>
+                </a:solidFill>
+                <a:effectLst/>
+                <a:latin typeface="Consolas" panose="020B0609020204030204" pitchFamily="49" charset="0"/>
+              </a:rPr>
+              <a:t>i</a:t>
+            </a:r>
+            <a:r>
+              <a:rPr lang="en-US" b="0" dirty="0">
+                <a:solidFill>
+                  <a:srgbClr val="000000"/>
+                </a:solidFill>
+                <a:effectLst/>
+                <a:latin typeface="Consolas" panose="020B0609020204030204" pitchFamily="49" charset="0"/>
+              </a:rPr>
+              <a:t>]  </a:t>
+            </a:r>
+            <a:r>
+              <a:rPr lang="en-US" b="0" dirty="0">
+                <a:solidFill>
+                  <a:srgbClr val="008000"/>
+                </a:solidFill>
+                <a:effectLst/>
+                <a:latin typeface="Consolas" panose="020B0609020204030204" pitchFamily="49" charset="0"/>
+              </a:rPr>
+              <a:t>//</a:t>
+            </a:r>
+            <a:r>
+              <a:rPr lang="en-US" b="0" dirty="0" err="1">
+                <a:solidFill>
+                  <a:srgbClr val="008000"/>
+                </a:solidFill>
+                <a:effectLst/>
+                <a:latin typeface="Consolas" panose="020B0609020204030204" pitchFamily="49" charset="0"/>
+              </a:rPr>
+              <a:t>mindex</a:t>
+            </a:r>
+            <a:r>
+              <a:rPr lang="en-US" b="0" dirty="0">
+                <a:solidFill>
+                  <a:srgbClr val="008000"/>
+                </a:solidFill>
+                <a:effectLst/>
+                <a:latin typeface="Consolas" panose="020B0609020204030204" pitchFamily="49" charset="0"/>
+              </a:rPr>
+              <a:t> is current smallest in range n &lt; m</a:t>
+            </a:r>
+          </a:p>
+          <a:p>
+            <a:endParaRPr lang="en-US" b="0" dirty="0">
+              <a:solidFill>
+                <a:srgbClr val="008000"/>
+              </a:solidFill>
+              <a:effectLst/>
+              <a:latin typeface="Consolas" panose="020B0609020204030204" pitchFamily="49" charset="0"/>
+            </a:endParaRPr>
+          </a:p>
+          <a:p>
+            <a:r>
+              <a:rPr lang="en-US" b="0" dirty="0" err="1">
+                <a:solidFill>
+                  <a:srgbClr val="008000"/>
+                </a:solidFill>
+                <a:effectLst/>
+                <a:latin typeface="Consolas" panose="020B0609020204030204" pitchFamily="49" charset="0"/>
+              </a:rPr>
+              <a:t>outter</a:t>
+            </a:r>
+            <a:r>
+              <a:rPr lang="en-US" b="0" dirty="0">
+                <a:solidFill>
+                  <a:srgbClr val="008000"/>
+                </a:solidFill>
+                <a:effectLst/>
+                <a:latin typeface="Consolas" panose="020B0609020204030204" pitchFamily="49" charset="0"/>
+              </a:rPr>
+              <a:t> loop:</a:t>
+            </a:r>
           </a:p>
           <a:p>
             <a:pPr marL="0" marR="0" lvl="0" indent="0" algn="l" defTabSz="914400" rtl="0" eaLnBrk="1" fontAlgn="auto" latinLnBrk="0" hangingPunct="1">
@@ -2734,7 +2534,188 @@
               <a:tabLst/>
               <a:defRPr/>
             </a:pPr>
-            <a:endParaRPr lang="en-AU" b="1" dirty="0"/>
+            <a:r>
+              <a:rPr lang="en-US" b="0" dirty="0" err="1">
+                <a:solidFill>
+                  <a:srgbClr val="AF00DB"/>
+                </a:solidFill>
+                <a:effectLst/>
+                <a:latin typeface="Consolas" panose="020B0609020204030204" pitchFamily="49" charset="0"/>
+              </a:rPr>
+              <a:t>forall</a:t>
+            </a:r>
+            <a:r>
+              <a:rPr lang="en-US" b="0" dirty="0">
+                <a:solidFill>
+                  <a:srgbClr val="000000"/>
+                </a:solidFill>
+                <a:effectLst/>
+                <a:latin typeface="Consolas" panose="020B0609020204030204" pitchFamily="49" charset="0"/>
+              </a:rPr>
+              <a:t> </a:t>
+            </a:r>
+            <a:r>
+              <a:rPr lang="en-US" b="0" dirty="0" err="1">
+                <a:solidFill>
+                  <a:srgbClr val="000000"/>
+                </a:solidFill>
+                <a:effectLst/>
+                <a:latin typeface="Consolas" panose="020B0609020204030204" pitchFamily="49" charset="0"/>
+              </a:rPr>
+              <a:t>i</a:t>
+            </a:r>
+            <a:r>
+              <a:rPr lang="en-US" b="0" dirty="0">
+                <a:solidFill>
+                  <a:srgbClr val="000000"/>
+                </a:solidFill>
+                <a:effectLst/>
+                <a:latin typeface="Consolas" panose="020B0609020204030204" pitchFamily="49" charset="0"/>
+              </a:rPr>
+              <a:t>, j :: 0 &lt;= </a:t>
+            </a:r>
+            <a:r>
+              <a:rPr lang="en-US" b="0" dirty="0" err="1">
+                <a:solidFill>
+                  <a:srgbClr val="000000"/>
+                </a:solidFill>
+                <a:effectLst/>
+                <a:latin typeface="Consolas" panose="020B0609020204030204" pitchFamily="49" charset="0"/>
+              </a:rPr>
+              <a:t>i</a:t>
+            </a:r>
+            <a:r>
+              <a:rPr lang="en-US" b="0" dirty="0">
+                <a:solidFill>
+                  <a:srgbClr val="000000"/>
+                </a:solidFill>
+                <a:effectLst/>
+                <a:latin typeface="Consolas" panose="020B0609020204030204" pitchFamily="49" charset="0"/>
+              </a:rPr>
+              <a:t> &lt; n &lt;= j &lt; </a:t>
+            </a:r>
+            <a:r>
+              <a:rPr lang="en-US" b="0" dirty="0" err="1">
+                <a:solidFill>
+                  <a:srgbClr val="000000"/>
+                </a:solidFill>
+                <a:effectLst/>
+                <a:latin typeface="Consolas" panose="020B0609020204030204" pitchFamily="49" charset="0"/>
+              </a:rPr>
+              <a:t>a.Length</a:t>
+            </a:r>
+            <a:r>
+              <a:rPr lang="en-US" b="0" dirty="0">
+                <a:solidFill>
+                  <a:srgbClr val="000000"/>
+                </a:solidFill>
+                <a:effectLst/>
+                <a:latin typeface="Consolas" panose="020B0609020204030204" pitchFamily="49" charset="0"/>
+              </a:rPr>
+              <a:t> ==&gt; a[</a:t>
+            </a:r>
+            <a:r>
+              <a:rPr lang="en-US" b="0" dirty="0" err="1">
+                <a:solidFill>
+                  <a:srgbClr val="000000"/>
+                </a:solidFill>
+                <a:effectLst/>
+                <a:latin typeface="Consolas" panose="020B0609020204030204" pitchFamily="49" charset="0"/>
+              </a:rPr>
+              <a:t>i</a:t>
+            </a:r>
+            <a:r>
+              <a:rPr lang="en-US" b="0" dirty="0">
+                <a:solidFill>
+                  <a:srgbClr val="000000"/>
+                </a:solidFill>
+                <a:effectLst/>
+                <a:latin typeface="Consolas" panose="020B0609020204030204" pitchFamily="49" charset="0"/>
+              </a:rPr>
+              <a:t>] &lt;= a[j] </a:t>
+            </a:r>
+            <a:r>
+              <a:rPr lang="en-US" b="0" dirty="0">
+                <a:solidFill>
+                  <a:srgbClr val="008000"/>
+                </a:solidFill>
+                <a:effectLst/>
+                <a:latin typeface="Consolas" panose="020B0609020204030204" pitchFamily="49" charset="0"/>
+              </a:rPr>
+              <a:t>//all the values in the sorted section will be lower then any value in the non sorted section </a:t>
+            </a:r>
+            <a:endParaRPr lang="en-US" b="0" dirty="0">
+              <a:solidFill>
+                <a:srgbClr val="000000"/>
+              </a:solidFill>
+              <a:effectLst/>
+              <a:latin typeface="Consolas" panose="020B0609020204030204" pitchFamily="49" charset="0"/>
+            </a:endParaRPr>
+          </a:p>
+          <a:p>
+            <a:pPr marL="0" marR="0" lvl="0" indent="0" algn="l" defTabSz="914400" rtl="0" eaLnBrk="1" fontAlgn="auto" latinLnBrk="0" hangingPunct="1">
+              <a:lnSpc>
+                <a:spcPct val="100000"/>
+              </a:lnSpc>
+              <a:spcBef>
+                <a:spcPts val="0"/>
+              </a:spcBef>
+              <a:spcAft>
+                <a:spcPts val="0"/>
+              </a:spcAft>
+              <a:buClrTx/>
+              <a:buSzTx/>
+              <a:buFontTx/>
+              <a:buNone/>
+              <a:tabLst/>
+              <a:defRPr/>
+            </a:pPr>
+            <a:r>
+              <a:rPr lang="en-US" b="0" dirty="0" err="1">
+                <a:solidFill>
+                  <a:srgbClr val="AF00DB"/>
+                </a:solidFill>
+                <a:effectLst/>
+                <a:latin typeface="Consolas" panose="020B0609020204030204" pitchFamily="49" charset="0"/>
+              </a:rPr>
+              <a:t>forall</a:t>
+            </a:r>
+            <a:r>
+              <a:rPr lang="en-US" b="0" dirty="0">
+                <a:solidFill>
+                  <a:srgbClr val="000000"/>
+                </a:solidFill>
+                <a:effectLst/>
+                <a:latin typeface="Consolas" panose="020B0609020204030204" pitchFamily="49" charset="0"/>
+              </a:rPr>
+              <a:t> k1, k2 :: 0 &lt;= k1 &lt; k2 &lt; n ==&gt; a[k1] &lt;= a[k2] </a:t>
+            </a:r>
+            <a:r>
+              <a:rPr lang="en-US" b="0" dirty="0">
+                <a:solidFill>
+                  <a:srgbClr val="008000"/>
+                </a:solidFill>
+                <a:effectLst/>
+                <a:latin typeface="Consolas" panose="020B0609020204030204" pitchFamily="49" charset="0"/>
+              </a:rPr>
+              <a:t>//all values in the sorted section are sorted with respect to one another</a:t>
+            </a:r>
+            <a:endParaRPr lang="en-US" b="0" dirty="0">
+              <a:solidFill>
+                <a:srgbClr val="000000"/>
+              </a:solidFill>
+              <a:effectLst/>
+              <a:latin typeface="Consolas" panose="020B0609020204030204" pitchFamily="49" charset="0"/>
+            </a:endParaRPr>
+          </a:p>
+          <a:p>
+            <a:endParaRPr lang="en-US" b="0" dirty="0">
+              <a:solidFill>
+                <a:srgbClr val="008000"/>
+              </a:solidFill>
+              <a:effectLst/>
+              <a:latin typeface="Consolas" panose="020B0609020204030204" pitchFamily="49" charset="0"/>
+            </a:endParaRPr>
           </a:p>
         </p:txBody>
       </p:sp>
@@ -2764,7 +2745,7 @@
     </p:spTree>
     <p:extLst>
       <p:ext uri="{BB962C8B-B14F-4D97-AF65-F5344CB8AC3E}">
-        <p14:creationId xmlns:p14="http://schemas.microsoft.com/office/powerpoint/2010/main" val="2568767777"/>
+        <p14:creationId xmlns:p14="http://schemas.microsoft.com/office/powerpoint/2010/main" val="3233136200"/>
       </p:ext>
     </p:extLst>
   </p:cSld>
@@ -2830,43 +2811,29 @@
               <a:rPr lang="en-US" dirty="0"/>
               <a:t>/cs/loop-invariant</a:t>
             </a:r>
-            <a:br>
-              <a:rPr lang="en-US" dirty="0"/>
-            </a:br>
-            <a:br>
-              <a:rPr lang="en-US" dirty="0"/>
-            </a:br>
-            <a:r>
-              <a:rPr lang="en-US" dirty="0"/>
-              <a:t>Talk about the problem</a:t>
-            </a:r>
-          </a:p>
-          <a:p>
-            <a:pPr marL="171450" indent="-171450">
+          </a:p>
+          <a:p>
+            <a:endParaRPr lang="en-AU" b="1" dirty="0"/>
+          </a:p>
+          <a:p>
+            <a:pPr marL="0" marR="0" lvl="0" indent="0" algn="l" defTabSz="914400" rtl="0" eaLnBrk="1" fontAlgn="auto" latinLnBrk="0" hangingPunct="1">
+              <a:lnSpc>
+                <a:spcPct val="100000"/>
+              </a:lnSpc>
+              <a:spcBef>
+                <a:spcPts val="0"/>
+              </a:spcBef>
+              <a:spcAft>
+                <a:spcPts val="0"/>
+              </a:spcAft>
+              <a:buClrTx/>
+              <a:buSzTx/>
               <a:buFontTx/>
-              <a:buChar char="-"/>
-            </a:pPr>
-            <a:r>
-              <a:rPr lang="en-US" dirty="0"/>
-              <a:t>Short example of binary addition</a:t>
-            </a:r>
-          </a:p>
-          <a:p>
-            <a:pPr marL="171450" indent="-171450">
-              <a:buFontTx/>
-              <a:buChar char="-"/>
-            </a:pPr>
-            <a:r>
-              <a:rPr lang="en-US" dirty="0"/>
-              <a:t>Talk about the algorithm</a:t>
-            </a:r>
-          </a:p>
-          <a:p>
-            <a:pPr marL="171450" indent="-171450">
-              <a:buFontTx/>
-              <a:buChar char="-"/>
-            </a:pPr>
-            <a:endParaRPr lang="en-US" dirty="0"/>
+              <a:buNone/>
+              <a:tabLst/>
+              <a:defRPr/>
+            </a:pPr>
+            <a:endParaRPr lang="en-AU" b="1" dirty="0"/>
           </a:p>
         </p:txBody>
       </p:sp>
@@ -2896,7 +2863,7 @@
     </p:spTree>
     <p:extLst>
       <p:ext uri="{BB962C8B-B14F-4D97-AF65-F5344CB8AC3E}">
-        <p14:creationId xmlns:p14="http://schemas.microsoft.com/office/powerpoint/2010/main" val="857410477"/>
+        <p14:creationId xmlns:p14="http://schemas.microsoft.com/office/powerpoint/2010/main" val="2568767777"/>
       </p:ext>
     </p:extLst>
   </p:cSld>
@@ -2980,7 +2947,7 @@
     </p:spTree>
     <p:extLst>
       <p:ext uri="{BB962C8B-B14F-4D97-AF65-F5344CB8AC3E}">
-        <p14:creationId xmlns:p14="http://schemas.microsoft.com/office/powerpoint/2010/main" val="2951196048"/>
+        <p14:creationId xmlns:p14="http://schemas.microsoft.com/office/powerpoint/2010/main" val="3277355426"/>
       </p:ext>
     </p:extLst>
   </p:cSld>
@@ -3046,143 +3013,42 @@
               <a:rPr lang="en-US" dirty="0"/>
               <a:t>/cs/loop-invariant</a:t>
             </a:r>
-          </a:p>
-          <a:p>
-            <a:endParaRPr lang="en-US" dirty="0"/>
-          </a:p>
-          <a:p>
-            <a:pPr marL="0" marR="0" lvl="0" indent="0" algn="l" defTabSz="914400" rtl="0" eaLnBrk="1" fontAlgn="auto" latinLnBrk="0" hangingPunct="1">
-              <a:lnSpc>
-                <a:spcPct val="100000"/>
-              </a:lnSpc>
-              <a:spcBef>
-                <a:spcPts val="0"/>
-              </a:spcBef>
-              <a:spcAft>
-                <a:spcPts val="0"/>
-              </a:spcAft>
-              <a:buClrTx/>
-              <a:buSzTx/>
+            <a:br>
+              <a:rPr lang="en-US" dirty="0"/>
+            </a:br>
+            <a:br>
+              <a:rPr lang="en-US" dirty="0"/>
+            </a:br>
+            <a:r>
+              <a:rPr lang="en-US" dirty="0"/>
+              <a:t>Talk about the problem</a:t>
+            </a:r>
+          </a:p>
+          <a:p>
+            <a:pPr marL="171450" indent="-171450">
               <a:buFontTx/>
-              <a:buNone/>
-              <a:tabLst/>
-              <a:defRPr/>
-            </a:pPr>
-            <a:r>
-              <a:rPr lang="en-AU" b="1" dirty="0"/>
-              <a:t>At the beginning of the </a:t>
-            </a:r>
-            <a:r>
-              <a:rPr lang="en-AU" b="1" dirty="0" err="1"/>
-              <a:t>i-th</a:t>
-            </a:r>
-            <a:r>
-              <a:rPr lang="en-AU" b="1" dirty="0"/>
-              <a:t> iteration Ci, Zi-1, Zi-2, …, Z1 is the sum of Xi-1, Xi-2, … X1 and Yi-1, Yi-2, …, Y1</a:t>
-            </a:r>
-            <a:br>
-              <a:rPr lang="en-US" dirty="0"/>
-            </a:br>
-            <a:endParaRPr lang="en-US" dirty="0"/>
-          </a:p>
-          <a:p>
-            <a:r>
-              <a:rPr lang="en-US" dirty="0"/>
-              <a:t>START</a:t>
-            </a:r>
-          </a:p>
-          <a:p>
-            <a:r>
-              <a:rPr lang="en-US" dirty="0"/>
-              <a:t>Before main loop, </a:t>
-            </a:r>
-            <a:r>
-              <a:rPr lang="en-US" dirty="0" err="1"/>
-              <a:t>i</a:t>
-            </a:r>
-            <a:r>
-              <a:rPr lang="en-US" dirty="0"/>
-              <a:t> = 1 and c = 0, the sum of no digits (Zi-1 = Z0) must be 0. </a:t>
-            </a:r>
-          </a:p>
-          <a:p>
-            <a:r>
-              <a:rPr lang="en-US" dirty="0"/>
-              <a:t>X0 and Y0 don’t exist, there is nothing to add.</a:t>
-            </a:r>
-            <a:br>
-              <a:rPr lang="en-US" dirty="0"/>
-            </a:br>
-            <a:endParaRPr lang="en-US" dirty="0"/>
-          </a:p>
-          <a:p>
-            <a:r>
-              <a:rPr lang="en-US" dirty="0"/>
-              <a:t>CONTINUATION</a:t>
-            </a:r>
-          </a:p>
-          <a:p>
-            <a:pPr marL="0" marR="0" lvl="0" indent="0" algn="l" defTabSz="914400" rtl="0" eaLnBrk="1" fontAlgn="auto" latinLnBrk="0" hangingPunct="1">
-              <a:lnSpc>
-                <a:spcPct val="100000"/>
-              </a:lnSpc>
-              <a:spcBef>
-                <a:spcPts val="0"/>
-              </a:spcBef>
-              <a:spcAft>
-                <a:spcPts val="0"/>
-              </a:spcAft>
-              <a:buClrTx/>
-              <a:buSzTx/>
+              <a:buChar char="-"/>
+            </a:pPr>
+            <a:r>
+              <a:rPr lang="en-US" dirty="0"/>
+              <a:t>Short example of binary addition</a:t>
+            </a:r>
+          </a:p>
+          <a:p>
+            <a:pPr marL="171450" indent="-171450">
               <a:buFontTx/>
-              <a:buNone/>
-              <a:tabLst/>
-              <a:defRPr/>
-            </a:pPr>
-            <a:r>
-              <a:rPr lang="en-US" dirty="0"/>
-              <a:t>Assume </a:t>
-            </a:r>
-            <a:r>
-              <a:rPr lang="en-AU" b="1" dirty="0"/>
-              <a:t>Ci, Zi-1, Zi-2, …, Z1 is the sum of Xi-1, Xi-2, … X1 and Yi-1, Yi-2, …, Y1</a:t>
-            </a:r>
-            <a:endParaRPr lang="en-US" dirty="0"/>
-          </a:p>
-          <a:p>
-            <a:r>
-              <a:rPr lang="en-US" dirty="0"/>
-              <a:t>How is Zi calculated? </a:t>
-            </a:r>
-          </a:p>
-          <a:p>
-            <a:r>
-              <a:rPr lang="en-US" dirty="0"/>
-              <a:t>When we add Xi + Yi + C and divide by 2 the integer remainder is Zi</a:t>
-            </a:r>
-          </a:p>
-          <a:p>
-            <a:r>
-              <a:rPr lang="en-US" dirty="0"/>
-              <a:t>e.g.  Xi(1) + Yi(1) + C(0) = Zi(0) and next C (quotient) of 1</a:t>
-            </a:r>
-          </a:p>
-          <a:p>
-            <a:r>
-              <a:rPr lang="en-US" dirty="0"/>
-              <a:t>Xi(1) + Yi(1) + C(1) = Zi(1) and next C of 1</a:t>
-            </a:r>
-          </a:p>
-          <a:p>
-            <a:endParaRPr lang="en-US" dirty="0"/>
-          </a:p>
-          <a:p>
-            <a:r>
-              <a:rPr lang="en-US" dirty="0"/>
-              <a:t>So yes, the invariant will be true for the next iteration</a:t>
-            </a:r>
-          </a:p>
-          <a:p>
+              <a:buChar char="-"/>
+            </a:pPr>
+            <a:r>
+              <a:rPr lang="en-US" dirty="0"/>
+              <a:t>Talk about the algorithm</a:t>
+            </a:r>
+          </a:p>
+          <a:p>
+            <a:pPr marL="171450" indent="-171450">
+              <a:buFontTx/>
+              <a:buChar char="-"/>
+            </a:pPr>
             <a:endParaRPr lang="en-US" dirty="0"/>
           </a:p>
         </p:txBody>
@@ -3213,7 +3079,7 @@
     </p:spTree>
     <p:extLst>
       <p:ext uri="{BB962C8B-B14F-4D97-AF65-F5344CB8AC3E}">
-        <p14:creationId xmlns:p14="http://schemas.microsoft.com/office/powerpoint/2010/main" val="1159270087"/>
+        <p14:creationId xmlns:p14="http://schemas.microsoft.com/office/powerpoint/2010/main" val="857410477"/>
       </p:ext>
     </p:extLst>
   </p:cSld>
@@ -3267,6 +3133,155 @@
           <a:bodyPr/>
           <a:lstStyle/>
           <a:p>
+            <a:r>
+              <a:rPr lang="en-US" dirty="0"/>
+              <a:t>https://</a:t>
+            </a:r>
+            <a:r>
+              <a:rPr lang="en-US" dirty="0" err="1"/>
+              <a:t>www.baeldung.com</a:t>
+            </a:r>
+            <a:r>
+              <a:rPr lang="en-US" dirty="0"/>
+              <a:t>/cs/loop-invariant</a:t>
+            </a:r>
+          </a:p>
+          <a:p>
+            <a:endParaRPr lang="en-US" dirty="0"/>
+          </a:p>
+          <a:p>
+            <a:pPr marL="0" marR="0" lvl="0" indent="0" algn="l" defTabSz="914400" rtl="0" eaLnBrk="1" fontAlgn="auto" latinLnBrk="0" hangingPunct="1">
+              <a:lnSpc>
+                <a:spcPct val="100000"/>
+              </a:lnSpc>
+              <a:spcBef>
+                <a:spcPts val="0"/>
+              </a:spcBef>
+              <a:spcAft>
+                <a:spcPts val="0"/>
+              </a:spcAft>
+              <a:buClrTx/>
+              <a:buSzTx/>
+              <a:buFontTx/>
+              <a:buNone/>
+              <a:tabLst/>
+              <a:defRPr/>
+            </a:pPr>
+            <a:r>
+              <a:rPr lang="en-AU" b="1" dirty="0"/>
+              <a:t>At the beginning of the </a:t>
+            </a:r>
+            <a:r>
+              <a:rPr lang="en-AU" b="1" dirty="0" err="1"/>
+              <a:t>i-th</a:t>
+            </a:r>
+            <a:r>
+              <a:rPr lang="en-AU" b="1" dirty="0"/>
+              <a:t> iteration Ci, Zi-1, Zi-2, …, Z1 is the sum of Xi-1, Xi-2, … X1 and Yi-1, Yi-2, …, Y1</a:t>
+            </a:r>
+            <a:br>
+              <a:rPr lang="en-US" dirty="0"/>
+            </a:br>
+            <a:endParaRPr lang="en-US" dirty="0"/>
+          </a:p>
+          <a:p>
+            <a:r>
+              <a:rPr lang="en-US" dirty="0"/>
+              <a:t>START</a:t>
+            </a:r>
+          </a:p>
+          <a:p>
+            <a:r>
+              <a:rPr lang="en-US" dirty="0"/>
+              <a:t>Before main loop, </a:t>
+            </a:r>
+            <a:r>
+              <a:rPr lang="en-US" dirty="0" err="1"/>
+              <a:t>i</a:t>
+            </a:r>
+            <a:r>
+              <a:rPr lang="en-US" dirty="0"/>
+              <a:t> = 1 and c = 0, the sum of no digits (Zi-1 = Z0) must be 0. </a:t>
+            </a:r>
+          </a:p>
+          <a:p>
+            <a:r>
+              <a:rPr lang="en-US" dirty="0"/>
+              <a:t>X0 and Y0 don’t exist, there is nothing to add.</a:t>
+            </a:r>
+            <a:br>
+              <a:rPr lang="en-US" dirty="0"/>
+            </a:br>
+            <a:endParaRPr lang="en-US" dirty="0"/>
+          </a:p>
+          <a:p>
+            <a:r>
+              <a:rPr lang="en-US" dirty="0"/>
+              <a:t>CONTINUATION</a:t>
+            </a:r>
+          </a:p>
+          <a:p>
+            <a:pPr marL="0" marR="0" lvl="0" indent="0" algn="l" defTabSz="914400" rtl="0" eaLnBrk="1" fontAlgn="auto" latinLnBrk="0" hangingPunct="1">
+              <a:lnSpc>
+                <a:spcPct val="100000"/>
+              </a:lnSpc>
+              <a:spcBef>
+                <a:spcPts val="0"/>
+              </a:spcBef>
+              <a:spcAft>
+                <a:spcPts val="0"/>
+              </a:spcAft>
+              <a:buClrTx/>
+              <a:buSzTx/>
+              <a:buFontTx/>
+              <a:buNone/>
+              <a:tabLst/>
+              <a:defRPr/>
+            </a:pPr>
+            <a:r>
+              <a:rPr lang="en-US" dirty="0"/>
+              <a:t>Assume </a:t>
+            </a:r>
+            <a:r>
+              <a:rPr lang="en-AU" b="1" dirty="0"/>
+              <a:t>Ci, Zi-1, Zi-2, …, Z1 is the sum of Xi-1, Xi-2, … X1 and Yi-1, Yi-2, …, Y1</a:t>
+            </a:r>
+            <a:endParaRPr lang="en-US" dirty="0"/>
+          </a:p>
+          <a:p>
+            <a:r>
+              <a:rPr lang="en-US" dirty="0"/>
+              <a:t>How is Zi calculated? </a:t>
+            </a:r>
+          </a:p>
+          <a:p>
+            <a:r>
+              <a:rPr lang="en-US" dirty="0"/>
+              <a:t>When we add Xi + Yi + C and divide by 2 the integer remainder is Zi</a:t>
+            </a:r>
+          </a:p>
+          <a:p>
+            <a:r>
+              <a:rPr lang="en-US" dirty="0"/>
+              <a:t>e.g.  Xi(1) + Yi(1) + C(0) = Zi(0) and next C (quotient) of 1</a:t>
+            </a:r>
+          </a:p>
+          <a:p>
+            <a:r>
+              <a:rPr lang="en-US" dirty="0"/>
+              <a:t>Xi(1) + Yi(1) + C(1) = Zi(1) and next C of 1</a:t>
+            </a:r>
+          </a:p>
+          <a:p>
+            <a:endParaRPr lang="en-US" dirty="0"/>
+          </a:p>
+          <a:p>
+            <a:r>
+              <a:rPr lang="en-US" dirty="0"/>
+              <a:t>So yes, the invariant will be true for the next iteration</a:t>
+            </a:r>
+          </a:p>
+          <a:p>
             <a:endParaRPr lang="en-US" dirty="0"/>
           </a:p>
         </p:txBody>
@@ -3297,7 +3312,7 @@
     </p:spTree>
     <p:extLst>
       <p:ext uri="{BB962C8B-B14F-4D97-AF65-F5344CB8AC3E}">
-        <p14:creationId xmlns:p14="http://schemas.microsoft.com/office/powerpoint/2010/main" val="997497365"/>
+        <p14:creationId xmlns:p14="http://schemas.microsoft.com/office/powerpoint/2010/main" val="1159270087"/>
       </p:ext>
     </p:extLst>
   </p:cSld>
@@ -3351,6 +3366,90 @@
           <a:bodyPr/>
           <a:lstStyle/>
           <a:p>
+            <a:endParaRPr lang="en-US" dirty="0"/>
+          </a:p>
+        </p:txBody>
+      </p:sp>
+      <p:sp>
+        <p:nvSpPr>
+          <p:cNvPr id="4" name="Slide Number Placeholder 3"/>
+          <p:cNvSpPr>
+            <a:spLocks noGrp="1"/>
+          </p:cNvSpPr>
+          <p:nvPr>
+            <p:ph type="sldNum" sz="quarter" idx="5"/>
+          </p:nvPr>
+        </p:nvSpPr>
+        <p:spPr/>
+        <p:txBody>
+          <a:bodyPr/>
+          <a:lstStyle/>
+          <a:p>
+            <a:fld id="{5780AC98-8E30-490D-A639-38DF0F70C274}" type="slidenum">
+              <a:rPr lang="en-AU" smtClean="0"/>
+              <a:t>28</a:t>
+            </a:fld>
+            <a:endParaRPr lang="en-AU"/>
+          </a:p>
+        </p:txBody>
+      </p:sp>
+    </p:spTree>
+    <p:extLst>
+      <p:ext uri="{BB962C8B-B14F-4D97-AF65-F5344CB8AC3E}">
+        <p14:creationId xmlns:p14="http://schemas.microsoft.com/office/powerpoint/2010/main" val="997497365"/>
+      </p:ext>
+    </p:extLst>
+  </p:cSld>
+  <p:clrMapOvr>
+    <a:masterClrMapping/>
+  </p:clrMapOvr>
+</p:notes>
+</file>
+
+<file path=ppt/notesSlides/notesSlide23.xml><?xml version="1.0" encoding="utf-8"?>
+<p:notes xmlns:a="http://schemas.openxmlformats.org/drawingml/2006/main" xmlns:r="http://schemas.openxmlformats.org/officeDocument/2006/relationships" xmlns:p="http://schemas.openxmlformats.org/presentationml/2006/main">
+  <p:cSld>
+    <p:spTree>
+      <p:nvGrpSpPr>
+        <p:cNvPr id="1" name=""/>
+        <p:cNvGrpSpPr/>
+        <p:nvPr/>
+      </p:nvGrpSpPr>
+      <p:grpSpPr>
+        <a:xfrm>
+          <a:off x="0" y="0"/>
+          <a:ext cx="0" cy="0"/>
+          <a:chOff x="0" y="0"/>
+          <a:chExt cx="0" cy="0"/>
+        </a:xfrm>
+      </p:grpSpPr>
+      <p:sp>
+        <p:nvSpPr>
+          <p:cNvPr id="2" name="Slide Image Placeholder 1"/>
+          <p:cNvSpPr>
+            <a:spLocks noGrp="1" noRot="1" noChangeAspect="1"/>
+          </p:cNvSpPr>
+          <p:nvPr>
+            <p:ph type="sldImg"/>
+          </p:nvPr>
+        </p:nvSpPr>
+        <p:spPr/>
+      </p:sp>
+      <p:sp>
+        <p:nvSpPr>
+          <p:cNvPr id="3" name="Notes Placeholder 2"/>
+          <p:cNvSpPr>
+            <a:spLocks noGrp="1"/>
+          </p:cNvSpPr>
+          <p:nvPr>
+            <p:ph type="body" idx="1"/>
+          </p:nvPr>
+        </p:nvSpPr>
+        <p:spPr/>
+        <p:txBody>
+          <a:bodyPr/>
+          <a:lstStyle/>
+          <a:p>
             <a:r>
               <a:rPr lang="en-US" dirty="0"/>
               <a:t>https://</a:t>
@@ -3528,7 +3627,7 @@
           <a:p>
             <a:fld id="{5780AC98-8E30-490D-A639-38DF0F70C274}" type="slidenum">
               <a:rPr lang="en-AU" smtClean="0"/>
-              <a:t>28</a:t>
+              <a:t>29</a:t>
             </a:fld>
             <a:endParaRPr lang="en-AU"/>
           </a:p>
@@ -3621,7 +3720,7 @@
     </p:spTree>
     <p:extLst>
       <p:ext uri="{BB962C8B-B14F-4D97-AF65-F5344CB8AC3E}">
-        <p14:creationId xmlns:p14="http://schemas.microsoft.com/office/powerpoint/2010/main" val="484941456"/>
+        <p14:creationId xmlns:p14="http://schemas.microsoft.com/office/powerpoint/2010/main" val="3651148658"/>
       </p:ext>
     </p:extLst>
   </p:cSld>
@@ -3705,7 +3804,7 @@
     </p:spTree>
     <p:extLst>
       <p:ext uri="{BB962C8B-B14F-4D97-AF65-F5344CB8AC3E}">
-        <p14:creationId xmlns:p14="http://schemas.microsoft.com/office/powerpoint/2010/main" val="2752296472"/>
+        <p14:creationId xmlns:p14="http://schemas.microsoft.com/office/powerpoint/2010/main" val="2951196048"/>
       </p:ext>
     </p:extLst>
   </p:cSld>
@@ -3789,7 +3888,7 @@
     </p:spTree>
     <p:extLst>
       <p:ext uri="{BB962C8B-B14F-4D97-AF65-F5344CB8AC3E}">
-        <p14:creationId xmlns:p14="http://schemas.microsoft.com/office/powerpoint/2010/main" val="3578014138"/>
+        <p14:creationId xmlns:p14="http://schemas.microsoft.com/office/powerpoint/2010/main" val="484941456"/>
       </p:ext>
     </p:extLst>
   </p:cSld>
@@ -3864,7 +3963,7 @@
           <a:p>
             <a:fld id="{5780AC98-8E30-490D-A639-38DF0F70C274}" type="slidenum">
               <a:rPr lang="en-AU" smtClean="0"/>
-              <a:t>8</a:t>
+              <a:t>7</a:t>
             </a:fld>
             <a:endParaRPr lang="en-AU"/>
           </a:p>
@@ -3873,7 +3972,7 @@
     </p:spTree>
     <p:extLst>
       <p:ext uri="{BB962C8B-B14F-4D97-AF65-F5344CB8AC3E}">
-        <p14:creationId xmlns:p14="http://schemas.microsoft.com/office/powerpoint/2010/main" val="2826297320"/>
+        <p14:creationId xmlns:p14="http://schemas.microsoft.com/office/powerpoint/2010/main" val="2752296472"/>
       </p:ext>
     </p:extLst>
   </p:cSld>
@@ -3948,7 +4047,7 @@
           <a:p>
             <a:fld id="{5780AC98-8E30-490D-A639-38DF0F70C274}" type="slidenum">
               <a:rPr lang="en-AU" smtClean="0"/>
-              <a:t>9</a:t>
+              <a:t>8</a:t>
             </a:fld>
             <a:endParaRPr lang="en-AU"/>
           </a:p>
@@ -3957,7 +4056,7 @@
     </p:spTree>
     <p:extLst>
       <p:ext uri="{BB962C8B-B14F-4D97-AF65-F5344CB8AC3E}">
-        <p14:creationId xmlns:p14="http://schemas.microsoft.com/office/powerpoint/2010/main" val="3931014938"/>
+        <p14:creationId xmlns:p14="http://schemas.microsoft.com/office/powerpoint/2010/main" val="3578014138"/>
       </p:ext>
     </p:extLst>
   </p:cSld>
@@ -4011,7 +4110,7 @@
           <a:bodyPr/>
           <a:lstStyle/>
           <a:p>
-            <a:endParaRPr lang="en-US" dirty="0"/>
+            <a:endParaRPr lang="en-AU" dirty="0"/>
           </a:p>
         </p:txBody>
       </p:sp>
@@ -4032,7 +4131,7 @@
           <a:p>
             <a:fld id="{5780AC98-8E30-490D-A639-38DF0F70C274}" type="slidenum">
               <a:rPr lang="en-AU" smtClean="0"/>
-              <a:t>14</a:t>
+              <a:t>10</a:t>
             </a:fld>
             <a:endParaRPr lang="en-AU"/>
           </a:p>
@@ -4041,7 +4140,7 @@
     </p:spTree>
     <p:extLst>
       <p:ext uri="{BB962C8B-B14F-4D97-AF65-F5344CB8AC3E}">
-        <p14:creationId xmlns:p14="http://schemas.microsoft.com/office/powerpoint/2010/main" val="3302909210"/>
+        <p14:creationId xmlns:p14="http://schemas.microsoft.com/office/powerpoint/2010/main" val="3931014938"/>
       </p:ext>
     </p:extLst>
   </p:cSld>
@@ -4095,20 +4194,6 @@
           <a:bodyPr/>
           <a:lstStyle/>
           <a:p>
-            <a:r>
-              <a:rPr lang="en-US" dirty="0"/>
-              <a:t>Invariant</a:t>
-            </a:r>
-          </a:p>
-          <a:p>
-            <a:r>
-              <a:rPr lang="en-US" dirty="0"/>
-              <a:t>result = x ^ </a:t>
-            </a:r>
-            <a:r>
-              <a:rPr lang="en-US" dirty="0" err="1"/>
-              <a:t>i</a:t>
-            </a:r>
             <a:endParaRPr lang="en-US" dirty="0"/>
           </a:p>
         </p:txBody>
@@ -4139,7 +4224,7 @@
     </p:spTree>
     <p:extLst>
       <p:ext uri="{BB962C8B-B14F-4D97-AF65-F5344CB8AC3E}">
-        <p14:creationId xmlns:p14="http://schemas.microsoft.com/office/powerpoint/2010/main" val="3831044075"/>
+        <p14:creationId xmlns:p14="http://schemas.microsoft.com/office/powerpoint/2010/main" val="3302909210"/>
       </p:ext>
     </p:extLst>
   </p:cSld>
@@ -8720,7 +8805,18 @@
             </a:pPr>
             <a:r>
               <a:rPr lang="en-US" dirty="0"/>
-              <a:t>Are the following Hoare triples correct?</a:t>
+              <a:t>How do we show that a program will reach the post condition?</a:t>
+            </a:r>
+          </a:p>
+          <a:p>
+            <a:pPr>
+              <a:lnSpc>
+                <a:spcPct val="150000"/>
+              </a:lnSpc>
+            </a:pPr>
+            <a:r>
+              <a:rPr lang="en-US" dirty="0"/>
+              <a:t>Hoare triples</a:t>
             </a:r>
           </a:p>
           <a:p>
@@ -8730,8 +8826,8 @@
               </a:lnSpc>
             </a:pPr>
             <a:r>
-              <a:rPr lang="en-US" dirty="0"/>
-              <a:t>{x = 5} x = x * 2 {x = 10}</a:t>
+              <a:rPr lang="en-AU" dirty="0"/>
+              <a:t>{P} S {Q}</a:t>
             </a:r>
           </a:p>
           <a:p>
@@ -8741,8 +8837,8 @@
               </a:lnSpc>
             </a:pPr>
             <a:r>
-              <a:rPr lang="en-US" dirty="0"/>
-              <a:t>{x = 5} x = x * 2 {x &gt; 0}</a:t>
+              <a:rPr lang="en-AU" dirty="0"/>
+              <a:t>P and Q are predicates representing our pre and post conditions</a:t>
             </a:r>
           </a:p>
           <a:p>
@@ -8752,8 +8848,19 @@
               </a:lnSpc>
             </a:pPr>
             <a:r>
-              <a:rPr lang="en-US" dirty="0"/>
-              <a:t>{x = 5} x = x * 2 {true}</a:t>
+              <a:rPr lang="en-AU" dirty="0"/>
+              <a:t>S is the program</a:t>
+            </a:r>
+          </a:p>
+          <a:p>
+            <a:pPr>
+              <a:lnSpc>
+                <a:spcPct val="150000"/>
+              </a:lnSpc>
+            </a:pPr>
+            <a:r>
+              <a:rPr lang="en-AU" dirty="0"/>
+              <a:t>If the program is in state P and we execute S (and S terminates), Q will be true.</a:t>
             </a:r>
           </a:p>
           <a:p>
@@ -8763,8 +8870,8 @@
               </a:lnSpc>
             </a:pPr>
             <a:r>
-              <a:rPr lang="en-US" dirty="0"/>
-              <a:t>{true} x = x * 2 {true}</a:t>
+              <a:rPr lang="en-AU" dirty="0"/>
+              <a:t>{k = 3} k = 15 {k = 15}</a:t>
             </a:r>
           </a:p>
           <a:p>
@@ -8773,45 +8880,10 @@
                 <a:spcPct val="150000"/>
               </a:lnSpc>
             </a:pPr>
-            <a:endParaRPr lang="en-US" dirty="0"/>
-          </a:p>
-          <a:p>
-            <a:pPr>
-              <a:lnSpc>
-                <a:spcPct val="150000"/>
-              </a:lnSpc>
-            </a:pPr>
-            <a:r>
-              <a:rPr lang="en-US" dirty="0"/>
-              <a:t>What about this?</a:t>
-            </a:r>
-          </a:p>
-          <a:p>
-            <a:pPr lvl="1">
-              <a:lnSpc>
-                <a:spcPct val="150000"/>
-              </a:lnSpc>
-            </a:pPr>
-            <a:r>
-              <a:rPr lang="en-US" dirty="0"/>
-              <a:t>{false} k = 3 {k = -4}</a:t>
-            </a:r>
-          </a:p>
-          <a:p>
-            <a:pPr lvl="1">
-              <a:lnSpc>
-                <a:spcPct val="150000"/>
-              </a:lnSpc>
-            </a:pPr>
-            <a:endParaRPr lang="en-AU" dirty="0"/>
-          </a:p>
-          <a:p>
-            <a:pPr lvl="1">
-              <a:lnSpc>
-                <a:spcPct val="150000"/>
-              </a:lnSpc>
-            </a:pPr>
-            <a:endParaRPr lang="en-AU" dirty="0"/>
+            <a:r>
+              <a:rPr lang="en-AU" dirty="0"/>
+              <a:t>{x = y} y = y + 3 {y = x + 3}</a:t>
+            </a:r>
           </a:p>
           <a:p>
             <a:pPr>
@@ -8904,7 +8976,7 @@
           <a:p>
             <a:r>
               <a:rPr lang="en-US" dirty="0"/>
-              <a:t>Weakest and strongest pre/post</a:t>
+              <a:t>Hoare Logic</a:t>
             </a:r>
             <a:endParaRPr lang="en-AU" dirty="0"/>
           </a:p>
@@ -8913,7 +8985,7 @@
     </p:spTree>
     <p:extLst>
       <p:ext uri="{BB962C8B-B14F-4D97-AF65-F5344CB8AC3E}">
-        <p14:creationId xmlns:p14="http://schemas.microsoft.com/office/powerpoint/2010/main" val="2820334894"/>
+        <p14:creationId xmlns:p14="http://schemas.microsoft.com/office/powerpoint/2010/main" val="3327792352"/>
       </p:ext>
     </p:extLst>
   </p:cSld>
@@ -8956,7 +9028,12 @@
             <p:ph sz="quarter" idx="16"/>
           </p:nvPr>
         </p:nvSpPr>
-        <p:spPr/>
+        <p:spPr>
+          <a:xfrm>
+            <a:off x="720000" y="1620000"/>
+            <a:ext cx="10776675" cy="4963362"/>
+          </a:xfrm>
+        </p:spPr>
         <p:txBody>
           <a:bodyPr/>
           <a:lstStyle/>
@@ -8968,8 +9045,60 @@
             </a:pPr>
             <a:r>
               <a:rPr lang="en-US" dirty="0"/>
-              <a:t>How do we deal with the loop in the following code?</a:t>
-            </a:r>
+              <a:t>Are the following Hoare triples correct?</a:t>
+            </a:r>
+          </a:p>
+          <a:p>
+            <a:pPr lvl="1">
+              <a:lnSpc>
+                <a:spcPct val="150000"/>
+              </a:lnSpc>
+            </a:pPr>
+            <a:r>
+              <a:rPr lang="en-US" dirty="0"/>
+              <a:t>{x = 5} x = x * 2 {x = 10}</a:t>
+            </a:r>
+          </a:p>
+          <a:p>
+            <a:pPr lvl="1">
+              <a:lnSpc>
+                <a:spcPct val="150000"/>
+              </a:lnSpc>
+            </a:pPr>
+            <a:r>
+              <a:rPr lang="en-US" dirty="0"/>
+              <a:t>{x = 5} x = x * 2 {x &gt; 0}</a:t>
+            </a:r>
+          </a:p>
+          <a:p>
+            <a:pPr lvl="1">
+              <a:lnSpc>
+                <a:spcPct val="150000"/>
+              </a:lnSpc>
+            </a:pPr>
+            <a:r>
+              <a:rPr lang="en-US" dirty="0"/>
+              <a:t>{x = 5} x = x * 2 {true}</a:t>
+            </a:r>
+          </a:p>
+          <a:p>
+            <a:pPr lvl="1">
+              <a:lnSpc>
+                <a:spcPct val="150000"/>
+              </a:lnSpc>
+            </a:pPr>
+            <a:r>
+              <a:rPr lang="en-US" dirty="0"/>
+              <a:t>{true} x = x * 2 {true}</a:t>
+            </a:r>
+          </a:p>
+          <a:p>
+            <a:pPr lvl="1">
+              <a:lnSpc>
+                <a:spcPct val="150000"/>
+              </a:lnSpc>
+            </a:pPr>
+            <a:endParaRPr lang="en-US" dirty="0"/>
           </a:p>
           <a:p>
             <a:pPr>
@@ -8979,23 +9108,41 @@
             </a:pPr>
             <a:r>
               <a:rPr lang="en-US" dirty="0"/>
-              <a:t>Are Hoare triples enough? </a:t>
-            </a:r>
+              <a:t>What about this?</a:t>
+            </a:r>
+          </a:p>
+          <a:p>
+            <a:pPr lvl="1">
+              <a:lnSpc>
+                <a:spcPct val="150000"/>
+              </a:lnSpc>
+            </a:pPr>
+            <a:r>
+              <a:rPr lang="en-US" dirty="0"/>
+              <a:t>{false} k = 3 {k = -4}</a:t>
+            </a:r>
+          </a:p>
+          <a:p>
+            <a:pPr lvl="1">
+              <a:lnSpc>
+                <a:spcPct val="150000"/>
+              </a:lnSpc>
+            </a:pPr>
+            <a:endParaRPr lang="en-AU" dirty="0"/>
+          </a:p>
+          <a:p>
+            <a:pPr lvl="1">
+              <a:lnSpc>
+                <a:spcPct val="150000"/>
+              </a:lnSpc>
+            </a:pPr>
+            <a:endParaRPr lang="en-AU" dirty="0"/>
           </a:p>
           <a:p>
             <a:pPr>
               <a:lnSpc>
                 <a:spcPct val="150000"/>
               </a:lnSpc>
-            </a:pPr>
-            <a:endParaRPr lang="en-US" dirty="0"/>
-          </a:p>
-          <a:p>
-            <a:pPr marL="0" indent="0">
-              <a:lnSpc>
-                <a:spcPct val="150000"/>
-              </a:lnSpc>
-              <a:buNone/>
             </a:pPr>
             <a:endParaRPr lang="en-AU" dirty="0"/>
           </a:p>
@@ -9024,36 +9171,7 @@
           <a:p>
             <a:r>
               <a:rPr lang="en-US" dirty="0"/>
-              <a:t>Invariants</a:t>
-            </a:r>
-            <a:endParaRPr lang="en-AU" dirty="0"/>
-          </a:p>
-        </p:txBody>
-      </p:sp>
-      <p:sp>
-        <p:nvSpPr>
-          <p:cNvPr id="4" name="Footer Placeholder 3">
-            <a:extLst>
-              <a:ext uri="{FF2B5EF4-FFF2-40B4-BE49-F238E27FC236}">
-                <a16:creationId xmlns:a16="http://schemas.microsoft.com/office/drawing/2014/main" id="{E1AAA447-0C79-F2EE-D2C3-4229DBE2FD01}"/>
-              </a:ext>
-            </a:extLst>
-          </p:cNvPr>
-          <p:cNvSpPr>
-            <a:spLocks noGrp="1"/>
-          </p:cNvSpPr>
-          <p:nvPr>
-            <p:ph type="ftr" sz="quarter" idx="11"/>
-          </p:nvPr>
-        </p:nvSpPr>
-        <p:spPr/>
-        <p:txBody>
-          <a:bodyPr/>
-          <a:lstStyle/>
-          <a:p>
-            <a:r>
-              <a:rPr lang="en-AU"/>
-              <a:t>OFFICE | FACULTY | DEPARTMENT</a:t>
+              <a:t>Hoare Logic</a:t>
             </a:r>
             <a:endParaRPr lang="en-AU" dirty="0"/>
           </a:p>
@@ -9083,6 +9201,213 @@
             <a:fld id="{D9C42BCC-44E8-4F98-A8FE-EAF16D8C1E6E}" type="slidenum">
               <a:rPr lang="en-AU" smtClean="0"/>
               <a:t>11</a:t>
+            </a:fld>
+            <a:endParaRPr lang="en-AU" dirty="0"/>
+          </a:p>
+        </p:txBody>
+      </p:sp>
+      <p:sp>
+        <p:nvSpPr>
+          <p:cNvPr id="6" name="Text Placeholder 5">
+            <a:extLst>
+              <a:ext uri="{FF2B5EF4-FFF2-40B4-BE49-F238E27FC236}">
+                <a16:creationId xmlns:a16="http://schemas.microsoft.com/office/drawing/2014/main" id="{D48B7B99-018C-39DD-26B6-0EC4F037891D}"/>
+              </a:ext>
+            </a:extLst>
+          </p:cNvPr>
+          <p:cNvSpPr>
+            <a:spLocks noGrp="1"/>
+          </p:cNvSpPr>
+          <p:nvPr>
+            <p:ph type="body" sz="quarter" idx="15"/>
+          </p:nvPr>
+        </p:nvSpPr>
+        <p:spPr/>
+        <p:txBody>
+          <a:bodyPr/>
+          <a:lstStyle/>
+          <a:p>
+            <a:r>
+              <a:rPr lang="en-US" dirty="0"/>
+              <a:t>Weakest and strongest pre/post</a:t>
+            </a:r>
+            <a:endParaRPr lang="en-AU" dirty="0"/>
+          </a:p>
+        </p:txBody>
+      </p:sp>
+    </p:spTree>
+    <p:extLst>
+      <p:ext uri="{BB962C8B-B14F-4D97-AF65-F5344CB8AC3E}">
+        <p14:creationId xmlns:p14="http://schemas.microsoft.com/office/powerpoint/2010/main" val="2820334894"/>
+      </p:ext>
+    </p:extLst>
+  </p:cSld>
+  <p:clrMapOvr>
+    <a:masterClrMapping/>
+  </p:clrMapOvr>
+</p:sld>
+</file>
+
+<file path=ppt/slides/slide12.xml><?xml version="1.0" encoding="utf-8"?>
+<p:sld xmlns:a="http://schemas.openxmlformats.org/drawingml/2006/main" xmlns:r="http://schemas.openxmlformats.org/officeDocument/2006/relationships" xmlns:p="http://schemas.openxmlformats.org/presentationml/2006/main">
+  <p:cSld>
+    <p:spTree>
+      <p:nvGrpSpPr>
+        <p:cNvPr id="1" name=""/>
+        <p:cNvGrpSpPr/>
+        <p:nvPr/>
+      </p:nvGrpSpPr>
+      <p:grpSpPr>
+        <a:xfrm>
+          <a:off x="0" y="0"/>
+          <a:ext cx="0" cy="0"/>
+          <a:chOff x="0" y="0"/>
+          <a:chExt cx="0" cy="0"/>
+        </a:xfrm>
+      </p:grpSpPr>
+      <p:sp>
+        <p:nvSpPr>
+          <p:cNvPr id="2" name="Content Placeholder 1">
+            <a:extLst>
+              <a:ext uri="{FF2B5EF4-FFF2-40B4-BE49-F238E27FC236}">
+                <a16:creationId xmlns:a16="http://schemas.microsoft.com/office/drawing/2014/main" id="{60492C8A-DCA2-AB52-A0DF-96705733164D}"/>
+              </a:ext>
+            </a:extLst>
+          </p:cNvPr>
+          <p:cNvSpPr>
+            <a:spLocks noGrp="1"/>
+          </p:cNvSpPr>
+          <p:nvPr>
+            <p:ph sz="quarter" idx="16"/>
+          </p:nvPr>
+        </p:nvSpPr>
+        <p:spPr/>
+        <p:txBody>
+          <a:bodyPr/>
+          <a:lstStyle/>
+          <a:p>
+            <a:pPr>
+              <a:lnSpc>
+                <a:spcPct val="150000"/>
+              </a:lnSpc>
+            </a:pPr>
+            <a:r>
+              <a:rPr lang="en-US" dirty="0"/>
+              <a:t>How do we deal with the loop in the following code?</a:t>
+            </a:r>
+          </a:p>
+          <a:p>
+            <a:pPr>
+              <a:lnSpc>
+                <a:spcPct val="150000"/>
+              </a:lnSpc>
+            </a:pPr>
+            <a:r>
+              <a:rPr lang="en-US" dirty="0"/>
+              <a:t>Are Hoare triples enough? </a:t>
+            </a:r>
+          </a:p>
+          <a:p>
+            <a:pPr>
+              <a:lnSpc>
+                <a:spcPct val="150000"/>
+              </a:lnSpc>
+            </a:pPr>
+            <a:endParaRPr lang="en-US" dirty="0"/>
+          </a:p>
+          <a:p>
+            <a:pPr marL="0" indent="0">
+              <a:lnSpc>
+                <a:spcPct val="150000"/>
+              </a:lnSpc>
+              <a:buNone/>
+            </a:pPr>
+            <a:endParaRPr lang="en-AU" dirty="0"/>
+          </a:p>
+        </p:txBody>
+      </p:sp>
+      <p:sp>
+        <p:nvSpPr>
+          <p:cNvPr id="3" name="Title 2">
+            <a:extLst>
+              <a:ext uri="{FF2B5EF4-FFF2-40B4-BE49-F238E27FC236}">
+                <a16:creationId xmlns:a16="http://schemas.microsoft.com/office/drawing/2014/main" id="{7D21DD26-F190-4A65-4B5A-7F11FB5A95F1}"/>
+              </a:ext>
+            </a:extLst>
+          </p:cNvPr>
+          <p:cNvSpPr>
+            <a:spLocks noGrp="1"/>
+          </p:cNvSpPr>
+          <p:nvPr>
+            <p:ph type="title"/>
+          </p:nvPr>
+        </p:nvSpPr>
+        <p:spPr/>
+        <p:txBody>
+          <a:bodyPr/>
+          <a:lstStyle/>
+          <a:p>
+            <a:r>
+              <a:rPr lang="en-US" dirty="0"/>
+              <a:t>Invariants</a:t>
+            </a:r>
+            <a:endParaRPr lang="en-AU" dirty="0"/>
+          </a:p>
+        </p:txBody>
+      </p:sp>
+      <p:sp>
+        <p:nvSpPr>
+          <p:cNvPr id="4" name="Footer Placeholder 3">
+            <a:extLst>
+              <a:ext uri="{FF2B5EF4-FFF2-40B4-BE49-F238E27FC236}">
+                <a16:creationId xmlns:a16="http://schemas.microsoft.com/office/drawing/2014/main" id="{E1AAA447-0C79-F2EE-D2C3-4229DBE2FD01}"/>
+              </a:ext>
+            </a:extLst>
+          </p:cNvPr>
+          <p:cNvSpPr>
+            <a:spLocks noGrp="1"/>
+          </p:cNvSpPr>
+          <p:nvPr>
+            <p:ph type="ftr" sz="quarter" idx="11"/>
+          </p:nvPr>
+        </p:nvSpPr>
+        <p:spPr/>
+        <p:txBody>
+          <a:bodyPr/>
+          <a:lstStyle/>
+          <a:p>
+            <a:r>
+              <a:rPr lang="en-AU"/>
+              <a:t>OFFICE | FACULTY | DEPARTMENT</a:t>
+            </a:r>
+            <a:endParaRPr lang="en-AU" dirty="0"/>
+          </a:p>
+        </p:txBody>
+      </p:sp>
+      <p:sp>
+        <p:nvSpPr>
+          <p:cNvPr id="5" name="Slide Number Placeholder 4">
+            <a:extLst>
+              <a:ext uri="{FF2B5EF4-FFF2-40B4-BE49-F238E27FC236}">
+                <a16:creationId xmlns:a16="http://schemas.microsoft.com/office/drawing/2014/main" id="{04ACD6C8-F197-6CBD-F6EE-4FF14091D68E}"/>
+              </a:ext>
+            </a:extLst>
+          </p:cNvPr>
+          <p:cNvSpPr>
+            <a:spLocks noGrp="1"/>
+          </p:cNvSpPr>
+          <p:nvPr>
+            <p:ph type="sldNum" sz="quarter" idx="12"/>
+          </p:nvPr>
+        </p:nvSpPr>
+        <p:spPr/>
+        <p:txBody>
+          <a:bodyPr/>
+          <a:lstStyle/>
+          <a:p>
+            <a:fld id="{D9C42BCC-44E8-4F98-A8FE-EAF16D8C1E6E}" type="slidenum">
+              <a:rPr lang="en-AU" smtClean="0"/>
+              <a:t>12</a:t>
             </a:fld>
             <a:endParaRPr lang="en-AU" dirty="0"/>
           </a:p>
@@ -9165,213 +9490,6 @@
 </p:sld>
 </file>
 
-<file path=ppt/slides/slide12.xml><?xml version="1.0" encoding="utf-8"?>
-<p:sld xmlns:a="http://schemas.openxmlformats.org/drawingml/2006/main" xmlns:r="http://schemas.openxmlformats.org/officeDocument/2006/relationships" xmlns:p="http://schemas.openxmlformats.org/presentationml/2006/main">
-  <p:cSld>
-    <p:spTree>
-      <p:nvGrpSpPr>
-        <p:cNvPr id="1" name=""/>
-        <p:cNvGrpSpPr/>
-        <p:nvPr/>
-      </p:nvGrpSpPr>
-      <p:grpSpPr>
-        <a:xfrm>
-          <a:off x="0" y="0"/>
-          <a:ext cx="0" cy="0"/>
-          <a:chOff x="0" y="0"/>
-          <a:chExt cx="0" cy="0"/>
-        </a:xfrm>
-      </p:grpSpPr>
-      <p:sp>
-        <p:nvSpPr>
-          <p:cNvPr id="2" name="Content Placeholder 1">
-            <a:extLst>
-              <a:ext uri="{FF2B5EF4-FFF2-40B4-BE49-F238E27FC236}">
-                <a16:creationId xmlns:a16="http://schemas.microsoft.com/office/drawing/2014/main" id="{EAC4F2EB-159B-0B7B-F8E4-574DFE3EB620}"/>
-              </a:ext>
-            </a:extLst>
-          </p:cNvPr>
-          <p:cNvSpPr>
-            <a:spLocks noGrp="1"/>
-          </p:cNvSpPr>
-          <p:nvPr>
-            <p:ph sz="quarter" idx="16"/>
-          </p:nvPr>
-        </p:nvSpPr>
-        <p:spPr>
-          <a:xfrm>
-            <a:off x="720000" y="1620000"/>
-            <a:ext cx="6875857" cy="4524375"/>
-          </a:xfrm>
-        </p:spPr>
-        <p:txBody>
-          <a:bodyPr/>
-          <a:lstStyle/>
-          <a:p>
-            <a:pPr>
-              <a:lnSpc>
-                <a:spcPct val="150000"/>
-              </a:lnSpc>
-            </a:pPr>
-            <a:r>
-              <a:rPr lang="en-US" dirty="0"/>
-              <a:t>For code without loops, we are simulating execution directly</a:t>
-            </a:r>
-          </a:p>
-          <a:p>
-            <a:pPr lvl="1">
-              <a:lnSpc>
-                <a:spcPct val="150000"/>
-              </a:lnSpc>
-            </a:pPr>
-            <a:r>
-              <a:rPr lang="en-US" dirty="0"/>
-              <a:t>We prove one Hoare Triple for each statement, and each statement is executed once</a:t>
-            </a:r>
-          </a:p>
-          <a:p>
-            <a:pPr lvl="1">
-              <a:lnSpc>
-                <a:spcPct val="150000"/>
-              </a:lnSpc>
-            </a:pPr>
-            <a:endParaRPr lang="en-US" dirty="0">
-              <a:solidFill>
-                <a:srgbClr val="FF0000"/>
-              </a:solidFill>
-            </a:endParaRPr>
-          </a:p>
-          <a:p>
-            <a:pPr>
-              <a:lnSpc>
-                <a:spcPct val="150000"/>
-              </a:lnSpc>
-            </a:pPr>
-            <a:r>
-              <a:rPr lang="en-US" dirty="0"/>
-              <a:t>For code with loops, we are doing one proof of correctness for multiple loop iterations</a:t>
-            </a:r>
-          </a:p>
-          <a:p>
-            <a:pPr lvl="1">
-              <a:lnSpc>
-                <a:spcPct val="150000"/>
-              </a:lnSpc>
-            </a:pPr>
-            <a:r>
-              <a:rPr lang="en-US" dirty="0"/>
-              <a:t>Don’t know how many iterations there will be</a:t>
-            </a:r>
-          </a:p>
-          <a:p>
-            <a:pPr lvl="1">
-              <a:lnSpc>
-                <a:spcPct val="150000"/>
-              </a:lnSpc>
-            </a:pPr>
-            <a:r>
-              <a:rPr lang="en-US" dirty="0"/>
-              <a:t>Need our proof to cover all of them</a:t>
-            </a:r>
-          </a:p>
-        </p:txBody>
-      </p:sp>
-      <p:sp>
-        <p:nvSpPr>
-          <p:cNvPr id="3" name="Title 2">
-            <a:extLst>
-              <a:ext uri="{FF2B5EF4-FFF2-40B4-BE49-F238E27FC236}">
-                <a16:creationId xmlns:a16="http://schemas.microsoft.com/office/drawing/2014/main" id="{3508BEBE-352A-7B7D-3ACE-1D0A2D24892D}"/>
-              </a:ext>
-            </a:extLst>
-          </p:cNvPr>
-          <p:cNvSpPr>
-            <a:spLocks noGrp="1"/>
-          </p:cNvSpPr>
-          <p:nvPr>
-            <p:ph type="title"/>
-          </p:nvPr>
-        </p:nvSpPr>
-        <p:spPr/>
-        <p:txBody>
-          <a:bodyPr/>
-          <a:lstStyle/>
-          <a:p>
-            <a:r>
-              <a:rPr lang="en-US" dirty="0"/>
-              <a:t>Invariants</a:t>
-            </a:r>
-            <a:endParaRPr lang="en-AU" dirty="0"/>
-          </a:p>
-        </p:txBody>
-      </p:sp>
-      <p:sp>
-        <p:nvSpPr>
-          <p:cNvPr id="5" name="Slide Number Placeholder 4">
-            <a:extLst>
-              <a:ext uri="{FF2B5EF4-FFF2-40B4-BE49-F238E27FC236}">
-                <a16:creationId xmlns:a16="http://schemas.microsoft.com/office/drawing/2014/main" id="{3BE30BE0-A975-0F3F-BA1D-F63B881BCE85}"/>
-              </a:ext>
-            </a:extLst>
-          </p:cNvPr>
-          <p:cNvSpPr>
-            <a:spLocks noGrp="1"/>
-          </p:cNvSpPr>
-          <p:nvPr>
-            <p:ph type="sldNum" sz="quarter" idx="12"/>
-          </p:nvPr>
-        </p:nvSpPr>
-        <p:spPr/>
-        <p:txBody>
-          <a:bodyPr/>
-          <a:lstStyle/>
-          <a:p>
-            <a:fld id="{D9C42BCC-44E8-4F98-A8FE-EAF16D8C1E6E}" type="slidenum">
-              <a:rPr lang="en-AU" smtClean="0"/>
-              <a:t>12</a:t>
-            </a:fld>
-            <a:endParaRPr lang="en-AU" dirty="0"/>
-          </a:p>
-        </p:txBody>
-      </p:sp>
-      <p:sp>
-        <p:nvSpPr>
-          <p:cNvPr id="6" name="Text Placeholder 5">
-            <a:extLst>
-              <a:ext uri="{FF2B5EF4-FFF2-40B4-BE49-F238E27FC236}">
-                <a16:creationId xmlns:a16="http://schemas.microsoft.com/office/drawing/2014/main" id="{EBA2FDCD-FA28-3F60-82C6-1B7FEA34FBB3}"/>
-              </a:ext>
-            </a:extLst>
-          </p:cNvPr>
-          <p:cNvSpPr>
-            <a:spLocks noGrp="1"/>
-          </p:cNvSpPr>
-          <p:nvPr>
-            <p:ph type="body" sz="quarter" idx="15"/>
-          </p:nvPr>
-        </p:nvSpPr>
-        <p:spPr/>
-        <p:txBody>
-          <a:bodyPr/>
-          <a:lstStyle/>
-          <a:p>
-            <a:endParaRPr lang="en-AU"/>
-          </a:p>
-        </p:txBody>
-      </p:sp>
-    </p:spTree>
-    <p:extLst>
-      <p:ext uri="{BB962C8B-B14F-4D97-AF65-F5344CB8AC3E}">
-        <p14:creationId xmlns:p14="http://schemas.microsoft.com/office/powerpoint/2010/main" val="3876913791"/>
-      </p:ext>
-    </p:extLst>
-  </p:cSld>
-  <p:clrMapOvr>
-    <a:masterClrMapping/>
-  </p:clrMapOvr>
-</p:sld>
-</file>
-
 <file path=ppt/slides/slide13.xml><?xml version="1.0" encoding="utf-8"?>
 <p:sld xmlns:a="http://schemas.openxmlformats.org/drawingml/2006/main" xmlns:r="http://schemas.openxmlformats.org/officeDocument/2006/relationships" xmlns:p="http://schemas.openxmlformats.org/presentationml/2006/main">
   <p:cSld>
@@ -9408,13 +9526,11 @@
         <p:spPr>
           <a:xfrm>
             <a:off x="720000" y="1620000"/>
-            <a:ext cx="9415312" cy="4524375"/>
+            <a:ext cx="6875857" cy="4524375"/>
           </a:xfrm>
         </p:spPr>
         <p:txBody>
-          <a:bodyPr>
-            <a:normAutofit/>
-          </a:bodyPr>
+          <a:bodyPr/>
           <a:lstStyle/>
           <a:p>
             <a:pPr>
@@ -9424,8 +9540,31 @@
             </a:pPr>
             <a:r>
               <a:rPr lang="en-US" dirty="0"/>
-              <a:t>The invariant is a general condition that must be true for every execution of the loop, but still be strong enough to provide us the postcondition.</a:t>
-            </a:r>
+              <a:t>For code without loops, we are simulating execution directly</a:t>
+            </a:r>
+          </a:p>
+          <a:p>
+            <a:pPr lvl="1">
+              <a:lnSpc>
+                <a:spcPct val="150000"/>
+              </a:lnSpc>
+            </a:pPr>
+            <a:r>
+              <a:rPr lang="en-US" dirty="0"/>
+              <a:t>We prove one Hoare Triple for each statement, and each statement is executed once</a:t>
+            </a:r>
+          </a:p>
+          <a:p>
+            <a:pPr lvl="1">
+              <a:lnSpc>
+                <a:spcPct val="150000"/>
+              </a:lnSpc>
+            </a:pPr>
+            <a:endParaRPr lang="en-US" dirty="0">
+              <a:solidFill>
+                <a:srgbClr val="FF0000"/>
+              </a:solidFill>
+            </a:endParaRPr>
           </a:p>
           <a:p>
             <a:pPr>
@@ -9433,17 +9572,20 @@
                 <a:spcPct val="150000"/>
               </a:lnSpc>
             </a:pPr>
-            <a:endParaRPr lang="en-US" dirty="0"/>
-          </a:p>
-          <a:p>
-            <a:pPr>
+            <a:r>
+              <a:rPr lang="en-US" dirty="0"/>
+              <a:t>For code with loops, we are doing one proof of correctness for multiple loop iterations</a:t>
+            </a:r>
+          </a:p>
+          <a:p>
+            <a:pPr lvl="1">
               <a:lnSpc>
                 <a:spcPct val="150000"/>
               </a:lnSpc>
             </a:pPr>
             <a:r>
               <a:rPr lang="en-US" dirty="0"/>
-              <a:t>An invariant is correct when it adheres to the following rules: </a:t>
+              <a:t>Don’t know how many iterations there will be</a:t>
             </a:r>
           </a:p>
           <a:p>
@@ -9454,40 +9596,7 @@
             </a:pPr>
             <a:r>
               <a:rPr lang="en-US" dirty="0"/>
-              <a:t>Is true before it starts</a:t>
-            </a:r>
-          </a:p>
-          <a:p>
-            <a:pPr lvl="1">
-              <a:lnSpc>
-                <a:spcPct val="150000"/>
-              </a:lnSpc>
-            </a:pPr>
-            <a:r>
-              <a:rPr lang="en-US" dirty="0"/>
-              <a:t>Is maintained on each loop iteration</a:t>
-            </a:r>
-          </a:p>
-          <a:p>
-            <a:pPr lvl="1">
-              <a:lnSpc>
-                <a:spcPct val="150000"/>
-              </a:lnSpc>
-            </a:pPr>
-            <a:r>
-              <a:rPr lang="en-US" dirty="0"/>
-              <a:t>Each loop iteration makes progress towards the loop stopping (no infinite loops!) </a:t>
-            </a:r>
-          </a:p>
-          <a:p>
-            <a:pPr lvl="1">
-              <a:lnSpc>
-                <a:spcPct val="150000"/>
-              </a:lnSpc>
-            </a:pPr>
-            <a:r>
-              <a:rPr lang="en-US" dirty="0"/>
-              <a:t>The postcondition is true when the loop terminates</a:t>
+              <a:t>Need our proof to cover all of them</a:t>
             </a:r>
           </a:p>
         </p:txBody>
@@ -9578,7 +9687,7 @@
     </p:spTree>
     <p:extLst>
       <p:ext uri="{BB962C8B-B14F-4D97-AF65-F5344CB8AC3E}">
-        <p14:creationId xmlns:p14="http://schemas.microsoft.com/office/powerpoint/2010/main" val="2264375820"/>
+        <p14:creationId xmlns:p14="http://schemas.microsoft.com/office/powerpoint/2010/main" val="3876913791"/>
       </p:ext>
     </p:extLst>
   </p:cSld>
@@ -9607,10 +9716,102 @@
       </p:grpSpPr>
       <p:sp>
         <p:nvSpPr>
+          <p:cNvPr id="2" name="Content Placeholder 1">
+            <a:extLst>
+              <a:ext uri="{FF2B5EF4-FFF2-40B4-BE49-F238E27FC236}">
+                <a16:creationId xmlns:a16="http://schemas.microsoft.com/office/drawing/2014/main" id="{EAC4F2EB-159B-0B7B-F8E4-574DFE3EB620}"/>
+              </a:ext>
+            </a:extLst>
+          </p:cNvPr>
+          <p:cNvSpPr>
+            <a:spLocks noGrp="1"/>
+          </p:cNvSpPr>
+          <p:nvPr>
+            <p:ph sz="quarter" idx="16"/>
+          </p:nvPr>
+        </p:nvSpPr>
+        <p:spPr>
+          <a:xfrm>
+            <a:off x="720000" y="1620000"/>
+            <a:ext cx="9415312" cy="4524375"/>
+          </a:xfrm>
+        </p:spPr>
+        <p:txBody>
+          <a:bodyPr>
+            <a:normAutofit/>
+          </a:bodyPr>
+          <a:lstStyle/>
+          <a:p>
+            <a:pPr>
+              <a:lnSpc>
+                <a:spcPct val="150000"/>
+              </a:lnSpc>
+            </a:pPr>
+            <a:r>
+              <a:rPr lang="en-US" dirty="0"/>
+              <a:t>The invariant is a general condition that must be true for every execution of the loop, but still be strong enough to provide us the postcondition.</a:t>
+            </a:r>
+          </a:p>
+          <a:p>
+            <a:pPr>
+              <a:lnSpc>
+                <a:spcPct val="150000"/>
+              </a:lnSpc>
+            </a:pPr>
+            <a:endParaRPr lang="en-US" dirty="0"/>
+          </a:p>
+          <a:p>
+            <a:pPr>
+              <a:lnSpc>
+                <a:spcPct val="150000"/>
+              </a:lnSpc>
+            </a:pPr>
+            <a:r>
+              <a:rPr lang="en-US" dirty="0"/>
+              <a:t>An invariant is correct when it adheres to the following rules: </a:t>
+            </a:r>
+          </a:p>
+          <a:p>
+            <a:pPr lvl="1">
+              <a:lnSpc>
+                <a:spcPct val="150000"/>
+              </a:lnSpc>
+            </a:pPr>
+            <a:r>
+              <a:rPr lang="en-US" dirty="0"/>
+              <a:t>Is true before it starts</a:t>
+            </a:r>
+          </a:p>
+          <a:p>
+            <a:pPr lvl="1">
+              <a:lnSpc>
+                <a:spcPct val="150000"/>
+              </a:lnSpc>
+            </a:pPr>
+            <a:r>
+              <a:rPr lang="en-US" dirty="0"/>
+              <a:t>Is maintained on each loop iteration</a:t>
+            </a:r>
+          </a:p>
+          <a:p>
+            <a:pPr lvl="1">
+              <a:lnSpc>
+                <a:spcPct val="150000"/>
+              </a:lnSpc>
+            </a:pPr>
+            <a:r>
+              <a:rPr lang="en-US" dirty="0"/>
+              <a:t>Loop termination implies the post condition</a:t>
+            </a:r>
+          </a:p>
+        </p:txBody>
+      </p:sp>
+      <p:sp>
+        <p:nvSpPr>
           <p:cNvPr id="3" name="Title 2">
             <a:extLst>
               <a:ext uri="{FF2B5EF4-FFF2-40B4-BE49-F238E27FC236}">
-                <a16:creationId xmlns:a16="http://schemas.microsoft.com/office/drawing/2014/main" id="{6496A5CF-B830-9FCA-F9E3-D818A17DEF18}"/>
+                <a16:creationId xmlns:a16="http://schemas.microsoft.com/office/drawing/2014/main" id="{3508BEBE-352A-7B7D-3ACE-1D0A2D24892D}"/>
               </a:ext>
             </a:extLst>
           </p:cNvPr>
@@ -9627,46 +9828,19 @@
           <a:lstStyle/>
           <a:p>
             <a:r>
-              <a:rPr lang="en-AU" dirty="0"/>
+              <a:rPr lang="en-US" dirty="0"/>
               <a:t>Invariants</a:t>
             </a:r>
-          </a:p>
-        </p:txBody>
-      </p:sp>
-      <p:sp>
-        <p:nvSpPr>
-          <p:cNvPr id="4" name="Footer Placeholder 3">
+            <a:endParaRPr lang="en-AU" dirty="0"/>
+          </a:p>
+        </p:txBody>
+      </p:sp>
+      <p:sp>
+        <p:nvSpPr>
+          <p:cNvPr id="5" name="Slide Number Placeholder 4">
             <a:extLst>
               <a:ext uri="{FF2B5EF4-FFF2-40B4-BE49-F238E27FC236}">
-                <a16:creationId xmlns:a16="http://schemas.microsoft.com/office/drawing/2014/main" id="{13198C28-E673-024C-75E3-C47AD1A1DA76}"/>
-              </a:ext>
-            </a:extLst>
-          </p:cNvPr>
-          <p:cNvSpPr>
-            <a:spLocks noGrp="1"/>
-          </p:cNvSpPr>
-          <p:nvPr>
-            <p:ph type="ftr" sz="quarter" idx="11"/>
-          </p:nvPr>
-        </p:nvSpPr>
-        <p:spPr/>
-        <p:txBody>
-          <a:bodyPr/>
-          <a:lstStyle/>
-          <a:p>
-            <a:r>
-              <a:rPr lang="en-AU" dirty="0"/>
-              <a:t>OFFICE | FACULTY | DEPARTMENT</a:t>
-            </a:r>
-          </a:p>
-        </p:txBody>
-      </p:sp>
-      <p:sp>
-        <p:nvSpPr>
-          <p:cNvPr id="5" name="Slide Number Placeholder 4">
-            <a:extLst>
-              <a:ext uri="{FF2B5EF4-FFF2-40B4-BE49-F238E27FC236}">
-                <a16:creationId xmlns:a16="http://schemas.microsoft.com/office/drawing/2014/main" id="{E9D53039-77CF-A199-06F4-10FA05D184AB}"/>
+                <a16:creationId xmlns:a16="http://schemas.microsoft.com/office/drawing/2014/main" id="{3BE30BE0-A975-0F3F-BA1D-F63B881BCE85}"/>
               </a:ext>
             </a:extLst>
           </p:cNvPr>
@@ -9685,6 +9859,146 @@
             <a:fld id="{D9C42BCC-44E8-4F98-A8FE-EAF16D8C1E6E}" type="slidenum">
               <a:rPr lang="en-AU" smtClean="0"/>
               <a:t>14</a:t>
+            </a:fld>
+            <a:endParaRPr lang="en-AU" dirty="0"/>
+          </a:p>
+        </p:txBody>
+      </p:sp>
+      <p:sp>
+        <p:nvSpPr>
+          <p:cNvPr id="6" name="Text Placeholder 5">
+            <a:extLst>
+              <a:ext uri="{FF2B5EF4-FFF2-40B4-BE49-F238E27FC236}">
+                <a16:creationId xmlns:a16="http://schemas.microsoft.com/office/drawing/2014/main" id="{EBA2FDCD-FA28-3F60-82C6-1B7FEA34FBB3}"/>
+              </a:ext>
+            </a:extLst>
+          </p:cNvPr>
+          <p:cNvSpPr>
+            <a:spLocks noGrp="1"/>
+          </p:cNvSpPr>
+          <p:nvPr>
+            <p:ph type="body" sz="quarter" idx="15"/>
+          </p:nvPr>
+        </p:nvSpPr>
+        <p:spPr/>
+        <p:txBody>
+          <a:bodyPr/>
+          <a:lstStyle/>
+          <a:p>
+            <a:endParaRPr lang="en-AU"/>
+          </a:p>
+        </p:txBody>
+      </p:sp>
+    </p:spTree>
+    <p:extLst>
+      <p:ext uri="{BB962C8B-B14F-4D97-AF65-F5344CB8AC3E}">
+        <p14:creationId xmlns:p14="http://schemas.microsoft.com/office/powerpoint/2010/main" val="2264375820"/>
+      </p:ext>
+    </p:extLst>
+  </p:cSld>
+  <p:clrMapOvr>
+    <a:masterClrMapping/>
+  </p:clrMapOvr>
+</p:sld>
+</file>
+
+<file path=ppt/slides/slide15.xml><?xml version="1.0" encoding="utf-8"?>
+<p:sld xmlns:a="http://schemas.openxmlformats.org/drawingml/2006/main" xmlns:r="http://schemas.openxmlformats.org/officeDocument/2006/relationships" xmlns:p="http://schemas.openxmlformats.org/presentationml/2006/main">
+  <p:cSld>
+    <p:spTree>
+      <p:nvGrpSpPr>
+        <p:cNvPr id="1" name=""/>
+        <p:cNvGrpSpPr/>
+        <p:nvPr/>
+      </p:nvGrpSpPr>
+      <p:grpSpPr>
+        <a:xfrm>
+          <a:off x="0" y="0"/>
+          <a:ext cx="0" cy="0"/>
+          <a:chOff x="0" y="0"/>
+          <a:chExt cx="0" cy="0"/>
+        </a:xfrm>
+      </p:grpSpPr>
+      <p:sp>
+        <p:nvSpPr>
+          <p:cNvPr id="3" name="Title 2">
+            <a:extLst>
+              <a:ext uri="{FF2B5EF4-FFF2-40B4-BE49-F238E27FC236}">
+                <a16:creationId xmlns:a16="http://schemas.microsoft.com/office/drawing/2014/main" id="{6496A5CF-B830-9FCA-F9E3-D818A17DEF18}"/>
+              </a:ext>
+            </a:extLst>
+          </p:cNvPr>
+          <p:cNvSpPr>
+            <a:spLocks noGrp="1"/>
+          </p:cNvSpPr>
+          <p:nvPr>
+            <p:ph type="title"/>
+          </p:nvPr>
+        </p:nvSpPr>
+        <p:spPr/>
+        <p:txBody>
+          <a:bodyPr/>
+          <a:lstStyle/>
+          <a:p>
+            <a:r>
+              <a:rPr lang="en-AU" dirty="0"/>
+              <a:t>Invariants</a:t>
+            </a:r>
+          </a:p>
+        </p:txBody>
+      </p:sp>
+      <p:sp>
+        <p:nvSpPr>
+          <p:cNvPr id="4" name="Footer Placeholder 3">
+            <a:extLst>
+              <a:ext uri="{FF2B5EF4-FFF2-40B4-BE49-F238E27FC236}">
+                <a16:creationId xmlns:a16="http://schemas.microsoft.com/office/drawing/2014/main" id="{13198C28-E673-024C-75E3-C47AD1A1DA76}"/>
+              </a:ext>
+            </a:extLst>
+          </p:cNvPr>
+          <p:cNvSpPr>
+            <a:spLocks noGrp="1"/>
+          </p:cNvSpPr>
+          <p:nvPr>
+            <p:ph type="ftr" sz="quarter" idx="11"/>
+          </p:nvPr>
+        </p:nvSpPr>
+        <p:spPr/>
+        <p:txBody>
+          <a:bodyPr/>
+          <a:lstStyle/>
+          <a:p>
+            <a:r>
+              <a:rPr lang="en-AU" dirty="0"/>
+              <a:t>OFFICE | FACULTY | DEPARTMENT</a:t>
+            </a:r>
+          </a:p>
+        </p:txBody>
+      </p:sp>
+      <p:sp>
+        <p:nvSpPr>
+          <p:cNvPr id="5" name="Slide Number Placeholder 4">
+            <a:extLst>
+              <a:ext uri="{FF2B5EF4-FFF2-40B4-BE49-F238E27FC236}">
+                <a16:creationId xmlns:a16="http://schemas.microsoft.com/office/drawing/2014/main" id="{E9D53039-77CF-A199-06F4-10FA05D184AB}"/>
+              </a:ext>
+            </a:extLst>
+          </p:cNvPr>
+          <p:cNvSpPr>
+            <a:spLocks noGrp="1"/>
+          </p:cNvSpPr>
+          <p:nvPr>
+            <p:ph type="sldNum" sz="quarter" idx="12"/>
+          </p:nvPr>
+        </p:nvSpPr>
+        <p:spPr/>
+        <p:txBody>
+          <a:bodyPr/>
+          <a:lstStyle/>
+          <a:p>
+            <a:fld id="{D9C42BCC-44E8-4F98-A8FE-EAF16D8C1E6E}" type="slidenum">
+              <a:rPr lang="en-AU" smtClean="0"/>
+              <a:t>15</a:t>
             </a:fld>
             <a:endParaRPr lang="en-AU" dirty="0"/>
           </a:p>
@@ -9895,7 +10209,7 @@
 </p:sld>
 </file>
 
-<file path=ppt/slides/slide15.xml><?xml version="1.0" encoding="utf-8"?>
+<file path=ppt/slides/slide16.xml><?xml version="1.0" encoding="utf-8"?>
 <p:sld xmlns:a="http://schemas.openxmlformats.org/drawingml/2006/main" xmlns:r="http://schemas.openxmlformats.org/officeDocument/2006/relationships" xmlns:p="http://schemas.openxmlformats.org/presentationml/2006/main">
   <p:cSld>
     <p:spTree>
@@ -9991,7 +10305,7 @@
           <a:p>
             <a:fld id="{D9C42BCC-44E8-4F98-A8FE-EAF16D8C1E6E}" type="slidenum">
               <a:rPr lang="en-AU" smtClean="0"/>
-              <a:t>15</a:t>
+              <a:t>16</a:t>
             </a:fld>
             <a:endParaRPr lang="en-AU" dirty="0"/>
           </a:p>
@@ -10193,7 +10507,7 @@
 </p:sld>
 </file>
 
-<file path=ppt/slides/slide16.xml><?xml version="1.0" encoding="utf-8"?>
+<file path=ppt/slides/slide17.xml><?xml version="1.0" encoding="utf-8"?>
 <p:sld xmlns:a="http://schemas.openxmlformats.org/drawingml/2006/main" xmlns:r="http://schemas.openxmlformats.org/officeDocument/2006/relationships" xmlns:p="http://schemas.openxmlformats.org/presentationml/2006/main">
   <p:cSld>
     <p:spTree>
@@ -10290,7 +10604,7 @@
           <a:p>
             <a:fld id="{D9C42BCC-44E8-4F98-A8FE-EAF16D8C1E6E}" type="slidenum">
               <a:rPr lang="en-AU" smtClean="0"/>
-              <a:t>16</a:t>
+              <a:t>17</a:t>
             </a:fld>
             <a:endParaRPr lang="en-AU" dirty="0"/>
           </a:p>
@@ -10450,7 +10764,7 @@
 </p:sld>
 </file>
 
-<file path=ppt/slides/slide17.xml><?xml version="1.0" encoding="utf-8"?>
+<file path=ppt/slides/slide18.xml><?xml version="1.0" encoding="utf-8"?>
 <p:sld xmlns:a="http://schemas.openxmlformats.org/drawingml/2006/main" xmlns:r="http://schemas.openxmlformats.org/officeDocument/2006/relationships" xmlns:p="http://schemas.openxmlformats.org/presentationml/2006/main">
   <p:cSld>
     <p:spTree>
@@ -10546,7 +10860,7 @@
           <a:p>
             <a:fld id="{D9C42BCC-44E8-4F98-A8FE-EAF16D8C1E6E}" type="slidenum">
               <a:rPr lang="en-AU" smtClean="0"/>
-              <a:t>17</a:t>
+              <a:t>18</a:t>
             </a:fld>
             <a:endParaRPr lang="en-AU" dirty="0"/>
           </a:p>
@@ -10785,279 +11099,6 @@
 </p:sld>
 </file>
 
-<file path=ppt/slides/slide18.xml><?xml version="1.0" encoding="utf-8"?>
-<p:sld xmlns:a="http://schemas.openxmlformats.org/drawingml/2006/main" xmlns:r="http://schemas.openxmlformats.org/officeDocument/2006/relationships" xmlns:p="http://schemas.openxmlformats.org/presentationml/2006/main">
-  <p:cSld>
-    <p:spTree>
-      <p:nvGrpSpPr>
-        <p:cNvPr id="1" name=""/>
-        <p:cNvGrpSpPr/>
-        <p:nvPr/>
-      </p:nvGrpSpPr>
-      <p:grpSpPr>
-        <a:xfrm>
-          <a:off x="0" y="0"/>
-          <a:ext cx="0" cy="0"/>
-          <a:chOff x="0" y="0"/>
-          <a:chExt cx="0" cy="0"/>
-        </a:xfrm>
-      </p:grpSpPr>
-      <p:sp>
-        <p:nvSpPr>
-          <p:cNvPr id="3" name="Title 2">
-            <a:extLst>
-              <a:ext uri="{FF2B5EF4-FFF2-40B4-BE49-F238E27FC236}">
-                <a16:creationId xmlns:a16="http://schemas.microsoft.com/office/drawing/2014/main" id="{6496A5CF-B830-9FCA-F9E3-D818A17DEF18}"/>
-              </a:ext>
-            </a:extLst>
-          </p:cNvPr>
-          <p:cNvSpPr>
-            <a:spLocks noGrp="1"/>
-          </p:cNvSpPr>
-          <p:nvPr>
-            <p:ph type="title"/>
-          </p:nvPr>
-        </p:nvSpPr>
-        <p:spPr/>
-        <p:txBody>
-          <a:bodyPr/>
-          <a:lstStyle/>
-          <a:p>
-            <a:r>
-              <a:rPr lang="en-AU" dirty="0"/>
-              <a:t>Invariants</a:t>
-            </a:r>
-          </a:p>
-        </p:txBody>
-      </p:sp>
-      <p:sp>
-        <p:nvSpPr>
-          <p:cNvPr id="4" name="Footer Placeholder 3">
-            <a:extLst>
-              <a:ext uri="{FF2B5EF4-FFF2-40B4-BE49-F238E27FC236}">
-                <a16:creationId xmlns:a16="http://schemas.microsoft.com/office/drawing/2014/main" id="{13198C28-E673-024C-75E3-C47AD1A1DA76}"/>
-              </a:ext>
-            </a:extLst>
-          </p:cNvPr>
-          <p:cNvSpPr>
-            <a:spLocks noGrp="1"/>
-          </p:cNvSpPr>
-          <p:nvPr>
-            <p:ph type="ftr" sz="quarter" idx="11"/>
-          </p:nvPr>
-        </p:nvSpPr>
-        <p:spPr/>
-        <p:txBody>
-          <a:bodyPr/>
-          <a:lstStyle/>
-          <a:p>
-            <a:r>
-              <a:rPr lang="en-AU" dirty="0"/>
-              <a:t>OFFICE | FACULTY | DEPARTMENT</a:t>
-            </a:r>
-          </a:p>
-        </p:txBody>
-      </p:sp>
-      <p:sp>
-        <p:nvSpPr>
-          <p:cNvPr id="5" name="Slide Number Placeholder 4">
-            <a:extLst>
-              <a:ext uri="{FF2B5EF4-FFF2-40B4-BE49-F238E27FC236}">
-                <a16:creationId xmlns:a16="http://schemas.microsoft.com/office/drawing/2014/main" id="{E9D53039-77CF-A199-06F4-10FA05D184AB}"/>
-              </a:ext>
-            </a:extLst>
-          </p:cNvPr>
-          <p:cNvSpPr>
-            <a:spLocks noGrp="1"/>
-          </p:cNvSpPr>
-          <p:nvPr>
-            <p:ph type="sldNum" sz="quarter" idx="12"/>
-          </p:nvPr>
-        </p:nvSpPr>
-        <p:spPr/>
-        <p:txBody>
-          <a:bodyPr/>
-          <a:lstStyle/>
-          <a:p>
-            <a:fld id="{D9C42BCC-44E8-4F98-A8FE-EAF16D8C1E6E}" type="slidenum">
-              <a:rPr lang="en-AU" smtClean="0"/>
-              <a:t>18</a:t>
-            </a:fld>
-            <a:endParaRPr lang="en-AU" dirty="0"/>
-          </a:p>
-        </p:txBody>
-      </p:sp>
-      <p:sp>
-        <p:nvSpPr>
-          <p:cNvPr id="6" name="Text Placeholder 5">
-            <a:extLst>
-              <a:ext uri="{FF2B5EF4-FFF2-40B4-BE49-F238E27FC236}">
-                <a16:creationId xmlns:a16="http://schemas.microsoft.com/office/drawing/2014/main" id="{BF62140E-1DEB-FAE4-B749-2267B7351E55}"/>
-              </a:ext>
-            </a:extLst>
-          </p:cNvPr>
-          <p:cNvSpPr>
-            <a:spLocks noGrp="1"/>
-          </p:cNvSpPr>
-          <p:nvPr>
-            <p:ph type="body" sz="quarter" idx="15"/>
-          </p:nvPr>
-        </p:nvSpPr>
-        <p:spPr/>
-        <p:txBody>
-          <a:bodyPr/>
-          <a:lstStyle/>
-          <a:p>
-            <a:r>
-              <a:rPr lang="en-US" dirty="0"/>
-              <a:t>examples</a:t>
-            </a:r>
-            <a:endParaRPr lang="en-AU" dirty="0"/>
-          </a:p>
-        </p:txBody>
-      </p:sp>
-      <p:sp>
-        <p:nvSpPr>
-          <p:cNvPr id="9" name="Content Placeholder 1">
-            <a:extLst>
-              <a:ext uri="{FF2B5EF4-FFF2-40B4-BE49-F238E27FC236}">
-                <a16:creationId xmlns:a16="http://schemas.microsoft.com/office/drawing/2014/main" id="{C4866C34-7F58-BFE7-EB25-B592C38996C9}"/>
-              </a:ext>
-            </a:extLst>
-          </p:cNvPr>
-          <p:cNvSpPr>
-            <a:spLocks noGrp="1"/>
-          </p:cNvSpPr>
-          <p:nvPr>
-            <p:ph sz="quarter" idx="16"/>
-          </p:nvPr>
-        </p:nvSpPr>
-        <p:spPr>
-          <a:xfrm>
-            <a:off x="720000" y="1620000"/>
-            <a:ext cx="8853370" cy="4524375"/>
-          </a:xfrm>
-        </p:spPr>
-        <p:txBody>
-          <a:bodyPr>
-            <a:normAutofit/>
-          </a:bodyPr>
-          <a:lstStyle/>
-          <a:p>
-            <a:pPr>
-              <a:lnSpc>
-                <a:spcPct val="150000"/>
-              </a:lnSpc>
-            </a:pPr>
-            <a:r>
-              <a:rPr lang="en-US" dirty="0"/>
-              <a:t>Given an array, sort it in ascending order</a:t>
-            </a:r>
-          </a:p>
-          <a:p>
-            <a:pPr lvl="1">
-              <a:lnSpc>
-                <a:spcPct val="150000"/>
-              </a:lnSpc>
-            </a:pPr>
-            <a:endParaRPr lang="en-US" dirty="0"/>
-          </a:p>
-        </p:txBody>
-      </p:sp>
-      <p:sp>
-        <p:nvSpPr>
-          <p:cNvPr id="2" name="AutoShape 2" descr="Rendered by QuickLaTeX.com">
-            <a:extLst>
-              <a:ext uri="{FF2B5EF4-FFF2-40B4-BE49-F238E27FC236}">
-                <a16:creationId xmlns:a16="http://schemas.microsoft.com/office/drawing/2014/main" id="{2AF11A4B-9690-0EBC-E975-30B05667A8C1}"/>
-              </a:ext>
-            </a:extLst>
-          </p:cNvPr>
-          <p:cNvSpPr>
-            <a:spLocks noChangeAspect="1" noChangeArrowheads="1"/>
-          </p:cNvSpPr>
-          <p:nvPr/>
-        </p:nvSpPr>
-        <p:spPr bwMode="auto">
-          <a:xfrm>
-            <a:off x="2387600" y="1536700"/>
-            <a:ext cx="7416800" cy="3784600"/>
-          </a:xfrm>
-          <a:prstGeom prst="rect">
-            <a:avLst/>
-          </a:prstGeom>
-          <a:noFill/>
-          <a:extLst>
-            <a:ext uri="{909E8E84-426E-40DD-AFC4-6F175D3DCCD1}">
-              <a14:hiddenFill xmlns:a14="http://schemas.microsoft.com/office/drawing/2010/main">
-                <a:solidFill>
-                  <a:srgbClr val="FFFFFF"/>
-                </a:solidFill>
-              </a14:hiddenFill>
-            </a:ext>
-          </a:extLst>
-        </p:spPr>
-        <p:txBody>
-          <a:bodyPr vert="horz" wrap="square" lIns="91440" tIns="45720" rIns="91440" bIns="45720" numCol="1" anchor="t" anchorCtr="0" compatLnSpc="1">
-            <a:prstTxWarp prst="textNoShape">
-              <a:avLst/>
-            </a:prstTxWarp>
-          </a:bodyPr>
-          <a:lstStyle/>
-          <a:p>
-            <a:endParaRPr lang="en-US"/>
-          </a:p>
-        </p:txBody>
-      </p:sp>
-      <p:pic>
-        <p:nvPicPr>
-          <p:cNvPr id="10" name="Picture 9" descr="Text&#10;&#10;Description automatically generated">
-            <a:extLst>
-              <a:ext uri="{FF2B5EF4-FFF2-40B4-BE49-F238E27FC236}">
-                <a16:creationId xmlns:a16="http://schemas.microsoft.com/office/drawing/2014/main" id="{519E0E8F-1997-18A0-0E9C-521944054D33}"/>
-              </a:ext>
-            </a:extLst>
-          </p:cNvPr>
-          <p:cNvPicPr>
-            <a:picLocks noChangeAspect="1"/>
-          </p:cNvPicPr>
-          <p:nvPr/>
-        </p:nvPicPr>
-        <p:blipFill>
-          <a:blip r:embed="rId3">
-            <a:extLst>
-              <a:ext uri="{28A0092B-C50C-407E-A947-70E740481C1C}">
-                <a14:useLocalDpi xmlns:a14="http://schemas.microsoft.com/office/drawing/2010/main" val="0"/>
-              </a:ext>
-            </a:extLst>
-          </a:blip>
-          <a:stretch>
-            <a:fillRect/>
-          </a:stretch>
-        </p:blipFill>
-        <p:spPr>
-          <a:xfrm>
-            <a:off x="1175825" y="2274609"/>
-            <a:ext cx="5207742" cy="3215156"/>
-          </a:xfrm>
-          <a:prstGeom prst="rect">
-            <a:avLst/>
-          </a:prstGeom>
-        </p:spPr>
-      </p:pic>
-    </p:spTree>
-    <p:extLst>
-      <p:ext uri="{BB962C8B-B14F-4D97-AF65-F5344CB8AC3E}">
-        <p14:creationId xmlns:p14="http://schemas.microsoft.com/office/powerpoint/2010/main" val="3710762496"/>
-      </p:ext>
-    </p:extLst>
-  </p:cSld>
-  <p:clrMapOvr>
-    <a:masterClrMapping/>
-  </p:clrMapOvr>
-</p:sld>
-</file>
-
 <file path=ppt/slides/slide19.xml><?xml version="1.0" encoding="utf-8"?>
 <p:sld xmlns:a="http://schemas.openxmlformats.org/drawingml/2006/main" xmlns:r="http://schemas.openxmlformats.org/officeDocument/2006/relationships" xmlns:p="http://schemas.openxmlformats.org/presentationml/2006/main">
   <p:cSld>
@@ -11224,7 +11265,7 @@
             </a:pPr>
             <a:r>
               <a:rPr lang="en-US" dirty="0"/>
-              <a:t>What is the loop invariant?</a:t>
+              <a:t>Given an array, return the sum of all numbers</a:t>
             </a:r>
           </a:p>
           <a:p>
@@ -11233,60 +11274,20 @@
                 <a:spcPct val="150000"/>
               </a:lnSpc>
             </a:pPr>
-            <a:endParaRPr lang="en-US" dirty="0"/>
-          </a:p>
-          <a:p>
-            <a:pPr>
+            <a:endParaRPr lang="en-US" dirty="0">
+              <a:solidFill>
+                <a:srgbClr val="FF0000"/>
+              </a:solidFill>
+              <a:highlight>
+                <a:srgbClr val="FFFF00"/>
+              </a:highlight>
+            </a:endParaRPr>
+          </a:p>
+          <a:p>
+            <a:pPr lvl="1">
               <a:lnSpc>
                 <a:spcPct val="150000"/>
               </a:lnSpc>
-            </a:pPr>
-            <a:endParaRPr lang="en-US" dirty="0"/>
-          </a:p>
-          <a:p>
-            <a:pPr>
-              <a:lnSpc>
-                <a:spcPct val="150000"/>
-              </a:lnSpc>
-            </a:pPr>
-            <a:r>
-              <a:rPr lang="en-US" dirty="0"/>
-              <a:t>Is it true before the first iteration? </a:t>
-            </a:r>
-          </a:p>
-          <a:p>
-            <a:pPr>
-              <a:lnSpc>
-                <a:spcPct val="150000"/>
-              </a:lnSpc>
-            </a:pPr>
-            <a:endParaRPr lang="en-US" dirty="0"/>
-          </a:p>
-          <a:p>
-            <a:pPr>
-              <a:lnSpc>
-                <a:spcPct val="150000"/>
-              </a:lnSpc>
-            </a:pPr>
-            <a:endParaRPr lang="en-US" dirty="0"/>
-          </a:p>
-          <a:p>
-            <a:pPr>
-              <a:lnSpc>
-                <a:spcPct val="150000"/>
-              </a:lnSpc>
-            </a:pPr>
-            <a:r>
-              <a:rPr lang="en-US" dirty="0"/>
-              <a:t>Is it true after each iteration? </a:t>
-            </a:r>
-          </a:p>
-          <a:p>
-            <a:pPr marL="0" indent="0">
-              <a:lnSpc>
-                <a:spcPct val="150000"/>
-              </a:lnSpc>
-              <a:buNone/>
             </a:pPr>
             <a:endParaRPr lang="en-US" dirty="0"/>
           </a:p>
@@ -11294,10 +11295,10 @@
       </p:sp>
       <p:pic>
         <p:nvPicPr>
-          <p:cNvPr id="2" name="Picture 1" descr="Text&#10;&#10;Description automatically generated">
+          <p:cNvPr id="7" name="Picture 6" descr="Text&#10;&#10;Description automatically generated">
             <a:extLst>
               <a:ext uri="{FF2B5EF4-FFF2-40B4-BE49-F238E27FC236}">
-                <a16:creationId xmlns:a16="http://schemas.microsoft.com/office/drawing/2014/main" id="{B8D23C19-5456-E898-EA31-3DFE486D8339}"/>
+                <a16:creationId xmlns:a16="http://schemas.microsoft.com/office/drawing/2014/main" id="{31E77917-A18D-2B0A-2F11-F3E78B960A5B}"/>
               </a:ext>
             </a:extLst>
           </p:cNvPr>
@@ -11320,8 +11321,8 @@
         </p:blipFill>
         <p:spPr>
           <a:xfrm>
-            <a:off x="6288933" y="1620000"/>
-            <a:ext cx="5207742" cy="3215156"/>
+            <a:off x="1246685" y="2307505"/>
+            <a:ext cx="4753304" cy="2723047"/>
           </a:xfrm>
           <a:prstGeom prst="rect">
             <a:avLst/>
@@ -11331,7 +11332,7 @@
     </p:spTree>
     <p:extLst>
       <p:ext uri="{BB962C8B-B14F-4D97-AF65-F5344CB8AC3E}">
-        <p14:creationId xmlns:p14="http://schemas.microsoft.com/office/powerpoint/2010/main" val="2623223797"/>
+        <p14:creationId xmlns:p14="http://schemas.microsoft.com/office/powerpoint/2010/main" val="507033646"/>
       </p:ext>
     </p:extLst>
   </p:cSld>
@@ -11404,7 +11405,7 @@
             </a:pPr>
             <a:r>
               <a:rPr lang="en-AU" dirty="0"/>
-              <a:t>Pre-Workshop Test (15 minutes)</a:t>
+              <a:t>Pre-Workshop Test (20 minutes)</a:t>
             </a:r>
           </a:p>
           <a:p>
@@ -11415,7 +11416,7 @@
             </a:pPr>
             <a:r>
               <a:rPr lang="en-AU" dirty="0"/>
-              <a:t>Learning Content (40 minutes)</a:t>
+              <a:t>Mixed Content (1.5 hours)</a:t>
             </a:r>
           </a:p>
           <a:p>
@@ -11426,18 +11427,7 @@
             </a:pPr>
             <a:r>
               <a:rPr lang="en-AU" dirty="0"/>
-              <a:t>Workshop questions (40 minutes)</a:t>
-            </a:r>
-          </a:p>
-          <a:p>
-            <a:pPr>
-              <a:lnSpc>
-                <a:spcPct val="200000"/>
-              </a:lnSpc>
-            </a:pPr>
-            <a:r>
-              <a:rPr lang="en-AU" dirty="0"/>
-              <a:t>Post Workshop Test (15 minutes)</a:t>
+              <a:t>Post Workshop Test (20 minutes)</a:t>
             </a:r>
           </a:p>
           <a:p>
@@ -11742,249 +11732,6 @@
             </a:pPr>
             <a:r>
               <a:rPr lang="en-US" dirty="0"/>
-              <a:t>Given an array, return the sum of all numbers</a:t>
-            </a:r>
-          </a:p>
-          <a:p>
-            <a:pPr>
-              <a:lnSpc>
-                <a:spcPct val="150000"/>
-              </a:lnSpc>
-            </a:pPr>
-            <a:endParaRPr lang="en-US" dirty="0">
-              <a:solidFill>
-                <a:srgbClr val="FF0000"/>
-              </a:solidFill>
-              <a:highlight>
-                <a:srgbClr val="FFFF00"/>
-              </a:highlight>
-            </a:endParaRPr>
-          </a:p>
-          <a:p>
-            <a:pPr lvl="1">
-              <a:lnSpc>
-                <a:spcPct val="150000"/>
-              </a:lnSpc>
-            </a:pPr>
-            <a:endParaRPr lang="en-US" dirty="0"/>
-          </a:p>
-        </p:txBody>
-      </p:sp>
-      <p:pic>
-        <p:nvPicPr>
-          <p:cNvPr id="7" name="Picture 6" descr="Text&#10;&#10;Description automatically generated">
-            <a:extLst>
-              <a:ext uri="{FF2B5EF4-FFF2-40B4-BE49-F238E27FC236}">
-                <a16:creationId xmlns:a16="http://schemas.microsoft.com/office/drawing/2014/main" id="{31E77917-A18D-2B0A-2F11-F3E78B960A5B}"/>
-              </a:ext>
-            </a:extLst>
-          </p:cNvPr>
-          <p:cNvPicPr>
-            <a:picLocks noChangeAspect="1"/>
-          </p:cNvPicPr>
-          <p:nvPr/>
-        </p:nvPicPr>
-        <p:blipFill>
-          <a:blip r:embed="rId3">
-            <a:extLst>
-              <a:ext uri="{28A0092B-C50C-407E-A947-70E740481C1C}">
-                <a14:useLocalDpi xmlns:a14="http://schemas.microsoft.com/office/drawing/2010/main" val="0"/>
-              </a:ext>
-            </a:extLst>
-          </a:blip>
-          <a:stretch>
-            <a:fillRect/>
-          </a:stretch>
-        </p:blipFill>
-        <p:spPr>
-          <a:xfrm>
-            <a:off x="1246685" y="2307505"/>
-            <a:ext cx="4753304" cy="2723047"/>
-          </a:xfrm>
-          <a:prstGeom prst="rect">
-            <a:avLst/>
-          </a:prstGeom>
-        </p:spPr>
-      </p:pic>
-    </p:spTree>
-    <p:extLst>
-      <p:ext uri="{BB962C8B-B14F-4D97-AF65-F5344CB8AC3E}">
-        <p14:creationId xmlns:p14="http://schemas.microsoft.com/office/powerpoint/2010/main" val="507033646"/>
-      </p:ext>
-    </p:extLst>
-  </p:cSld>
-  <p:clrMapOvr>
-    <a:masterClrMapping/>
-  </p:clrMapOvr>
-</p:sld>
-</file>
-
-<file path=ppt/slides/slide21.xml><?xml version="1.0" encoding="utf-8"?>
-<p:sld xmlns:a="http://schemas.openxmlformats.org/drawingml/2006/main" xmlns:r="http://schemas.openxmlformats.org/officeDocument/2006/relationships" xmlns:p="http://schemas.openxmlformats.org/presentationml/2006/main">
-  <p:cSld>
-    <p:spTree>
-      <p:nvGrpSpPr>
-        <p:cNvPr id="1" name=""/>
-        <p:cNvGrpSpPr/>
-        <p:nvPr/>
-      </p:nvGrpSpPr>
-      <p:grpSpPr>
-        <a:xfrm>
-          <a:off x="0" y="0"/>
-          <a:ext cx="0" cy="0"/>
-          <a:chOff x="0" y="0"/>
-          <a:chExt cx="0" cy="0"/>
-        </a:xfrm>
-      </p:grpSpPr>
-      <p:sp>
-        <p:nvSpPr>
-          <p:cNvPr id="3" name="Title 2">
-            <a:extLst>
-              <a:ext uri="{FF2B5EF4-FFF2-40B4-BE49-F238E27FC236}">
-                <a16:creationId xmlns:a16="http://schemas.microsoft.com/office/drawing/2014/main" id="{6496A5CF-B830-9FCA-F9E3-D818A17DEF18}"/>
-              </a:ext>
-            </a:extLst>
-          </p:cNvPr>
-          <p:cNvSpPr>
-            <a:spLocks noGrp="1"/>
-          </p:cNvSpPr>
-          <p:nvPr>
-            <p:ph type="title"/>
-          </p:nvPr>
-        </p:nvSpPr>
-        <p:spPr/>
-        <p:txBody>
-          <a:bodyPr/>
-          <a:lstStyle/>
-          <a:p>
-            <a:r>
-              <a:rPr lang="en-AU" dirty="0"/>
-              <a:t>Invariants</a:t>
-            </a:r>
-          </a:p>
-        </p:txBody>
-      </p:sp>
-      <p:sp>
-        <p:nvSpPr>
-          <p:cNvPr id="4" name="Footer Placeholder 3">
-            <a:extLst>
-              <a:ext uri="{FF2B5EF4-FFF2-40B4-BE49-F238E27FC236}">
-                <a16:creationId xmlns:a16="http://schemas.microsoft.com/office/drawing/2014/main" id="{13198C28-E673-024C-75E3-C47AD1A1DA76}"/>
-              </a:ext>
-            </a:extLst>
-          </p:cNvPr>
-          <p:cNvSpPr>
-            <a:spLocks noGrp="1"/>
-          </p:cNvSpPr>
-          <p:nvPr>
-            <p:ph type="ftr" sz="quarter" idx="11"/>
-          </p:nvPr>
-        </p:nvSpPr>
-        <p:spPr/>
-        <p:txBody>
-          <a:bodyPr/>
-          <a:lstStyle/>
-          <a:p>
-            <a:r>
-              <a:rPr lang="en-AU" dirty="0"/>
-              <a:t>OFFICE | FACULTY | DEPARTMENT</a:t>
-            </a:r>
-          </a:p>
-        </p:txBody>
-      </p:sp>
-      <p:sp>
-        <p:nvSpPr>
-          <p:cNvPr id="5" name="Slide Number Placeholder 4">
-            <a:extLst>
-              <a:ext uri="{FF2B5EF4-FFF2-40B4-BE49-F238E27FC236}">
-                <a16:creationId xmlns:a16="http://schemas.microsoft.com/office/drawing/2014/main" id="{E9D53039-77CF-A199-06F4-10FA05D184AB}"/>
-              </a:ext>
-            </a:extLst>
-          </p:cNvPr>
-          <p:cNvSpPr>
-            <a:spLocks noGrp="1"/>
-          </p:cNvSpPr>
-          <p:nvPr>
-            <p:ph type="sldNum" sz="quarter" idx="12"/>
-          </p:nvPr>
-        </p:nvSpPr>
-        <p:spPr/>
-        <p:txBody>
-          <a:bodyPr/>
-          <a:lstStyle/>
-          <a:p>
-            <a:fld id="{D9C42BCC-44E8-4F98-A8FE-EAF16D8C1E6E}" type="slidenum">
-              <a:rPr lang="en-AU" smtClean="0"/>
-              <a:t>21</a:t>
-            </a:fld>
-            <a:endParaRPr lang="en-AU" dirty="0"/>
-          </a:p>
-        </p:txBody>
-      </p:sp>
-      <p:sp>
-        <p:nvSpPr>
-          <p:cNvPr id="6" name="Text Placeholder 5">
-            <a:extLst>
-              <a:ext uri="{FF2B5EF4-FFF2-40B4-BE49-F238E27FC236}">
-                <a16:creationId xmlns:a16="http://schemas.microsoft.com/office/drawing/2014/main" id="{BF62140E-1DEB-FAE4-B749-2267B7351E55}"/>
-              </a:ext>
-            </a:extLst>
-          </p:cNvPr>
-          <p:cNvSpPr>
-            <a:spLocks noGrp="1"/>
-          </p:cNvSpPr>
-          <p:nvPr>
-            <p:ph type="body" sz="quarter" idx="15"/>
-          </p:nvPr>
-        </p:nvSpPr>
-        <p:spPr/>
-        <p:txBody>
-          <a:bodyPr/>
-          <a:lstStyle/>
-          <a:p>
-            <a:r>
-              <a:rPr lang="en-US" dirty="0"/>
-              <a:t>examples</a:t>
-            </a:r>
-            <a:endParaRPr lang="en-AU" dirty="0"/>
-          </a:p>
-        </p:txBody>
-      </p:sp>
-      <p:sp>
-        <p:nvSpPr>
-          <p:cNvPr id="9" name="Content Placeholder 1">
-            <a:extLst>
-              <a:ext uri="{FF2B5EF4-FFF2-40B4-BE49-F238E27FC236}">
-                <a16:creationId xmlns:a16="http://schemas.microsoft.com/office/drawing/2014/main" id="{C4866C34-7F58-BFE7-EB25-B592C38996C9}"/>
-              </a:ext>
-            </a:extLst>
-          </p:cNvPr>
-          <p:cNvSpPr>
-            <a:spLocks noGrp="1"/>
-          </p:cNvSpPr>
-          <p:nvPr>
-            <p:ph sz="quarter" idx="16"/>
-          </p:nvPr>
-        </p:nvSpPr>
-        <p:spPr>
-          <a:xfrm>
-            <a:off x="720000" y="1620000"/>
-            <a:ext cx="8853370" cy="4524375"/>
-          </a:xfrm>
-        </p:spPr>
-        <p:txBody>
-          <a:bodyPr>
-            <a:normAutofit/>
-          </a:bodyPr>
-          <a:lstStyle/>
-          <a:p>
-            <a:pPr>
-              <a:lnSpc>
-                <a:spcPct val="150000"/>
-              </a:lnSpc>
-            </a:pPr>
-            <a:r>
-              <a:rPr lang="en-US" dirty="0"/>
               <a:t>What is the loop invariant?</a:t>
             </a:r>
           </a:p>
@@ -12102,7 +11849,7 @@
 </p:sld>
 </file>
 
-<file path=ppt/slides/slide22.xml><?xml version="1.0" encoding="utf-8"?>
+<file path=ppt/slides/slide21.xml><?xml version="1.0" encoding="utf-8"?>
 <p:sld xmlns:a="http://schemas.openxmlformats.org/drawingml/2006/main" xmlns:r="http://schemas.openxmlformats.org/officeDocument/2006/relationships" xmlns:p="http://schemas.openxmlformats.org/presentationml/2006/main">
   <p:cSld>
     <p:spTree>
@@ -12198,7 +11945,7 @@
           <a:p>
             <a:fld id="{D9C42BCC-44E8-4F98-A8FE-EAF16D8C1E6E}" type="slidenum">
               <a:rPr lang="en-AU" smtClean="0"/>
-              <a:t>22</a:t>
+              <a:t>21</a:t>
             </a:fld>
             <a:endParaRPr lang="en-AU" dirty="0"/>
           </a:p>
@@ -12354,7 +12101,7 @@
 </p:sld>
 </file>
 
-<file path=ppt/slides/slide23.xml><?xml version="1.0" encoding="utf-8"?>
+<file path=ppt/slides/slide22.xml><?xml version="1.0" encoding="utf-8"?>
 <p:sld xmlns:a="http://schemas.openxmlformats.org/drawingml/2006/main" xmlns:r="http://schemas.openxmlformats.org/officeDocument/2006/relationships" xmlns:p="http://schemas.openxmlformats.org/presentationml/2006/main">
   <p:cSld>
     <p:spTree>
@@ -12450,7 +12197,7 @@
           <a:p>
             <a:fld id="{D9C42BCC-44E8-4F98-A8FE-EAF16D8C1E6E}" type="slidenum">
               <a:rPr lang="en-AU" smtClean="0"/>
-              <a:t>23</a:t>
+              <a:t>22</a:t>
             </a:fld>
             <a:endParaRPr lang="en-AU" dirty="0"/>
           </a:p>
@@ -12637,6 +12384,279 @@
 </p:sld>
 </file>
 
+<file path=ppt/slides/slide23.xml><?xml version="1.0" encoding="utf-8"?>
+<p:sld xmlns:a="http://schemas.openxmlformats.org/drawingml/2006/main" xmlns:r="http://schemas.openxmlformats.org/officeDocument/2006/relationships" xmlns:p="http://schemas.openxmlformats.org/presentationml/2006/main">
+  <p:cSld>
+    <p:spTree>
+      <p:nvGrpSpPr>
+        <p:cNvPr id="1" name=""/>
+        <p:cNvGrpSpPr/>
+        <p:nvPr/>
+      </p:nvGrpSpPr>
+      <p:grpSpPr>
+        <a:xfrm>
+          <a:off x="0" y="0"/>
+          <a:ext cx="0" cy="0"/>
+          <a:chOff x="0" y="0"/>
+          <a:chExt cx="0" cy="0"/>
+        </a:xfrm>
+      </p:grpSpPr>
+      <p:sp>
+        <p:nvSpPr>
+          <p:cNvPr id="3" name="Title 2">
+            <a:extLst>
+              <a:ext uri="{FF2B5EF4-FFF2-40B4-BE49-F238E27FC236}">
+                <a16:creationId xmlns:a16="http://schemas.microsoft.com/office/drawing/2014/main" id="{6496A5CF-B830-9FCA-F9E3-D818A17DEF18}"/>
+              </a:ext>
+            </a:extLst>
+          </p:cNvPr>
+          <p:cNvSpPr>
+            <a:spLocks noGrp="1"/>
+          </p:cNvSpPr>
+          <p:nvPr>
+            <p:ph type="title"/>
+          </p:nvPr>
+        </p:nvSpPr>
+        <p:spPr/>
+        <p:txBody>
+          <a:bodyPr/>
+          <a:lstStyle/>
+          <a:p>
+            <a:r>
+              <a:rPr lang="en-AU" dirty="0"/>
+              <a:t>Invariants</a:t>
+            </a:r>
+          </a:p>
+        </p:txBody>
+      </p:sp>
+      <p:sp>
+        <p:nvSpPr>
+          <p:cNvPr id="4" name="Footer Placeholder 3">
+            <a:extLst>
+              <a:ext uri="{FF2B5EF4-FFF2-40B4-BE49-F238E27FC236}">
+                <a16:creationId xmlns:a16="http://schemas.microsoft.com/office/drawing/2014/main" id="{13198C28-E673-024C-75E3-C47AD1A1DA76}"/>
+              </a:ext>
+            </a:extLst>
+          </p:cNvPr>
+          <p:cNvSpPr>
+            <a:spLocks noGrp="1"/>
+          </p:cNvSpPr>
+          <p:nvPr>
+            <p:ph type="ftr" sz="quarter" idx="11"/>
+          </p:nvPr>
+        </p:nvSpPr>
+        <p:spPr/>
+        <p:txBody>
+          <a:bodyPr/>
+          <a:lstStyle/>
+          <a:p>
+            <a:r>
+              <a:rPr lang="en-AU" dirty="0"/>
+              <a:t>OFFICE | FACULTY | DEPARTMENT</a:t>
+            </a:r>
+          </a:p>
+        </p:txBody>
+      </p:sp>
+      <p:sp>
+        <p:nvSpPr>
+          <p:cNvPr id="5" name="Slide Number Placeholder 4">
+            <a:extLst>
+              <a:ext uri="{FF2B5EF4-FFF2-40B4-BE49-F238E27FC236}">
+                <a16:creationId xmlns:a16="http://schemas.microsoft.com/office/drawing/2014/main" id="{E9D53039-77CF-A199-06F4-10FA05D184AB}"/>
+              </a:ext>
+            </a:extLst>
+          </p:cNvPr>
+          <p:cNvSpPr>
+            <a:spLocks noGrp="1"/>
+          </p:cNvSpPr>
+          <p:nvPr>
+            <p:ph type="sldNum" sz="quarter" idx="12"/>
+          </p:nvPr>
+        </p:nvSpPr>
+        <p:spPr/>
+        <p:txBody>
+          <a:bodyPr/>
+          <a:lstStyle/>
+          <a:p>
+            <a:fld id="{D9C42BCC-44E8-4F98-A8FE-EAF16D8C1E6E}" type="slidenum">
+              <a:rPr lang="en-AU" smtClean="0"/>
+              <a:t>23</a:t>
+            </a:fld>
+            <a:endParaRPr lang="en-AU" dirty="0"/>
+          </a:p>
+        </p:txBody>
+      </p:sp>
+      <p:sp>
+        <p:nvSpPr>
+          <p:cNvPr id="6" name="Text Placeholder 5">
+            <a:extLst>
+              <a:ext uri="{FF2B5EF4-FFF2-40B4-BE49-F238E27FC236}">
+                <a16:creationId xmlns:a16="http://schemas.microsoft.com/office/drawing/2014/main" id="{BF62140E-1DEB-FAE4-B749-2267B7351E55}"/>
+              </a:ext>
+            </a:extLst>
+          </p:cNvPr>
+          <p:cNvSpPr>
+            <a:spLocks noGrp="1"/>
+          </p:cNvSpPr>
+          <p:nvPr>
+            <p:ph type="body" sz="quarter" idx="15"/>
+          </p:nvPr>
+        </p:nvSpPr>
+        <p:spPr/>
+        <p:txBody>
+          <a:bodyPr/>
+          <a:lstStyle/>
+          <a:p>
+            <a:r>
+              <a:rPr lang="en-US" dirty="0"/>
+              <a:t>examples</a:t>
+            </a:r>
+            <a:endParaRPr lang="en-AU" dirty="0"/>
+          </a:p>
+        </p:txBody>
+      </p:sp>
+      <p:sp>
+        <p:nvSpPr>
+          <p:cNvPr id="9" name="Content Placeholder 1">
+            <a:extLst>
+              <a:ext uri="{FF2B5EF4-FFF2-40B4-BE49-F238E27FC236}">
+                <a16:creationId xmlns:a16="http://schemas.microsoft.com/office/drawing/2014/main" id="{C4866C34-7F58-BFE7-EB25-B592C38996C9}"/>
+              </a:ext>
+            </a:extLst>
+          </p:cNvPr>
+          <p:cNvSpPr>
+            <a:spLocks noGrp="1"/>
+          </p:cNvSpPr>
+          <p:nvPr>
+            <p:ph sz="quarter" idx="16"/>
+          </p:nvPr>
+        </p:nvSpPr>
+        <p:spPr>
+          <a:xfrm>
+            <a:off x="720000" y="1620000"/>
+            <a:ext cx="8853370" cy="4524375"/>
+          </a:xfrm>
+        </p:spPr>
+        <p:txBody>
+          <a:bodyPr>
+            <a:normAutofit/>
+          </a:bodyPr>
+          <a:lstStyle/>
+          <a:p>
+            <a:pPr>
+              <a:lnSpc>
+                <a:spcPct val="150000"/>
+              </a:lnSpc>
+            </a:pPr>
+            <a:r>
+              <a:rPr lang="en-US" dirty="0"/>
+              <a:t>Given an array, sort it in ascending order</a:t>
+            </a:r>
+          </a:p>
+          <a:p>
+            <a:pPr lvl="1">
+              <a:lnSpc>
+                <a:spcPct val="150000"/>
+              </a:lnSpc>
+            </a:pPr>
+            <a:endParaRPr lang="en-US" dirty="0"/>
+          </a:p>
+        </p:txBody>
+      </p:sp>
+      <p:sp>
+        <p:nvSpPr>
+          <p:cNvPr id="2" name="AutoShape 2" descr="Rendered by QuickLaTeX.com">
+            <a:extLst>
+              <a:ext uri="{FF2B5EF4-FFF2-40B4-BE49-F238E27FC236}">
+                <a16:creationId xmlns:a16="http://schemas.microsoft.com/office/drawing/2014/main" id="{2AF11A4B-9690-0EBC-E975-30B05667A8C1}"/>
+              </a:ext>
+            </a:extLst>
+          </p:cNvPr>
+          <p:cNvSpPr>
+            <a:spLocks noChangeAspect="1" noChangeArrowheads="1"/>
+          </p:cNvSpPr>
+          <p:nvPr/>
+        </p:nvSpPr>
+        <p:spPr bwMode="auto">
+          <a:xfrm>
+            <a:off x="2387600" y="1536700"/>
+            <a:ext cx="7416800" cy="3784600"/>
+          </a:xfrm>
+          <a:prstGeom prst="rect">
+            <a:avLst/>
+          </a:prstGeom>
+          <a:noFill/>
+          <a:extLst>
+            <a:ext uri="{909E8E84-426E-40DD-AFC4-6F175D3DCCD1}">
+              <a14:hiddenFill xmlns:a14="http://schemas.microsoft.com/office/drawing/2010/main">
+                <a:solidFill>
+                  <a:srgbClr val="FFFFFF"/>
+                </a:solidFill>
+              </a14:hiddenFill>
+            </a:ext>
+          </a:extLst>
+        </p:spPr>
+        <p:txBody>
+          <a:bodyPr vert="horz" wrap="square" lIns="91440" tIns="45720" rIns="91440" bIns="45720" numCol="1" anchor="t" anchorCtr="0" compatLnSpc="1">
+            <a:prstTxWarp prst="textNoShape">
+              <a:avLst/>
+            </a:prstTxWarp>
+          </a:bodyPr>
+          <a:lstStyle/>
+          <a:p>
+            <a:endParaRPr lang="en-US"/>
+          </a:p>
+        </p:txBody>
+      </p:sp>
+      <p:pic>
+        <p:nvPicPr>
+          <p:cNvPr id="10" name="Picture 9" descr="Text&#10;&#10;Description automatically generated">
+            <a:extLst>
+              <a:ext uri="{FF2B5EF4-FFF2-40B4-BE49-F238E27FC236}">
+                <a16:creationId xmlns:a16="http://schemas.microsoft.com/office/drawing/2014/main" id="{519E0E8F-1997-18A0-0E9C-521944054D33}"/>
+              </a:ext>
+            </a:extLst>
+          </p:cNvPr>
+          <p:cNvPicPr>
+            <a:picLocks noChangeAspect="1"/>
+          </p:cNvPicPr>
+          <p:nvPr/>
+        </p:nvPicPr>
+        <p:blipFill>
+          <a:blip r:embed="rId3">
+            <a:extLst>
+              <a:ext uri="{28A0092B-C50C-407E-A947-70E740481C1C}">
+                <a14:useLocalDpi xmlns:a14="http://schemas.microsoft.com/office/drawing/2010/main" val="0"/>
+              </a:ext>
+            </a:extLst>
+          </a:blip>
+          <a:stretch>
+            <a:fillRect/>
+          </a:stretch>
+        </p:blipFill>
+        <p:spPr>
+          <a:xfrm>
+            <a:off x="1175825" y="2274609"/>
+            <a:ext cx="5207742" cy="3215156"/>
+          </a:xfrm>
+          <a:prstGeom prst="rect">
+            <a:avLst/>
+          </a:prstGeom>
+        </p:spPr>
+      </p:pic>
+    </p:spTree>
+    <p:extLst>
+      <p:ext uri="{BB962C8B-B14F-4D97-AF65-F5344CB8AC3E}">
+        <p14:creationId xmlns:p14="http://schemas.microsoft.com/office/powerpoint/2010/main" val="3710762496"/>
+      </p:ext>
+    </p:extLst>
+  </p:cSld>
+  <p:clrMapOvr>
+    <a:masterClrMapping/>
+  </p:clrMapOvr>
+</p:sld>
+</file>
+
 <file path=ppt/slides/slide24.xml><?xml version="1.0" encoding="utf-8"?>
 <p:sld xmlns:a="http://schemas.openxmlformats.org/drawingml/2006/main" xmlns:r="http://schemas.openxmlformats.org/officeDocument/2006/relationships" xmlns:p="http://schemas.openxmlformats.org/presentationml/2006/main">
   <p:cSld>
@@ -12677,7 +12697,7 @@
           <a:p>
             <a:r>
               <a:rPr lang="en-AU" dirty="0"/>
-              <a:t>Extra Slides</a:t>
+              <a:t>Invariants</a:t>
             </a:r>
           </a:p>
         </p:txBody>
@@ -12762,16 +12782,155 @@
           <a:p>
             <a:r>
               <a:rPr lang="en-US" dirty="0"/>
-              <a:t>Designing with Invariants</a:t>
+              <a:t>examples</a:t>
             </a:r>
             <a:endParaRPr lang="en-AU" dirty="0"/>
           </a:p>
         </p:txBody>
       </p:sp>
+      <p:sp>
+        <p:nvSpPr>
+          <p:cNvPr id="9" name="Content Placeholder 1">
+            <a:extLst>
+              <a:ext uri="{FF2B5EF4-FFF2-40B4-BE49-F238E27FC236}">
+                <a16:creationId xmlns:a16="http://schemas.microsoft.com/office/drawing/2014/main" id="{C4866C34-7F58-BFE7-EB25-B592C38996C9}"/>
+              </a:ext>
+            </a:extLst>
+          </p:cNvPr>
+          <p:cNvSpPr>
+            <a:spLocks noGrp="1"/>
+          </p:cNvSpPr>
+          <p:nvPr>
+            <p:ph sz="quarter" idx="16"/>
+          </p:nvPr>
+        </p:nvSpPr>
+        <p:spPr>
+          <a:xfrm>
+            <a:off x="720000" y="1620000"/>
+            <a:ext cx="8853370" cy="4524375"/>
+          </a:xfrm>
+        </p:spPr>
+        <p:txBody>
+          <a:bodyPr>
+            <a:normAutofit/>
+          </a:bodyPr>
+          <a:lstStyle/>
+          <a:p>
+            <a:pPr>
+              <a:lnSpc>
+                <a:spcPct val="150000"/>
+              </a:lnSpc>
+            </a:pPr>
+            <a:r>
+              <a:rPr lang="en-US" dirty="0"/>
+              <a:t>What is the loop invariant?</a:t>
+            </a:r>
+          </a:p>
+          <a:p>
+            <a:pPr>
+              <a:lnSpc>
+                <a:spcPct val="150000"/>
+              </a:lnSpc>
+            </a:pPr>
+            <a:endParaRPr lang="en-US" dirty="0"/>
+          </a:p>
+          <a:p>
+            <a:pPr>
+              <a:lnSpc>
+                <a:spcPct val="150000"/>
+              </a:lnSpc>
+            </a:pPr>
+            <a:endParaRPr lang="en-US" dirty="0"/>
+          </a:p>
+          <a:p>
+            <a:pPr>
+              <a:lnSpc>
+                <a:spcPct val="150000"/>
+              </a:lnSpc>
+            </a:pPr>
+            <a:r>
+              <a:rPr lang="en-US" dirty="0"/>
+              <a:t>Is it true before the first iteration? </a:t>
+            </a:r>
+          </a:p>
+          <a:p>
+            <a:pPr>
+              <a:lnSpc>
+                <a:spcPct val="150000"/>
+              </a:lnSpc>
+            </a:pPr>
+            <a:endParaRPr lang="en-US" dirty="0"/>
+          </a:p>
+          <a:p>
+            <a:pPr>
+              <a:lnSpc>
+                <a:spcPct val="150000"/>
+              </a:lnSpc>
+            </a:pPr>
+            <a:endParaRPr lang="en-US" dirty="0"/>
+          </a:p>
+          <a:p>
+            <a:pPr>
+              <a:lnSpc>
+                <a:spcPct val="150000"/>
+              </a:lnSpc>
+            </a:pPr>
+            <a:r>
+              <a:rPr lang="en-US" dirty="0"/>
+              <a:t>Is it true after each iteration? </a:t>
+            </a:r>
+          </a:p>
+          <a:p>
+            <a:pPr marL="0" indent="0">
+              <a:lnSpc>
+                <a:spcPct val="150000"/>
+              </a:lnSpc>
+              <a:buNone/>
+            </a:pPr>
+            <a:endParaRPr lang="en-US" dirty="0"/>
+          </a:p>
+        </p:txBody>
+      </p:sp>
+      <p:pic>
+        <p:nvPicPr>
+          <p:cNvPr id="2" name="Picture 1" descr="Text&#10;&#10;Description automatically generated">
+            <a:extLst>
+              <a:ext uri="{FF2B5EF4-FFF2-40B4-BE49-F238E27FC236}">
+                <a16:creationId xmlns:a16="http://schemas.microsoft.com/office/drawing/2014/main" id="{B8D23C19-5456-E898-EA31-3DFE486D8339}"/>
+              </a:ext>
+            </a:extLst>
+          </p:cNvPr>
+          <p:cNvPicPr>
+            <a:picLocks noChangeAspect="1"/>
+          </p:cNvPicPr>
+          <p:nvPr/>
+        </p:nvPicPr>
+        <p:blipFill>
+          <a:blip r:embed="rId3">
+            <a:extLst>
+              <a:ext uri="{28A0092B-C50C-407E-A947-70E740481C1C}">
+                <a14:useLocalDpi xmlns:a14="http://schemas.microsoft.com/office/drawing/2010/main" val="0"/>
+              </a:ext>
+            </a:extLst>
+          </a:blip>
+          <a:stretch>
+            <a:fillRect/>
+          </a:stretch>
+        </p:blipFill>
+        <p:spPr>
+          <a:xfrm>
+            <a:off x="6288933" y="1620000"/>
+            <a:ext cx="5207742" cy="3215156"/>
+          </a:xfrm>
+          <a:prstGeom prst="rect">
+            <a:avLst/>
+          </a:prstGeom>
+        </p:spPr>
+      </p:pic>
     </p:spTree>
     <p:extLst>
       <p:ext uri="{BB962C8B-B14F-4D97-AF65-F5344CB8AC3E}">
-        <p14:creationId xmlns:p14="http://schemas.microsoft.com/office/powerpoint/2010/main" val="4243087700"/>
+        <p14:creationId xmlns:p14="http://schemas.microsoft.com/office/powerpoint/2010/main" val="2623223797"/>
       </p:ext>
     </p:extLst>
   </p:cSld>
@@ -12821,7 +12980,7 @@
           <a:p>
             <a:r>
               <a:rPr lang="en-AU" dirty="0"/>
-              <a:t>Invariants</a:t>
+              <a:t>Extra Slides</a:t>
             </a:r>
           </a:p>
         </p:txBody>
@@ -12848,10 +13007,9 @@
           <a:lstStyle/>
           <a:p>
             <a:r>
-              <a:rPr lang="en-AU"/>
+              <a:rPr lang="en-AU" dirty="0"/>
               <a:t>OFFICE | FACULTY | DEPARTMENT</a:t>
             </a:r>
-            <a:endParaRPr lang="en-AU" dirty="0"/>
           </a:p>
         </p:txBody>
       </p:sp>
@@ -12907,95 +13065,16 @@
           <a:p>
             <a:r>
               <a:rPr lang="en-US" dirty="0"/>
-              <a:t>examples</a:t>
+              <a:t>Designing with Invariants</a:t>
             </a:r>
             <a:endParaRPr lang="en-AU" dirty="0"/>
-          </a:p>
-        </p:txBody>
-      </p:sp>
-      <p:pic>
-        <p:nvPicPr>
-          <p:cNvPr id="8" name="Graphic 7">
-            <a:extLst>
-              <a:ext uri="{FF2B5EF4-FFF2-40B4-BE49-F238E27FC236}">
-                <a16:creationId xmlns:a16="http://schemas.microsoft.com/office/drawing/2014/main" id="{87222C8B-69D0-723E-5F99-4CF6F25B1EC7}"/>
-              </a:ext>
-            </a:extLst>
-          </p:cNvPr>
-          <p:cNvPicPr>
-            <a:picLocks noChangeAspect="1"/>
-          </p:cNvPicPr>
-          <p:nvPr/>
-        </p:nvPicPr>
-        <p:blipFill>
-          <a:blip r:embed="rId3">
-            <a:extLst>
-              <a:ext uri="{28A0092B-C50C-407E-A947-70E740481C1C}">
-                <a14:useLocalDpi xmlns:a14="http://schemas.microsoft.com/office/drawing/2010/main" val="0"/>
-              </a:ext>
-              <a:ext uri="{96DAC541-7B7A-43D3-8B79-37D633B846F1}">
-                <asvg:svgBlip xmlns:asvg="http://schemas.microsoft.com/office/drawing/2016/SVG/main" r:embed="rId4"/>
-              </a:ext>
-            </a:extLst>
-          </a:blip>
-          <a:stretch>
-            <a:fillRect/>
-          </a:stretch>
-        </p:blipFill>
-        <p:spPr>
-          <a:xfrm>
-            <a:off x="1287603" y="2411128"/>
-            <a:ext cx="7212932" cy="3125604"/>
-          </a:xfrm>
-          <a:prstGeom prst="rect">
-            <a:avLst/>
-          </a:prstGeom>
-        </p:spPr>
-      </p:pic>
-      <p:sp>
-        <p:nvSpPr>
-          <p:cNvPr id="9" name="Content Placeholder 1">
-            <a:extLst>
-              <a:ext uri="{FF2B5EF4-FFF2-40B4-BE49-F238E27FC236}">
-                <a16:creationId xmlns:a16="http://schemas.microsoft.com/office/drawing/2014/main" id="{C4866C34-7F58-BFE7-EB25-B592C38996C9}"/>
-              </a:ext>
-            </a:extLst>
-          </p:cNvPr>
-          <p:cNvSpPr>
-            <a:spLocks noGrp="1"/>
-          </p:cNvSpPr>
-          <p:nvPr>
-            <p:ph sz="quarter" idx="16"/>
-          </p:nvPr>
-        </p:nvSpPr>
-        <p:spPr>
-          <a:xfrm>
-            <a:off x="720000" y="1620000"/>
-            <a:ext cx="8853370" cy="4524375"/>
-          </a:xfrm>
-        </p:spPr>
-        <p:txBody>
-          <a:bodyPr>
-            <a:normAutofit/>
-          </a:bodyPr>
-          <a:lstStyle/>
-          <a:p>
-            <a:pPr>
-              <a:lnSpc>
-                <a:spcPct val="150000"/>
-              </a:lnSpc>
-            </a:pPr>
-            <a:r>
-              <a:rPr lang="en-US" dirty="0"/>
-              <a:t>Given two n bit binary numbers x and y, calculate x the sum of both numbers</a:t>
-            </a:r>
           </a:p>
         </p:txBody>
       </p:sp>
     </p:spTree>
     <p:extLst>
       <p:ext uri="{BB962C8B-B14F-4D97-AF65-F5344CB8AC3E}">
-        <p14:creationId xmlns:p14="http://schemas.microsoft.com/office/powerpoint/2010/main" val="1039487341"/>
+        <p14:creationId xmlns:p14="http://schemas.microsoft.com/office/powerpoint/2010/main" val="4243087700"/>
       </p:ext>
     </p:extLst>
   </p:cSld>
@@ -13072,9 +13151,10 @@
           <a:lstStyle/>
           <a:p>
             <a:r>
-              <a:rPr lang="en-AU" dirty="0"/>
+              <a:rPr lang="en-AU"/>
               <a:t>OFFICE | FACULTY | DEPARTMENT</a:t>
             </a:r>
+            <a:endParaRPr lang="en-AU" dirty="0"/>
           </a:p>
         </p:txBody>
       </p:sp>
@@ -13102,6 +13182,229 @@
             <a:fld id="{D9C42BCC-44E8-4F98-A8FE-EAF16D8C1E6E}" type="slidenum">
               <a:rPr lang="en-AU" smtClean="0"/>
               <a:t>26</a:t>
+            </a:fld>
+            <a:endParaRPr lang="en-AU" dirty="0"/>
+          </a:p>
+        </p:txBody>
+      </p:sp>
+      <p:sp>
+        <p:nvSpPr>
+          <p:cNvPr id="6" name="Text Placeholder 5">
+            <a:extLst>
+              <a:ext uri="{FF2B5EF4-FFF2-40B4-BE49-F238E27FC236}">
+                <a16:creationId xmlns:a16="http://schemas.microsoft.com/office/drawing/2014/main" id="{BF62140E-1DEB-FAE4-B749-2267B7351E55}"/>
+              </a:ext>
+            </a:extLst>
+          </p:cNvPr>
+          <p:cNvSpPr>
+            <a:spLocks noGrp="1"/>
+          </p:cNvSpPr>
+          <p:nvPr>
+            <p:ph type="body" sz="quarter" idx="15"/>
+          </p:nvPr>
+        </p:nvSpPr>
+        <p:spPr/>
+        <p:txBody>
+          <a:bodyPr/>
+          <a:lstStyle/>
+          <a:p>
+            <a:r>
+              <a:rPr lang="en-US" dirty="0"/>
+              <a:t>examples</a:t>
+            </a:r>
+            <a:endParaRPr lang="en-AU" dirty="0"/>
+          </a:p>
+        </p:txBody>
+      </p:sp>
+      <p:pic>
+        <p:nvPicPr>
+          <p:cNvPr id="8" name="Graphic 7">
+            <a:extLst>
+              <a:ext uri="{FF2B5EF4-FFF2-40B4-BE49-F238E27FC236}">
+                <a16:creationId xmlns:a16="http://schemas.microsoft.com/office/drawing/2014/main" id="{87222C8B-69D0-723E-5F99-4CF6F25B1EC7}"/>
+              </a:ext>
+            </a:extLst>
+          </p:cNvPr>
+          <p:cNvPicPr>
+            <a:picLocks noChangeAspect="1"/>
+          </p:cNvPicPr>
+          <p:nvPr/>
+        </p:nvPicPr>
+        <p:blipFill>
+          <a:blip r:embed="rId3">
+            <a:extLst>
+              <a:ext uri="{28A0092B-C50C-407E-A947-70E740481C1C}">
+                <a14:useLocalDpi xmlns:a14="http://schemas.microsoft.com/office/drawing/2010/main" val="0"/>
+              </a:ext>
+              <a:ext uri="{96DAC541-7B7A-43D3-8B79-37D633B846F1}">
+                <asvg:svgBlip xmlns:asvg="http://schemas.microsoft.com/office/drawing/2016/SVG/main" r:embed="rId4"/>
+              </a:ext>
+            </a:extLst>
+          </a:blip>
+          <a:stretch>
+            <a:fillRect/>
+          </a:stretch>
+        </p:blipFill>
+        <p:spPr>
+          <a:xfrm>
+            <a:off x="1287603" y="2411128"/>
+            <a:ext cx="7212932" cy="3125604"/>
+          </a:xfrm>
+          <a:prstGeom prst="rect">
+            <a:avLst/>
+          </a:prstGeom>
+        </p:spPr>
+      </p:pic>
+      <p:sp>
+        <p:nvSpPr>
+          <p:cNvPr id="9" name="Content Placeholder 1">
+            <a:extLst>
+              <a:ext uri="{FF2B5EF4-FFF2-40B4-BE49-F238E27FC236}">
+                <a16:creationId xmlns:a16="http://schemas.microsoft.com/office/drawing/2014/main" id="{C4866C34-7F58-BFE7-EB25-B592C38996C9}"/>
+              </a:ext>
+            </a:extLst>
+          </p:cNvPr>
+          <p:cNvSpPr>
+            <a:spLocks noGrp="1"/>
+          </p:cNvSpPr>
+          <p:nvPr>
+            <p:ph sz="quarter" idx="16"/>
+          </p:nvPr>
+        </p:nvSpPr>
+        <p:spPr>
+          <a:xfrm>
+            <a:off x="720000" y="1620000"/>
+            <a:ext cx="8853370" cy="4524375"/>
+          </a:xfrm>
+        </p:spPr>
+        <p:txBody>
+          <a:bodyPr>
+            <a:normAutofit/>
+          </a:bodyPr>
+          <a:lstStyle/>
+          <a:p>
+            <a:pPr>
+              <a:lnSpc>
+                <a:spcPct val="150000"/>
+              </a:lnSpc>
+            </a:pPr>
+            <a:r>
+              <a:rPr lang="en-US" dirty="0"/>
+              <a:t>Given two n bit binary numbers x and y, calculate x the sum of both numbers</a:t>
+            </a:r>
+          </a:p>
+        </p:txBody>
+      </p:sp>
+    </p:spTree>
+    <p:extLst>
+      <p:ext uri="{BB962C8B-B14F-4D97-AF65-F5344CB8AC3E}">
+        <p14:creationId xmlns:p14="http://schemas.microsoft.com/office/powerpoint/2010/main" val="1039487341"/>
+      </p:ext>
+    </p:extLst>
+  </p:cSld>
+  <p:clrMapOvr>
+    <a:masterClrMapping/>
+  </p:clrMapOvr>
+</p:sld>
+</file>
+
+<file path=ppt/slides/slide27.xml><?xml version="1.0" encoding="utf-8"?>
+<p:sld xmlns:a="http://schemas.openxmlformats.org/drawingml/2006/main" xmlns:r="http://schemas.openxmlformats.org/officeDocument/2006/relationships" xmlns:p="http://schemas.openxmlformats.org/presentationml/2006/main">
+  <p:cSld>
+    <p:spTree>
+      <p:nvGrpSpPr>
+        <p:cNvPr id="1" name=""/>
+        <p:cNvGrpSpPr/>
+        <p:nvPr/>
+      </p:nvGrpSpPr>
+      <p:grpSpPr>
+        <a:xfrm>
+          <a:off x="0" y="0"/>
+          <a:ext cx="0" cy="0"/>
+          <a:chOff x="0" y="0"/>
+          <a:chExt cx="0" cy="0"/>
+        </a:xfrm>
+      </p:grpSpPr>
+      <p:sp>
+        <p:nvSpPr>
+          <p:cNvPr id="3" name="Title 2">
+            <a:extLst>
+              <a:ext uri="{FF2B5EF4-FFF2-40B4-BE49-F238E27FC236}">
+                <a16:creationId xmlns:a16="http://schemas.microsoft.com/office/drawing/2014/main" id="{6496A5CF-B830-9FCA-F9E3-D818A17DEF18}"/>
+              </a:ext>
+            </a:extLst>
+          </p:cNvPr>
+          <p:cNvSpPr>
+            <a:spLocks noGrp="1"/>
+          </p:cNvSpPr>
+          <p:nvPr>
+            <p:ph type="title"/>
+          </p:nvPr>
+        </p:nvSpPr>
+        <p:spPr/>
+        <p:txBody>
+          <a:bodyPr/>
+          <a:lstStyle/>
+          <a:p>
+            <a:r>
+              <a:rPr lang="en-AU" dirty="0"/>
+              <a:t>Invariants</a:t>
+            </a:r>
+          </a:p>
+        </p:txBody>
+      </p:sp>
+      <p:sp>
+        <p:nvSpPr>
+          <p:cNvPr id="4" name="Footer Placeholder 3">
+            <a:extLst>
+              <a:ext uri="{FF2B5EF4-FFF2-40B4-BE49-F238E27FC236}">
+                <a16:creationId xmlns:a16="http://schemas.microsoft.com/office/drawing/2014/main" id="{13198C28-E673-024C-75E3-C47AD1A1DA76}"/>
+              </a:ext>
+            </a:extLst>
+          </p:cNvPr>
+          <p:cNvSpPr>
+            <a:spLocks noGrp="1"/>
+          </p:cNvSpPr>
+          <p:nvPr>
+            <p:ph type="ftr" sz="quarter" idx="11"/>
+          </p:nvPr>
+        </p:nvSpPr>
+        <p:spPr/>
+        <p:txBody>
+          <a:bodyPr/>
+          <a:lstStyle/>
+          <a:p>
+            <a:r>
+              <a:rPr lang="en-AU" dirty="0"/>
+              <a:t>OFFICE | FACULTY | DEPARTMENT</a:t>
+            </a:r>
+          </a:p>
+        </p:txBody>
+      </p:sp>
+      <p:sp>
+        <p:nvSpPr>
+          <p:cNvPr id="5" name="Slide Number Placeholder 4">
+            <a:extLst>
+              <a:ext uri="{FF2B5EF4-FFF2-40B4-BE49-F238E27FC236}">
+                <a16:creationId xmlns:a16="http://schemas.microsoft.com/office/drawing/2014/main" id="{E9D53039-77CF-A199-06F4-10FA05D184AB}"/>
+              </a:ext>
+            </a:extLst>
+          </p:cNvPr>
+          <p:cNvSpPr>
+            <a:spLocks noGrp="1"/>
+          </p:cNvSpPr>
+          <p:nvPr>
+            <p:ph type="sldNum" sz="quarter" idx="12"/>
+          </p:nvPr>
+        </p:nvSpPr>
+        <p:spPr/>
+        <p:txBody>
+          <a:bodyPr/>
+          <a:lstStyle/>
+          <a:p>
+            <a:fld id="{D9C42BCC-44E8-4F98-A8FE-EAF16D8C1E6E}" type="slidenum">
+              <a:rPr lang="en-AU" smtClean="0"/>
+              <a:t>27</a:t>
             </a:fld>
             <a:endParaRPr lang="en-AU" dirty="0"/>
           </a:p>
@@ -13290,7 +13593,7 @@
 </p:sld>
 </file>
 
-<file path=ppt/slides/slide27.xml><?xml version="1.0" encoding="utf-8"?>
+<file path=ppt/slides/slide28.xml><?xml version="1.0" encoding="utf-8"?>
 <p:sld xmlns:a="http://schemas.openxmlformats.org/drawingml/2006/main" xmlns:r="http://schemas.openxmlformats.org/officeDocument/2006/relationships" xmlns:p="http://schemas.openxmlformats.org/presentationml/2006/main">
   <p:cSld>
     <p:spTree>
@@ -13386,7 +13689,7 @@
           <a:p>
             <a:fld id="{D9C42BCC-44E8-4F98-A8FE-EAF16D8C1E6E}" type="slidenum">
               <a:rPr lang="en-AU" smtClean="0"/>
-              <a:t>27</a:t>
+              <a:t>28</a:t>
             </a:fld>
             <a:endParaRPr lang="en-AU" dirty="0"/>
           </a:p>
@@ -13566,7 +13869,7 @@
 </p:sld>
 </file>
 
-<file path=ppt/slides/slide28.xml><?xml version="1.0" encoding="utf-8"?>
+<file path=ppt/slides/slide29.xml><?xml version="1.0" encoding="utf-8"?>
 <p:sld xmlns:a="http://schemas.openxmlformats.org/drawingml/2006/main" xmlns:r="http://schemas.openxmlformats.org/officeDocument/2006/relationships" xmlns:p="http://schemas.openxmlformats.org/presentationml/2006/main">
   <p:cSld>
     <p:spTree>
@@ -13662,7 +13965,7 @@
           <a:p>
             <a:fld id="{D9C42BCC-44E8-4F98-A8FE-EAF16D8C1E6E}" type="slidenum">
               <a:rPr lang="en-AU" smtClean="0"/>
-              <a:t>28</a:t>
+              <a:t>29</a:t>
             </a:fld>
             <a:endParaRPr lang="en-AU" dirty="0"/>
           </a:p>
@@ -13796,21 +14099,6 @@
               </a:lnSpc>
             </a:pPr>
             <a:endParaRPr lang="en-US" dirty="0"/>
-          </a:p>
-          <a:p>
-            <a:pPr>
-              <a:lnSpc>
-                <a:spcPct val="150000"/>
-              </a:lnSpc>
-            </a:pPr>
-            <a:r>
-              <a:rPr lang="en-US" b="1" dirty="0">
-                <a:solidFill>
-                  <a:srgbClr val="FF0000"/>
-                </a:solidFill>
-              </a:rPr>
-              <a:t>REPLACE WITH SELECTION SORT</a:t>
-            </a:r>
           </a:p>
           <a:p>
             <a:pPr lvl="1">
@@ -13919,6 +14207,361 @@
           </a:bodyPr>
           <a:lstStyle/>
           <a:p>
+            <a:pPr marL="0" indent="0">
+              <a:lnSpc>
+                <a:spcPct val="200000"/>
+              </a:lnSpc>
+              <a:buNone/>
+            </a:pPr>
+            <a:endParaRPr lang="en-AU" dirty="0"/>
+          </a:p>
+          <a:p>
+            <a:pPr>
+              <a:lnSpc>
+                <a:spcPct val="200000"/>
+              </a:lnSpc>
+            </a:pPr>
+            <a:r>
+              <a:rPr lang="en-AU" dirty="0"/>
+              <a:t>gitpod.io/#https://github.com/MicAu/Workshop</a:t>
+            </a:r>
+          </a:p>
+          <a:p>
+            <a:pPr>
+              <a:lnSpc>
+                <a:spcPct val="200000"/>
+              </a:lnSpc>
+            </a:pPr>
+            <a:r>
+              <a:rPr lang="en-AU" dirty="0"/>
+              <a:t>or</a:t>
+            </a:r>
+          </a:p>
+          <a:p>
+            <a:pPr>
+              <a:lnSpc>
+                <a:spcPct val="200000"/>
+              </a:lnSpc>
+            </a:pPr>
+            <a:r>
+              <a:rPr lang="en-AU" dirty="0"/>
+              <a:t>tinyurl.com/invariant10</a:t>
+            </a:r>
+          </a:p>
+          <a:p>
+            <a:pPr>
+              <a:lnSpc>
+                <a:spcPct val="120000"/>
+              </a:lnSpc>
+            </a:pPr>
+            <a:endParaRPr lang="en-AU" dirty="0"/>
+          </a:p>
+          <a:p>
+            <a:pPr>
+              <a:lnSpc>
+                <a:spcPct val="120000"/>
+              </a:lnSpc>
+            </a:pPr>
+            <a:endParaRPr lang="en-AU" dirty="0"/>
+          </a:p>
+          <a:p>
+            <a:pPr>
+              <a:lnSpc>
+                <a:spcPct val="120000"/>
+              </a:lnSpc>
+            </a:pPr>
+            <a:endParaRPr lang="en-AU" dirty="0"/>
+          </a:p>
+          <a:p>
+            <a:pPr>
+              <a:lnSpc>
+                <a:spcPct val="120000"/>
+              </a:lnSpc>
+            </a:pPr>
+            <a:endParaRPr lang="en-AU" dirty="0"/>
+          </a:p>
+        </p:txBody>
+      </p:sp>
+      <p:sp>
+        <p:nvSpPr>
+          <p:cNvPr id="5" name="Title 4">
+            <a:extLst>
+              <a:ext uri="{FF2B5EF4-FFF2-40B4-BE49-F238E27FC236}">
+                <a16:creationId xmlns:a16="http://schemas.microsoft.com/office/drawing/2014/main" id="{B6BA968A-DB72-403A-A17B-2AC9FCA3AA31}"/>
+              </a:ext>
+            </a:extLst>
+          </p:cNvPr>
+          <p:cNvSpPr>
+            <a:spLocks noGrp="1"/>
+          </p:cNvSpPr>
+          <p:nvPr>
+            <p:ph type="title"/>
+          </p:nvPr>
+        </p:nvSpPr>
+        <p:spPr/>
+        <p:txBody>
+          <a:bodyPr/>
+          <a:lstStyle/>
+          <a:p>
+            <a:r>
+              <a:rPr lang="en-AU" dirty="0"/>
+              <a:t>Setup</a:t>
+            </a:r>
+          </a:p>
+        </p:txBody>
+      </p:sp>
+      <p:sp>
+        <p:nvSpPr>
+          <p:cNvPr id="6" name="Text Placeholder 5">
+            <a:extLst>
+              <a:ext uri="{FF2B5EF4-FFF2-40B4-BE49-F238E27FC236}">
+                <a16:creationId xmlns:a16="http://schemas.microsoft.com/office/drawing/2014/main" id="{87084CF1-D56B-4427-9748-FA3D9A1A3D66}"/>
+              </a:ext>
+            </a:extLst>
+          </p:cNvPr>
+          <p:cNvSpPr>
+            <a:spLocks noGrp="1"/>
+          </p:cNvSpPr>
+          <p:nvPr>
+            <p:ph type="body" sz="quarter" idx="15"/>
+          </p:nvPr>
+        </p:nvSpPr>
+        <p:spPr/>
+        <p:txBody>
+          <a:bodyPr/>
+          <a:lstStyle/>
+          <a:p>
+            <a:endParaRPr lang="en-AU" dirty="0"/>
+          </a:p>
+        </p:txBody>
+      </p:sp>
+    </p:spTree>
+    <p:extLst>
+      <p:ext uri="{BB962C8B-B14F-4D97-AF65-F5344CB8AC3E}">
+        <p14:creationId xmlns:p14="http://schemas.microsoft.com/office/powerpoint/2010/main" val="1821798948"/>
+      </p:ext>
+    </p:extLst>
+  </p:cSld>
+  <p:clrMapOvr>
+    <a:masterClrMapping/>
+  </p:clrMapOvr>
+</p:sld>
+</file>
+
+<file path=ppt/slides/slide4.xml><?xml version="1.0" encoding="utf-8"?>
+<p:sld xmlns:a="http://schemas.openxmlformats.org/drawingml/2006/main" xmlns:r="http://schemas.openxmlformats.org/officeDocument/2006/relationships" xmlns:p="http://schemas.openxmlformats.org/presentationml/2006/main">
+  <p:cSld>
+    <p:spTree>
+      <p:nvGrpSpPr>
+        <p:cNvPr id="1" name=""/>
+        <p:cNvGrpSpPr/>
+        <p:nvPr/>
+      </p:nvGrpSpPr>
+      <p:grpSpPr>
+        <a:xfrm>
+          <a:off x="0" y="0"/>
+          <a:ext cx="0" cy="0"/>
+          <a:chOff x="0" y="0"/>
+          <a:chExt cx="0" cy="0"/>
+        </a:xfrm>
+      </p:grpSpPr>
+      <p:sp>
+        <p:nvSpPr>
+          <p:cNvPr id="7" name="Content Placeholder 6">
+            <a:extLst>
+              <a:ext uri="{FF2B5EF4-FFF2-40B4-BE49-F238E27FC236}">
+                <a16:creationId xmlns:a16="http://schemas.microsoft.com/office/drawing/2014/main" id="{485C0A67-62EE-46AE-A481-8D0B0111D6AC}"/>
+              </a:ext>
+            </a:extLst>
+          </p:cNvPr>
+          <p:cNvSpPr>
+            <a:spLocks noGrp="1"/>
+          </p:cNvSpPr>
+          <p:nvPr>
+            <p:ph sz="quarter" idx="16"/>
+          </p:nvPr>
+        </p:nvSpPr>
+        <p:spPr>
+          <a:xfrm>
+            <a:off x="719997" y="1620000"/>
+            <a:ext cx="7290527" cy="4772819"/>
+          </a:xfrm>
+        </p:spPr>
+        <p:txBody>
+          <a:bodyPr>
+            <a:normAutofit/>
+          </a:bodyPr>
+          <a:lstStyle/>
+          <a:p>
+            <a:pPr>
+              <a:lnSpc>
+                <a:spcPct val="120000"/>
+              </a:lnSpc>
+            </a:pPr>
+            <a:endParaRPr lang="en-AU" dirty="0"/>
+          </a:p>
+          <a:p>
+            <a:pPr>
+              <a:lnSpc>
+                <a:spcPct val="120000"/>
+              </a:lnSpc>
+            </a:pPr>
+            <a:r>
+              <a:rPr lang="en-AU" dirty="0"/>
+              <a:t>No notes or looking things up! </a:t>
+            </a:r>
+          </a:p>
+          <a:p>
+            <a:pPr lvl="1">
+              <a:lnSpc>
+                <a:spcPct val="120000"/>
+              </a:lnSpc>
+            </a:pPr>
+            <a:r>
+              <a:rPr lang="en-AU" dirty="0"/>
+              <a:t>Trying to find out what you </a:t>
+            </a:r>
+            <a:r>
+              <a:rPr lang="en-AU" b="1" dirty="0"/>
+              <a:t>DON’T</a:t>
+            </a:r>
+            <a:r>
+              <a:rPr lang="en-AU" dirty="0"/>
+              <a:t> know</a:t>
+            </a:r>
+          </a:p>
+          <a:p>
+            <a:pPr>
+              <a:lnSpc>
+                <a:spcPct val="120000"/>
+              </a:lnSpc>
+            </a:pPr>
+            <a:endParaRPr lang="en-AU" dirty="0"/>
+          </a:p>
+          <a:p>
+            <a:pPr>
+              <a:lnSpc>
+                <a:spcPct val="120000"/>
+              </a:lnSpc>
+            </a:pPr>
+            <a:r>
+              <a:rPr lang="en-AU" dirty="0"/>
+              <a:t>Your results don’t affect your unit grades or chances at the prizes! </a:t>
+            </a:r>
+          </a:p>
+        </p:txBody>
+      </p:sp>
+      <p:sp>
+        <p:nvSpPr>
+          <p:cNvPr id="5" name="Title 4">
+            <a:extLst>
+              <a:ext uri="{FF2B5EF4-FFF2-40B4-BE49-F238E27FC236}">
+                <a16:creationId xmlns:a16="http://schemas.microsoft.com/office/drawing/2014/main" id="{B6BA968A-DB72-403A-A17B-2AC9FCA3AA31}"/>
+              </a:ext>
+            </a:extLst>
+          </p:cNvPr>
+          <p:cNvSpPr>
+            <a:spLocks noGrp="1"/>
+          </p:cNvSpPr>
+          <p:nvPr>
+            <p:ph type="title"/>
+          </p:nvPr>
+        </p:nvSpPr>
+        <p:spPr/>
+        <p:txBody>
+          <a:bodyPr/>
+          <a:lstStyle/>
+          <a:p>
+            <a:r>
+              <a:rPr lang="en-AU" dirty="0"/>
+              <a:t>Pre-Workshop Test</a:t>
+            </a:r>
+          </a:p>
+        </p:txBody>
+      </p:sp>
+      <p:sp>
+        <p:nvSpPr>
+          <p:cNvPr id="6" name="Text Placeholder 5">
+            <a:extLst>
+              <a:ext uri="{FF2B5EF4-FFF2-40B4-BE49-F238E27FC236}">
+                <a16:creationId xmlns:a16="http://schemas.microsoft.com/office/drawing/2014/main" id="{87084CF1-D56B-4427-9748-FA3D9A1A3D66}"/>
+              </a:ext>
+            </a:extLst>
+          </p:cNvPr>
+          <p:cNvSpPr>
+            <a:spLocks noGrp="1"/>
+          </p:cNvSpPr>
+          <p:nvPr>
+            <p:ph type="body" sz="quarter" idx="15"/>
+          </p:nvPr>
+        </p:nvSpPr>
+        <p:spPr/>
+        <p:txBody>
+          <a:bodyPr/>
+          <a:lstStyle/>
+          <a:p>
+            <a:endParaRPr lang="en-AU" dirty="0"/>
+          </a:p>
+        </p:txBody>
+      </p:sp>
+    </p:spTree>
+    <p:extLst>
+      <p:ext uri="{BB962C8B-B14F-4D97-AF65-F5344CB8AC3E}">
+        <p14:creationId xmlns:p14="http://schemas.microsoft.com/office/powerpoint/2010/main" val="144879099"/>
+      </p:ext>
+    </p:extLst>
+  </p:cSld>
+  <p:clrMapOvr>
+    <a:masterClrMapping/>
+  </p:clrMapOvr>
+</p:sld>
+</file>
+
+<file path=ppt/slides/slide5.xml><?xml version="1.0" encoding="utf-8"?>
+<p:sld xmlns:a="http://schemas.openxmlformats.org/drawingml/2006/main" xmlns:r="http://schemas.openxmlformats.org/officeDocument/2006/relationships" xmlns:p="http://schemas.openxmlformats.org/presentationml/2006/main">
+  <p:cSld>
+    <p:spTree>
+      <p:nvGrpSpPr>
+        <p:cNvPr id="1" name=""/>
+        <p:cNvGrpSpPr/>
+        <p:nvPr/>
+      </p:nvGrpSpPr>
+      <p:grpSpPr>
+        <a:xfrm>
+          <a:off x="0" y="0"/>
+          <a:ext cx="0" cy="0"/>
+          <a:chOff x="0" y="0"/>
+          <a:chExt cx="0" cy="0"/>
+        </a:xfrm>
+      </p:grpSpPr>
+      <p:sp>
+        <p:nvSpPr>
+          <p:cNvPr id="7" name="Content Placeholder 6">
+            <a:extLst>
+              <a:ext uri="{FF2B5EF4-FFF2-40B4-BE49-F238E27FC236}">
+                <a16:creationId xmlns:a16="http://schemas.microsoft.com/office/drawing/2014/main" id="{485C0A67-62EE-46AE-A481-8D0B0111D6AC}"/>
+              </a:ext>
+            </a:extLst>
+          </p:cNvPr>
+          <p:cNvSpPr>
+            <a:spLocks noGrp="1"/>
+          </p:cNvSpPr>
+          <p:nvPr>
+            <p:ph sz="quarter" idx="16"/>
+          </p:nvPr>
+        </p:nvSpPr>
+        <p:spPr>
+          <a:xfrm>
+            <a:off x="719997" y="1620000"/>
+            <a:ext cx="7290527" cy="4772819"/>
+          </a:xfrm>
+        </p:spPr>
+        <p:txBody>
+          <a:bodyPr>
+            <a:normAutofit/>
+          </a:bodyPr>
+          <a:lstStyle/>
+          <a:p>
             <a:pPr>
               <a:lnSpc>
                 <a:spcPct val="120000"/>
@@ -14077,7 +14720,7 @@
 </p:sld>
 </file>
 
-<file path=ppt/slides/slide4.xml><?xml version="1.0" encoding="utf-8"?>
+<file path=ppt/slides/slide6.xml><?xml version="1.0" encoding="utf-8"?>
 <p:sld xmlns:a="http://schemas.openxmlformats.org/drawingml/2006/main" xmlns:r="http://schemas.openxmlformats.org/officeDocument/2006/relationships" xmlns:p="http://schemas.openxmlformats.org/presentationml/2006/main">
   <p:cSld>
     <p:spTree>
@@ -14313,7 +14956,7 @@
 </p:sld>
 </file>
 
-<file path=ppt/slides/slide5.xml><?xml version="1.0" encoding="utf-8"?>
+<file path=ppt/slides/slide7.xml><?xml version="1.0" encoding="utf-8"?>
 <p:sld xmlns:a="http://schemas.openxmlformats.org/drawingml/2006/main" xmlns:r="http://schemas.openxmlformats.org/officeDocument/2006/relationships" xmlns:p="http://schemas.openxmlformats.org/presentationml/2006/main">
   <p:cSld>
     <p:spTree>
@@ -14524,7 +15167,7 @@
 </p:sld>
 </file>
 
-<file path=ppt/slides/slide6.xml><?xml version="1.0" encoding="utf-8"?>
+<file path=ppt/slides/slide8.xml><?xml version="1.0" encoding="utf-8"?>
 <p:sld xmlns:a="http://schemas.openxmlformats.org/drawingml/2006/main" xmlns:r="http://schemas.openxmlformats.org/officeDocument/2006/relationships" xmlns:p="http://schemas.openxmlformats.org/presentationml/2006/main">
   <p:cSld>
     <p:spTree>
@@ -14743,7 +15386,7 @@
 </p:sld>
 </file>
 
-<file path=ppt/slides/slide7.xml><?xml version="1.0" encoding="utf-8"?>
+<file path=ppt/slides/slide9.xml><?xml version="1.0" encoding="utf-8"?>
 <p:sld xmlns:a="http://schemas.openxmlformats.org/drawingml/2006/main" xmlns:r="http://schemas.openxmlformats.org/officeDocument/2006/relationships" xmlns:p="http://schemas.openxmlformats.org/presentationml/2006/main">
   <p:cSld>
     <p:spTree>
@@ -14908,7 +15551,7 @@
           <a:p>
             <a:fld id="{D9C42BCC-44E8-4F98-A8FE-EAF16D8C1E6E}" type="slidenum">
               <a:rPr lang="en-AU" smtClean="0"/>
-              <a:t>7</a:t>
+              <a:t>9</a:t>
             </a:fld>
             <a:endParaRPr lang="en-AU" dirty="0"/>
           </a:p>
@@ -14979,481 +15622,6 @@
     <p:extLst>
       <p:ext uri="{BB962C8B-B14F-4D97-AF65-F5344CB8AC3E}">
         <p14:creationId xmlns:p14="http://schemas.microsoft.com/office/powerpoint/2010/main" val="3904050427"/>
-      </p:ext>
-    </p:extLst>
-  </p:cSld>
-  <p:clrMapOvr>
-    <a:masterClrMapping/>
-  </p:clrMapOvr>
-</p:sld>
-</file>
-
-<file path=ppt/slides/slide8.xml><?xml version="1.0" encoding="utf-8"?>
-<p:sld xmlns:a="http://schemas.openxmlformats.org/drawingml/2006/main" xmlns:r="http://schemas.openxmlformats.org/officeDocument/2006/relationships" xmlns:p="http://schemas.openxmlformats.org/presentationml/2006/main">
-  <p:cSld>
-    <p:spTree>
-      <p:nvGrpSpPr>
-        <p:cNvPr id="1" name=""/>
-        <p:cNvGrpSpPr/>
-        <p:nvPr/>
-      </p:nvGrpSpPr>
-      <p:grpSpPr>
-        <a:xfrm>
-          <a:off x="0" y="0"/>
-          <a:ext cx="0" cy="0"/>
-          <a:chOff x="0" y="0"/>
-          <a:chExt cx="0" cy="0"/>
-        </a:xfrm>
-      </p:grpSpPr>
-      <p:sp>
-        <p:nvSpPr>
-          <p:cNvPr id="2" name="Content Placeholder 1">
-            <a:extLst>
-              <a:ext uri="{FF2B5EF4-FFF2-40B4-BE49-F238E27FC236}">
-                <a16:creationId xmlns:a16="http://schemas.microsoft.com/office/drawing/2014/main" id="{7902FF95-AF66-4834-7F29-9DC852354C41}"/>
-              </a:ext>
-            </a:extLst>
-          </p:cNvPr>
-          <p:cNvSpPr>
-            <a:spLocks noGrp="1"/>
-          </p:cNvSpPr>
-          <p:nvPr>
-            <p:ph sz="quarter" idx="16"/>
-          </p:nvPr>
-        </p:nvSpPr>
-        <p:spPr/>
-        <p:txBody>
-          <a:bodyPr/>
-          <a:lstStyle/>
-          <a:p>
-            <a:pPr marL="1828800" lvl="4" indent="0">
-              <a:lnSpc>
-                <a:spcPct val="150000"/>
-              </a:lnSpc>
-              <a:buNone/>
-            </a:pPr>
-            <a:endParaRPr lang="en-AU" dirty="0"/>
-          </a:p>
-          <a:p>
-            <a:pPr>
-              <a:lnSpc>
-                <a:spcPct val="150000"/>
-              </a:lnSpc>
-            </a:pPr>
-            <a:endParaRPr lang="en-AU" dirty="0"/>
-          </a:p>
-        </p:txBody>
-      </p:sp>
-      <p:sp>
-        <p:nvSpPr>
-          <p:cNvPr id="3" name="Title 2">
-            <a:extLst>
-              <a:ext uri="{FF2B5EF4-FFF2-40B4-BE49-F238E27FC236}">
-                <a16:creationId xmlns:a16="http://schemas.microsoft.com/office/drawing/2014/main" id="{A235DEE9-9FCF-B010-137C-1B124BEDCF97}"/>
-              </a:ext>
-            </a:extLst>
-          </p:cNvPr>
-          <p:cNvSpPr>
-            <a:spLocks noGrp="1"/>
-          </p:cNvSpPr>
-          <p:nvPr>
-            <p:ph type="title"/>
-          </p:nvPr>
-        </p:nvSpPr>
-        <p:spPr/>
-        <p:txBody>
-          <a:bodyPr/>
-          <a:lstStyle/>
-          <a:p>
-            <a:r>
-              <a:rPr lang="en-US" dirty="0"/>
-              <a:t>Pre and Post Conditions</a:t>
-            </a:r>
-            <a:endParaRPr lang="en-AU" dirty="0"/>
-          </a:p>
-        </p:txBody>
-      </p:sp>
-      <p:sp>
-        <p:nvSpPr>
-          <p:cNvPr id="5" name="Slide Number Placeholder 4">
-            <a:extLst>
-              <a:ext uri="{FF2B5EF4-FFF2-40B4-BE49-F238E27FC236}">
-                <a16:creationId xmlns:a16="http://schemas.microsoft.com/office/drawing/2014/main" id="{63D25227-AC4E-6F5F-F956-DE830A1BCA62}"/>
-              </a:ext>
-            </a:extLst>
-          </p:cNvPr>
-          <p:cNvSpPr>
-            <a:spLocks noGrp="1"/>
-          </p:cNvSpPr>
-          <p:nvPr>
-            <p:ph type="sldNum" sz="quarter" idx="12"/>
-          </p:nvPr>
-        </p:nvSpPr>
-        <p:spPr/>
-        <p:txBody>
-          <a:bodyPr/>
-          <a:lstStyle/>
-          <a:p>
-            <a:fld id="{D9C42BCC-44E8-4F98-A8FE-EAF16D8C1E6E}" type="slidenum">
-              <a:rPr lang="en-AU" smtClean="0"/>
-              <a:t>8</a:t>
-            </a:fld>
-            <a:endParaRPr lang="en-AU" dirty="0"/>
-          </a:p>
-        </p:txBody>
-      </p:sp>
-      <p:sp>
-        <p:nvSpPr>
-          <p:cNvPr id="6" name="Text Placeholder 5">
-            <a:extLst>
-              <a:ext uri="{FF2B5EF4-FFF2-40B4-BE49-F238E27FC236}">
-                <a16:creationId xmlns:a16="http://schemas.microsoft.com/office/drawing/2014/main" id="{BFB9E9DC-1364-66AE-51EE-063ED5B81DA1}"/>
-              </a:ext>
-            </a:extLst>
-          </p:cNvPr>
-          <p:cNvSpPr>
-            <a:spLocks noGrp="1"/>
-          </p:cNvSpPr>
-          <p:nvPr>
-            <p:ph type="body" sz="quarter" idx="15"/>
-          </p:nvPr>
-        </p:nvSpPr>
-        <p:spPr/>
-        <p:txBody>
-          <a:bodyPr/>
-          <a:lstStyle/>
-          <a:p>
-            <a:endParaRPr lang="en-AU"/>
-          </a:p>
-        </p:txBody>
-      </p:sp>
-      <p:pic>
-        <p:nvPicPr>
-          <p:cNvPr id="7" name="Picture 6" descr="Text&#10;&#10;Description automatically generated">
-            <a:extLst>
-              <a:ext uri="{FF2B5EF4-FFF2-40B4-BE49-F238E27FC236}">
-                <a16:creationId xmlns:a16="http://schemas.microsoft.com/office/drawing/2014/main" id="{25853631-D9F3-9F62-02F2-C1419C728E1E}"/>
-              </a:ext>
-            </a:extLst>
-          </p:cNvPr>
-          <p:cNvPicPr>
-            <a:picLocks noChangeAspect="1"/>
-          </p:cNvPicPr>
-          <p:nvPr/>
-        </p:nvPicPr>
-        <p:blipFill>
-          <a:blip r:embed="rId3">
-            <a:extLst>
-              <a:ext uri="{28A0092B-C50C-407E-A947-70E740481C1C}">
-                <a14:useLocalDpi xmlns:a14="http://schemas.microsoft.com/office/drawing/2010/main" val="0"/>
-              </a:ext>
-            </a:extLst>
-          </a:blip>
-          <a:stretch>
-            <a:fillRect/>
-          </a:stretch>
-        </p:blipFill>
-        <p:spPr>
-          <a:xfrm>
-            <a:off x="950121" y="4176207"/>
-            <a:ext cx="8228155" cy="2126466"/>
-          </a:xfrm>
-          <a:prstGeom prst="rect">
-            <a:avLst/>
-          </a:prstGeom>
-        </p:spPr>
-      </p:pic>
-      <p:pic>
-        <p:nvPicPr>
-          <p:cNvPr id="9" name="Picture 8" descr="A picture containing text&#10;&#10;Description automatically generated">
-            <a:extLst>
-              <a:ext uri="{FF2B5EF4-FFF2-40B4-BE49-F238E27FC236}">
-                <a16:creationId xmlns:a16="http://schemas.microsoft.com/office/drawing/2014/main" id="{79446662-C9D7-FD51-3EF0-5FB754678D82}"/>
-              </a:ext>
-            </a:extLst>
-          </p:cNvPr>
-          <p:cNvPicPr>
-            <a:picLocks noChangeAspect="1"/>
-          </p:cNvPicPr>
-          <p:nvPr/>
-        </p:nvPicPr>
-        <p:blipFill>
-          <a:blip r:embed="rId4">
-            <a:extLst>
-              <a:ext uri="{28A0092B-C50C-407E-A947-70E740481C1C}">
-                <a14:useLocalDpi xmlns:a14="http://schemas.microsoft.com/office/drawing/2010/main" val="0"/>
-              </a:ext>
-            </a:extLst>
-          </a:blip>
-          <a:stretch>
-            <a:fillRect/>
-          </a:stretch>
-        </p:blipFill>
-        <p:spPr>
-          <a:xfrm>
-            <a:off x="950121" y="1782210"/>
-            <a:ext cx="8057720" cy="2162429"/>
-          </a:xfrm>
-          <a:prstGeom prst="rect">
-            <a:avLst/>
-          </a:prstGeom>
-        </p:spPr>
-      </p:pic>
-    </p:spTree>
-    <p:extLst>
-      <p:ext uri="{BB962C8B-B14F-4D97-AF65-F5344CB8AC3E}">
-        <p14:creationId xmlns:p14="http://schemas.microsoft.com/office/powerpoint/2010/main" val="2955655506"/>
-      </p:ext>
-    </p:extLst>
-  </p:cSld>
-  <p:clrMapOvr>
-    <a:masterClrMapping/>
-  </p:clrMapOvr>
-</p:sld>
-</file>
-
-<file path=ppt/slides/slide9.xml><?xml version="1.0" encoding="utf-8"?>
-<p:sld xmlns:a="http://schemas.openxmlformats.org/drawingml/2006/main" xmlns:r="http://schemas.openxmlformats.org/officeDocument/2006/relationships" xmlns:p="http://schemas.openxmlformats.org/presentationml/2006/main">
-  <p:cSld>
-    <p:spTree>
-      <p:nvGrpSpPr>
-        <p:cNvPr id="1" name=""/>
-        <p:cNvGrpSpPr/>
-        <p:nvPr/>
-      </p:nvGrpSpPr>
-      <p:grpSpPr>
-        <a:xfrm>
-          <a:off x="0" y="0"/>
-          <a:ext cx="0" cy="0"/>
-          <a:chOff x="0" y="0"/>
-          <a:chExt cx="0" cy="0"/>
-        </a:xfrm>
-      </p:grpSpPr>
-      <p:sp>
-        <p:nvSpPr>
-          <p:cNvPr id="2" name="Content Placeholder 1">
-            <a:extLst>
-              <a:ext uri="{FF2B5EF4-FFF2-40B4-BE49-F238E27FC236}">
-                <a16:creationId xmlns:a16="http://schemas.microsoft.com/office/drawing/2014/main" id="{60492C8A-DCA2-AB52-A0DF-96705733164D}"/>
-              </a:ext>
-            </a:extLst>
-          </p:cNvPr>
-          <p:cNvSpPr>
-            <a:spLocks noGrp="1"/>
-          </p:cNvSpPr>
-          <p:nvPr>
-            <p:ph sz="quarter" idx="16"/>
-          </p:nvPr>
-        </p:nvSpPr>
-        <p:spPr>
-          <a:xfrm>
-            <a:off x="720000" y="1620000"/>
-            <a:ext cx="10776675" cy="4963362"/>
-          </a:xfrm>
-        </p:spPr>
-        <p:txBody>
-          <a:bodyPr/>
-          <a:lstStyle/>
-          <a:p>
-            <a:pPr>
-              <a:lnSpc>
-                <a:spcPct val="150000"/>
-              </a:lnSpc>
-            </a:pPr>
-            <a:r>
-              <a:rPr lang="en-US" dirty="0"/>
-              <a:t>How do we show that a program will reach the post condition?</a:t>
-            </a:r>
-          </a:p>
-          <a:p>
-            <a:pPr>
-              <a:lnSpc>
-                <a:spcPct val="150000"/>
-              </a:lnSpc>
-            </a:pPr>
-            <a:r>
-              <a:rPr lang="en-US" dirty="0"/>
-              <a:t>Hoare triples</a:t>
-            </a:r>
-          </a:p>
-          <a:p>
-            <a:pPr lvl="1">
-              <a:lnSpc>
-                <a:spcPct val="150000"/>
-              </a:lnSpc>
-            </a:pPr>
-            <a:r>
-              <a:rPr lang="en-AU" dirty="0"/>
-              <a:t>{P} S {Q}</a:t>
-            </a:r>
-          </a:p>
-          <a:p>
-            <a:pPr lvl="1">
-              <a:lnSpc>
-                <a:spcPct val="150000"/>
-              </a:lnSpc>
-            </a:pPr>
-            <a:r>
-              <a:rPr lang="en-AU" dirty="0"/>
-              <a:t>P and Q are predicates representing our pre and post conditions</a:t>
-            </a:r>
-          </a:p>
-          <a:p>
-            <a:pPr lvl="1">
-              <a:lnSpc>
-                <a:spcPct val="150000"/>
-              </a:lnSpc>
-            </a:pPr>
-            <a:r>
-              <a:rPr lang="en-AU" dirty="0"/>
-              <a:t>S is the program</a:t>
-            </a:r>
-          </a:p>
-          <a:p>
-            <a:pPr>
-              <a:lnSpc>
-                <a:spcPct val="150000"/>
-              </a:lnSpc>
-            </a:pPr>
-            <a:r>
-              <a:rPr lang="en-AU" dirty="0"/>
-              <a:t>If the program is in state P and we execute S (and S terminates), Q will be true.</a:t>
-            </a:r>
-          </a:p>
-          <a:p>
-            <a:pPr lvl="1">
-              <a:lnSpc>
-                <a:spcPct val="150000"/>
-              </a:lnSpc>
-            </a:pPr>
-            <a:r>
-              <a:rPr lang="en-AU" dirty="0"/>
-              <a:t>{k = 3} k = 15 {k = 15}</a:t>
-            </a:r>
-          </a:p>
-          <a:p>
-            <a:pPr lvl="1">
-              <a:lnSpc>
-                <a:spcPct val="150000"/>
-              </a:lnSpc>
-            </a:pPr>
-            <a:r>
-              <a:rPr lang="en-AU" dirty="0"/>
-              <a:t>{x = y} y = y + 3 {y = x + 3}</a:t>
-            </a:r>
-          </a:p>
-          <a:p>
-            <a:pPr lvl="1">
-              <a:lnSpc>
-                <a:spcPct val="150000"/>
-              </a:lnSpc>
-            </a:pPr>
-            <a:r>
-              <a:rPr lang="en-AU" dirty="0"/>
-              <a:t>{x &lt; 0} x = (x * 2) - 4 {x &lt; -6}</a:t>
-            </a:r>
-          </a:p>
-          <a:p>
-            <a:pPr>
-              <a:lnSpc>
-                <a:spcPct val="150000"/>
-              </a:lnSpc>
-            </a:pPr>
-            <a:endParaRPr lang="en-AU" dirty="0"/>
-          </a:p>
-        </p:txBody>
-      </p:sp>
-      <p:sp>
-        <p:nvSpPr>
-          <p:cNvPr id="3" name="Title 2">
-            <a:extLst>
-              <a:ext uri="{FF2B5EF4-FFF2-40B4-BE49-F238E27FC236}">
-                <a16:creationId xmlns:a16="http://schemas.microsoft.com/office/drawing/2014/main" id="{7D21DD26-F190-4A65-4B5A-7F11FB5A95F1}"/>
-              </a:ext>
-            </a:extLst>
-          </p:cNvPr>
-          <p:cNvSpPr>
-            <a:spLocks noGrp="1"/>
-          </p:cNvSpPr>
-          <p:nvPr>
-            <p:ph type="title"/>
-          </p:nvPr>
-        </p:nvSpPr>
-        <p:spPr/>
-        <p:txBody>
-          <a:bodyPr/>
-          <a:lstStyle/>
-          <a:p>
-            <a:r>
-              <a:rPr lang="en-US" dirty="0"/>
-              <a:t>Hoare Logic</a:t>
-            </a:r>
-            <a:endParaRPr lang="en-AU" dirty="0"/>
-          </a:p>
-        </p:txBody>
-      </p:sp>
-      <p:sp>
-        <p:nvSpPr>
-          <p:cNvPr id="5" name="Slide Number Placeholder 4">
-            <a:extLst>
-              <a:ext uri="{FF2B5EF4-FFF2-40B4-BE49-F238E27FC236}">
-                <a16:creationId xmlns:a16="http://schemas.microsoft.com/office/drawing/2014/main" id="{04ACD6C8-F197-6CBD-F6EE-4FF14091D68E}"/>
-              </a:ext>
-            </a:extLst>
-          </p:cNvPr>
-          <p:cNvSpPr>
-            <a:spLocks noGrp="1"/>
-          </p:cNvSpPr>
-          <p:nvPr>
-            <p:ph type="sldNum" sz="quarter" idx="12"/>
-          </p:nvPr>
-        </p:nvSpPr>
-        <p:spPr/>
-        <p:txBody>
-          <a:bodyPr/>
-          <a:lstStyle/>
-          <a:p>
-            <a:fld id="{D9C42BCC-44E8-4F98-A8FE-EAF16D8C1E6E}" type="slidenum">
-              <a:rPr lang="en-AU" smtClean="0"/>
-              <a:t>9</a:t>
-            </a:fld>
-            <a:endParaRPr lang="en-AU" dirty="0"/>
-          </a:p>
-        </p:txBody>
-      </p:sp>
-      <p:sp>
-        <p:nvSpPr>
-          <p:cNvPr id="6" name="Text Placeholder 5">
-            <a:extLst>
-              <a:ext uri="{FF2B5EF4-FFF2-40B4-BE49-F238E27FC236}">
-                <a16:creationId xmlns:a16="http://schemas.microsoft.com/office/drawing/2014/main" id="{D48B7B99-018C-39DD-26B6-0EC4F037891D}"/>
-              </a:ext>
-            </a:extLst>
-          </p:cNvPr>
-          <p:cNvSpPr>
-            <a:spLocks noGrp="1"/>
-          </p:cNvSpPr>
-          <p:nvPr>
-            <p:ph type="body" sz="quarter" idx="15"/>
-          </p:nvPr>
-        </p:nvSpPr>
-        <p:spPr/>
-        <p:txBody>
-          <a:bodyPr/>
-          <a:lstStyle/>
-          <a:p>
-            <a:r>
-              <a:rPr lang="en-US" dirty="0"/>
-              <a:t>Hoare Logic</a:t>
-            </a:r>
-            <a:endParaRPr lang="en-AU" dirty="0"/>
-          </a:p>
-        </p:txBody>
-      </p:sp>
-    </p:spTree>
-    <p:extLst>
-      <p:ext uri="{BB962C8B-B14F-4D97-AF65-F5344CB8AC3E}">
-        <p14:creationId xmlns:p14="http://schemas.microsoft.com/office/powerpoint/2010/main" val="3327792352"/>
       </p:ext>
     </p:extLst>
   </p:cSld>
